--- a/1º Cuatrimestre/[VC] Visión por Computador/Prácticas/Trabajo_SegmentacionReconocimientoCaracteresMatriculas/Reconocimiento de Caracteres de Matrículas.pptx
+++ b/1º Cuatrimestre/[VC] Visión por Computador/Prácticas/Trabajo_SegmentacionReconocimientoCaracteresMatriculas/Reconocimiento de Caracteres de Matrículas.pptx
@@ -1,12 +1,23 @@
 
 <file path=ppt/presentation.xml><?xml version="1.0" encoding="utf-8"?>
-<p:presentation xmlns:a="http://schemas.openxmlformats.org/drawingml/2006/main" xmlns:r="http://schemas.openxmlformats.org/officeDocument/2006/relationships" xmlns:p="http://schemas.openxmlformats.org/presentationml/2006/main" saveSubsetFonts="1">
+<p:presentation xmlns:a="http://schemas.openxmlformats.org/drawingml/2006/main" xmlns:r="http://schemas.openxmlformats.org/officeDocument/2006/relationships" xmlns:p="http://schemas.openxmlformats.org/presentationml/2006/main" showSpecialPlsOnTitleSld="0" saveSubsetFonts="1">
   <p:sldMasterIdLst>
     <p:sldMasterId id="2147483648" r:id="rId1"/>
   </p:sldMasterIdLst>
+  <p:notesMasterIdLst>
+    <p:notesMasterId r:id="rId9"/>
+  </p:notesMasterIdLst>
+  <p:handoutMasterIdLst>
+    <p:handoutMasterId r:id="rId10"/>
+  </p:handoutMasterIdLst>
   <p:sldIdLst>
     <p:sldId id="256" r:id="rId2"/>
-    <p:sldId id="257" r:id="rId3"/>
+    <p:sldId id="264" r:id="rId3"/>
+    <p:sldId id="265" r:id="rId4"/>
+    <p:sldId id="266" r:id="rId5"/>
+    <p:sldId id="257" r:id="rId6"/>
+    <p:sldId id="262" r:id="rId7"/>
+    <p:sldId id="263" r:id="rId8"/>
   </p:sldIdLst>
   <p:sldSz cx="12192000" cy="6858000"/>
   <p:notesSz cx="6858000" cy="9144000"/>
@@ -105,7 +116,664 @@
       </a:defRPr>
     </a:lvl9pPr>
   </p:defaultTextStyle>
+  <p:extLst>
+    <p:ext uri="{EFAFB233-063F-42B5-8137-9DF3F51BA10A}">
+      <p15:sldGuideLst xmlns:p15="http://schemas.microsoft.com/office/powerpoint/2012/main"/>
+    </p:ext>
+  </p:extLst>
 </p:presentation>
+</file>
+
+<file path=ppt/handoutMasters/handoutMaster1.xml><?xml version="1.0" encoding="utf-8"?>
+<p:handoutMaster xmlns:a="http://schemas.openxmlformats.org/drawingml/2006/main" xmlns:r="http://schemas.openxmlformats.org/officeDocument/2006/relationships" xmlns:p="http://schemas.openxmlformats.org/presentationml/2006/main">
+  <p:cSld>
+    <p:bg>
+      <p:bgRef idx="1001">
+        <a:schemeClr val="bg1"/>
+      </p:bgRef>
+    </p:bg>
+    <p:spTree>
+      <p:nvGrpSpPr>
+        <p:cNvPr id="1" name=""/>
+        <p:cNvGrpSpPr/>
+        <p:nvPr/>
+      </p:nvGrpSpPr>
+      <p:grpSpPr>
+        <a:xfrm>
+          <a:off x="0" y="0"/>
+          <a:ext cx="0" cy="0"/>
+          <a:chOff x="0" y="0"/>
+          <a:chExt cx="0" cy="0"/>
+        </a:xfrm>
+      </p:grpSpPr>
+      <p:sp>
+        <p:nvSpPr>
+          <p:cNvPr id="2" name="Marcador de encabezado 1">
+            <a:extLst>
+              <a:ext uri="{FF2B5EF4-FFF2-40B4-BE49-F238E27FC236}">
+                <a16:creationId xmlns:a16="http://schemas.microsoft.com/office/drawing/2014/main" id="{6F156617-075D-4985-FD0F-64BA98C6163D}"/>
+              </a:ext>
+            </a:extLst>
+          </p:cNvPr>
+          <p:cNvSpPr>
+            <a:spLocks noGrp="1"/>
+          </p:cNvSpPr>
+          <p:nvPr>
+            <p:ph type="hdr" sz="quarter"/>
+          </p:nvPr>
+        </p:nvSpPr>
+        <p:spPr>
+          <a:xfrm>
+            <a:off x="0" y="0"/>
+            <a:ext cx="2971800" cy="458788"/>
+          </a:xfrm>
+          <a:prstGeom prst="rect">
+            <a:avLst/>
+          </a:prstGeom>
+        </p:spPr>
+        <p:txBody>
+          <a:bodyPr vert="horz" lIns="91440" tIns="45720" rIns="91440" bIns="45720" rtlCol="0"/>
+          <a:lstStyle>
+            <a:lvl1pPr algn="l">
+              <a:defRPr sz="1200"/>
+            </a:lvl1pPr>
+          </a:lstStyle>
+          <a:p>
+            <a:r>
+              <a:rPr lang="es-ES"/>
+              <a:t>Alberto F. Merchán</a:t>
+            </a:r>
+          </a:p>
+        </p:txBody>
+      </p:sp>
+      <p:sp>
+        <p:nvSpPr>
+          <p:cNvPr id="3" name="Marcador de fecha 2">
+            <a:extLst>
+              <a:ext uri="{FF2B5EF4-FFF2-40B4-BE49-F238E27FC236}">
+                <a16:creationId xmlns:a16="http://schemas.microsoft.com/office/drawing/2014/main" id="{848ABD60-2CC1-47CB-150B-30B03020A043}"/>
+              </a:ext>
+            </a:extLst>
+          </p:cNvPr>
+          <p:cNvSpPr>
+            <a:spLocks noGrp="1"/>
+          </p:cNvSpPr>
+          <p:nvPr>
+            <p:ph type="dt" sz="quarter" idx="1"/>
+          </p:nvPr>
+        </p:nvSpPr>
+        <p:spPr>
+          <a:xfrm>
+            <a:off x="3884613" y="0"/>
+            <a:ext cx="2971800" cy="458788"/>
+          </a:xfrm>
+          <a:prstGeom prst="rect">
+            <a:avLst/>
+          </a:prstGeom>
+        </p:spPr>
+        <p:txBody>
+          <a:bodyPr vert="horz" lIns="91440" tIns="45720" rIns="91440" bIns="45720" rtlCol="0"/>
+          <a:lstStyle>
+            <a:lvl1pPr algn="r">
+              <a:defRPr sz="1200"/>
+            </a:lvl1pPr>
+          </a:lstStyle>
+          <a:p>
+            <a:fld id="{F2640914-1033-471D-9D81-832899CC1A0A}" type="datetimeFigureOut">
+              <a:rPr lang="es-ES" smtClean="0"/>
+              <a:t>03/01/2023</a:t>
+            </a:fld>
+            <a:endParaRPr lang="es-ES"/>
+          </a:p>
+        </p:txBody>
+      </p:sp>
+      <p:sp>
+        <p:nvSpPr>
+          <p:cNvPr id="4" name="Marcador de pie de página 3">
+            <a:extLst>
+              <a:ext uri="{FF2B5EF4-FFF2-40B4-BE49-F238E27FC236}">
+                <a16:creationId xmlns:a16="http://schemas.microsoft.com/office/drawing/2014/main" id="{63DAD4EB-474E-F5FD-AA45-D595496CEA55}"/>
+              </a:ext>
+            </a:extLst>
+          </p:cNvPr>
+          <p:cNvSpPr>
+            <a:spLocks noGrp="1"/>
+          </p:cNvSpPr>
+          <p:nvPr>
+            <p:ph type="ftr" sz="quarter" idx="2"/>
+          </p:nvPr>
+        </p:nvSpPr>
+        <p:spPr>
+          <a:xfrm>
+            <a:off x="0" y="8685213"/>
+            <a:ext cx="2971800" cy="458787"/>
+          </a:xfrm>
+          <a:prstGeom prst="rect">
+            <a:avLst/>
+          </a:prstGeom>
+        </p:spPr>
+        <p:txBody>
+          <a:bodyPr vert="horz" lIns="91440" tIns="45720" rIns="91440" bIns="45720" rtlCol="0" anchor="b"/>
+          <a:lstStyle>
+            <a:lvl1pPr algn="l">
+              <a:defRPr sz="1200"/>
+            </a:lvl1pPr>
+          </a:lstStyle>
+          <a:p>
+            <a:endParaRPr lang="es-ES"/>
+          </a:p>
+        </p:txBody>
+      </p:sp>
+      <p:sp>
+        <p:nvSpPr>
+          <p:cNvPr id="5" name="Marcador de número de diapositiva 4">
+            <a:extLst>
+              <a:ext uri="{FF2B5EF4-FFF2-40B4-BE49-F238E27FC236}">
+                <a16:creationId xmlns:a16="http://schemas.microsoft.com/office/drawing/2014/main" id="{6F849DB3-3142-3710-4846-152B49123F4A}"/>
+              </a:ext>
+            </a:extLst>
+          </p:cNvPr>
+          <p:cNvSpPr>
+            <a:spLocks noGrp="1"/>
+          </p:cNvSpPr>
+          <p:nvPr>
+            <p:ph type="sldNum" sz="quarter" idx="3"/>
+          </p:nvPr>
+        </p:nvSpPr>
+        <p:spPr>
+          <a:xfrm>
+            <a:off x="3884613" y="8685213"/>
+            <a:ext cx="2971800" cy="458787"/>
+          </a:xfrm>
+          <a:prstGeom prst="rect">
+            <a:avLst/>
+          </a:prstGeom>
+        </p:spPr>
+        <p:txBody>
+          <a:bodyPr vert="horz" lIns="91440" tIns="45720" rIns="91440" bIns="45720" rtlCol="0" anchor="b"/>
+          <a:lstStyle>
+            <a:lvl1pPr algn="r">
+              <a:defRPr sz="1200"/>
+            </a:lvl1pPr>
+          </a:lstStyle>
+          <a:p>
+            <a:fld id="{30BA0449-2013-4CF4-BEA4-F5026E56824E}" type="slidenum">
+              <a:rPr lang="es-ES" smtClean="0"/>
+              <a:t>‹Nº›</a:t>
+            </a:fld>
+            <a:endParaRPr lang="es-ES"/>
+          </a:p>
+        </p:txBody>
+      </p:sp>
+    </p:spTree>
+    <p:extLst>
+      <p:ext uri="{BB962C8B-B14F-4D97-AF65-F5344CB8AC3E}">
+        <p14:creationId xmlns:p14="http://schemas.microsoft.com/office/powerpoint/2010/main" val="1336402838"/>
+      </p:ext>
+    </p:extLst>
+  </p:cSld>
+  <p:clrMap bg1="lt1" tx1="dk1" bg2="lt2" tx2="dk2" accent1="accent1" accent2="accent2" accent3="accent3" accent4="accent4" accent5="accent5" accent6="accent6" hlink="hlink" folHlink="folHlink"/>
+  <p:hf ftr="0" dt="0"/>
+</p:handoutMaster>
+</file>
+
+<file path=ppt/notesMasters/notesMaster1.xml><?xml version="1.0" encoding="utf-8"?>
+<p:notesMaster xmlns:a="http://schemas.openxmlformats.org/drawingml/2006/main" xmlns:r="http://schemas.openxmlformats.org/officeDocument/2006/relationships" xmlns:p="http://schemas.openxmlformats.org/presentationml/2006/main">
+  <p:cSld>
+    <p:bg>
+      <p:bgRef idx="1001">
+        <a:schemeClr val="bg1"/>
+      </p:bgRef>
+    </p:bg>
+    <p:spTree>
+      <p:nvGrpSpPr>
+        <p:cNvPr id="1" name=""/>
+        <p:cNvGrpSpPr/>
+        <p:nvPr/>
+      </p:nvGrpSpPr>
+      <p:grpSpPr>
+        <a:xfrm>
+          <a:off x="0" y="0"/>
+          <a:ext cx="0" cy="0"/>
+          <a:chOff x="0" y="0"/>
+          <a:chExt cx="0" cy="0"/>
+        </a:xfrm>
+      </p:grpSpPr>
+      <p:sp>
+        <p:nvSpPr>
+          <p:cNvPr id="2" name="Marcador de encabezado 1"/>
+          <p:cNvSpPr>
+            <a:spLocks noGrp="1"/>
+          </p:cNvSpPr>
+          <p:nvPr>
+            <p:ph type="hdr" sz="quarter"/>
+          </p:nvPr>
+        </p:nvSpPr>
+        <p:spPr>
+          <a:xfrm>
+            <a:off x="0" y="0"/>
+            <a:ext cx="2971800" cy="458788"/>
+          </a:xfrm>
+          <a:prstGeom prst="rect">
+            <a:avLst/>
+          </a:prstGeom>
+        </p:spPr>
+        <p:txBody>
+          <a:bodyPr vert="horz" lIns="91440" tIns="45720" rIns="91440" bIns="45720" rtlCol="0"/>
+          <a:lstStyle>
+            <a:lvl1pPr algn="l">
+              <a:defRPr sz="1200"/>
+            </a:lvl1pPr>
+          </a:lstStyle>
+          <a:p>
+            <a:r>
+              <a:rPr lang="es-ES"/>
+              <a:t>Alberto F. Merchán</a:t>
+            </a:r>
+          </a:p>
+        </p:txBody>
+      </p:sp>
+      <p:sp>
+        <p:nvSpPr>
+          <p:cNvPr id="3" name="Marcador de fecha 2"/>
+          <p:cNvSpPr>
+            <a:spLocks noGrp="1"/>
+          </p:cNvSpPr>
+          <p:nvPr>
+            <p:ph type="dt" idx="1"/>
+          </p:nvPr>
+        </p:nvSpPr>
+        <p:spPr>
+          <a:xfrm>
+            <a:off x="3884613" y="0"/>
+            <a:ext cx="2971800" cy="458788"/>
+          </a:xfrm>
+          <a:prstGeom prst="rect">
+            <a:avLst/>
+          </a:prstGeom>
+        </p:spPr>
+        <p:txBody>
+          <a:bodyPr vert="horz" lIns="91440" tIns="45720" rIns="91440" bIns="45720" rtlCol="0"/>
+          <a:lstStyle>
+            <a:lvl1pPr algn="r">
+              <a:defRPr sz="1200"/>
+            </a:lvl1pPr>
+          </a:lstStyle>
+          <a:p>
+            <a:fld id="{204C2304-8B5C-471F-A50F-69D56CBB9FA6}" type="datetimeFigureOut">
+              <a:rPr lang="es-ES" smtClean="0"/>
+              <a:t>03/01/2023</a:t>
+            </a:fld>
+            <a:endParaRPr lang="es-ES"/>
+          </a:p>
+        </p:txBody>
+      </p:sp>
+      <p:sp>
+        <p:nvSpPr>
+          <p:cNvPr id="4" name="Marcador de imagen de diapositiva 3"/>
+          <p:cNvSpPr>
+            <a:spLocks noGrp="1" noRot="1" noChangeAspect="1"/>
+          </p:cNvSpPr>
+          <p:nvPr>
+            <p:ph type="sldImg" idx="2"/>
+          </p:nvPr>
+        </p:nvSpPr>
+        <p:spPr>
+          <a:xfrm>
+            <a:off x="685800" y="1143000"/>
+            <a:ext cx="5486400" cy="3086100"/>
+          </a:xfrm>
+          <a:prstGeom prst="rect">
+            <a:avLst/>
+          </a:prstGeom>
+          <a:noFill/>
+          <a:ln w="12700">
+            <a:solidFill>
+              <a:prstClr val="black"/>
+            </a:solidFill>
+          </a:ln>
+        </p:spPr>
+        <p:txBody>
+          <a:bodyPr vert="horz" lIns="91440" tIns="45720" rIns="91440" bIns="45720" rtlCol="0" anchor="ctr"/>
+          <a:lstStyle/>
+          <a:p>
+            <a:endParaRPr lang="es-ES"/>
+          </a:p>
+        </p:txBody>
+      </p:sp>
+      <p:sp>
+        <p:nvSpPr>
+          <p:cNvPr id="5" name="Marcador de notas 4"/>
+          <p:cNvSpPr>
+            <a:spLocks noGrp="1"/>
+          </p:cNvSpPr>
+          <p:nvPr>
+            <p:ph type="body" sz="quarter" idx="3"/>
+          </p:nvPr>
+        </p:nvSpPr>
+        <p:spPr>
+          <a:xfrm>
+            <a:off x="685800" y="4400550"/>
+            <a:ext cx="5486400" cy="3600450"/>
+          </a:xfrm>
+          <a:prstGeom prst="rect">
+            <a:avLst/>
+          </a:prstGeom>
+        </p:spPr>
+        <p:txBody>
+          <a:bodyPr vert="horz" lIns="91440" tIns="45720" rIns="91440" bIns="45720" rtlCol="0"/>
+          <a:lstStyle/>
+          <a:p>
+            <a:pPr lvl="0"/>
+            <a:r>
+              <a:rPr lang="es-ES"/>
+              <a:t>Haga clic para modificar los estilos de texto del patrón</a:t>
+            </a:r>
+          </a:p>
+          <a:p>
+            <a:pPr lvl="1"/>
+            <a:r>
+              <a:rPr lang="es-ES"/>
+              <a:t>Segundo nivel</a:t>
+            </a:r>
+          </a:p>
+          <a:p>
+            <a:pPr lvl="2"/>
+            <a:r>
+              <a:rPr lang="es-ES"/>
+              <a:t>Tercer nivel</a:t>
+            </a:r>
+          </a:p>
+          <a:p>
+            <a:pPr lvl="3"/>
+            <a:r>
+              <a:rPr lang="es-ES"/>
+              <a:t>Cuarto nivel</a:t>
+            </a:r>
+          </a:p>
+          <a:p>
+            <a:pPr lvl="4"/>
+            <a:r>
+              <a:rPr lang="es-ES"/>
+              <a:t>Quinto nivel</a:t>
+            </a:r>
+          </a:p>
+        </p:txBody>
+      </p:sp>
+      <p:sp>
+        <p:nvSpPr>
+          <p:cNvPr id="6" name="Marcador de pie de página 5"/>
+          <p:cNvSpPr>
+            <a:spLocks noGrp="1"/>
+          </p:cNvSpPr>
+          <p:nvPr>
+            <p:ph type="ftr" sz="quarter" idx="4"/>
+          </p:nvPr>
+        </p:nvSpPr>
+        <p:spPr>
+          <a:xfrm>
+            <a:off x="0" y="8685213"/>
+            <a:ext cx="2971800" cy="458787"/>
+          </a:xfrm>
+          <a:prstGeom prst="rect">
+            <a:avLst/>
+          </a:prstGeom>
+        </p:spPr>
+        <p:txBody>
+          <a:bodyPr vert="horz" lIns="91440" tIns="45720" rIns="91440" bIns="45720" rtlCol="0" anchor="b"/>
+          <a:lstStyle>
+            <a:lvl1pPr algn="l">
+              <a:defRPr sz="1200"/>
+            </a:lvl1pPr>
+          </a:lstStyle>
+          <a:p>
+            <a:endParaRPr lang="es-ES"/>
+          </a:p>
+        </p:txBody>
+      </p:sp>
+      <p:sp>
+        <p:nvSpPr>
+          <p:cNvPr id="7" name="Marcador de número de diapositiva 6"/>
+          <p:cNvSpPr>
+            <a:spLocks noGrp="1"/>
+          </p:cNvSpPr>
+          <p:nvPr>
+            <p:ph type="sldNum" sz="quarter" idx="5"/>
+          </p:nvPr>
+        </p:nvSpPr>
+        <p:spPr>
+          <a:xfrm>
+            <a:off x="3884613" y="8685213"/>
+            <a:ext cx="2971800" cy="458787"/>
+          </a:xfrm>
+          <a:prstGeom prst="rect">
+            <a:avLst/>
+          </a:prstGeom>
+        </p:spPr>
+        <p:txBody>
+          <a:bodyPr vert="horz" lIns="91440" tIns="45720" rIns="91440" bIns="45720" rtlCol="0" anchor="b"/>
+          <a:lstStyle>
+            <a:lvl1pPr algn="r">
+              <a:defRPr sz="1200"/>
+            </a:lvl1pPr>
+          </a:lstStyle>
+          <a:p>
+            <a:fld id="{7837D141-A2F8-4D14-9586-816341BC12D7}" type="slidenum">
+              <a:rPr lang="es-ES" smtClean="0"/>
+              <a:t>‹Nº›</a:t>
+            </a:fld>
+            <a:endParaRPr lang="es-ES"/>
+          </a:p>
+        </p:txBody>
+      </p:sp>
+    </p:spTree>
+    <p:extLst>
+      <p:ext uri="{BB962C8B-B14F-4D97-AF65-F5344CB8AC3E}">
+        <p14:creationId xmlns:p14="http://schemas.microsoft.com/office/powerpoint/2010/main" val="852729988"/>
+      </p:ext>
+    </p:extLst>
+  </p:cSld>
+  <p:clrMap bg1="lt1" tx1="dk1" bg2="lt2" tx2="dk2" accent1="accent1" accent2="accent2" accent3="accent3" accent4="accent4" accent5="accent5" accent6="accent6" hlink="hlink" folHlink="folHlink"/>
+  <p:hf ftr="0" dt="0"/>
+  <p:notesStyle>
+    <a:lvl1pPr marL="0" algn="l" defTabSz="914400" rtl="0" eaLnBrk="1" latinLnBrk="0" hangingPunct="1">
+      <a:defRPr sz="1200" kern="1200">
+        <a:solidFill>
+          <a:schemeClr val="tx1"/>
+        </a:solidFill>
+        <a:latin typeface="+mn-lt"/>
+        <a:ea typeface="+mn-ea"/>
+        <a:cs typeface="+mn-cs"/>
+      </a:defRPr>
+    </a:lvl1pPr>
+    <a:lvl2pPr marL="457200" algn="l" defTabSz="914400" rtl="0" eaLnBrk="1" latinLnBrk="0" hangingPunct="1">
+      <a:defRPr sz="1200" kern="1200">
+        <a:solidFill>
+          <a:schemeClr val="tx1"/>
+        </a:solidFill>
+        <a:latin typeface="+mn-lt"/>
+        <a:ea typeface="+mn-ea"/>
+        <a:cs typeface="+mn-cs"/>
+      </a:defRPr>
+    </a:lvl2pPr>
+    <a:lvl3pPr marL="914400" algn="l" defTabSz="914400" rtl="0" eaLnBrk="1" latinLnBrk="0" hangingPunct="1">
+      <a:defRPr sz="1200" kern="1200">
+        <a:solidFill>
+          <a:schemeClr val="tx1"/>
+        </a:solidFill>
+        <a:latin typeface="+mn-lt"/>
+        <a:ea typeface="+mn-ea"/>
+        <a:cs typeface="+mn-cs"/>
+      </a:defRPr>
+    </a:lvl3pPr>
+    <a:lvl4pPr marL="1371600" algn="l" defTabSz="914400" rtl="0" eaLnBrk="1" latinLnBrk="0" hangingPunct="1">
+      <a:defRPr sz="1200" kern="1200">
+        <a:solidFill>
+          <a:schemeClr val="tx1"/>
+        </a:solidFill>
+        <a:latin typeface="+mn-lt"/>
+        <a:ea typeface="+mn-ea"/>
+        <a:cs typeface="+mn-cs"/>
+      </a:defRPr>
+    </a:lvl4pPr>
+    <a:lvl5pPr marL="1828800" algn="l" defTabSz="914400" rtl="0" eaLnBrk="1" latinLnBrk="0" hangingPunct="1">
+      <a:defRPr sz="1200" kern="1200">
+        <a:solidFill>
+          <a:schemeClr val="tx1"/>
+        </a:solidFill>
+        <a:latin typeface="+mn-lt"/>
+        <a:ea typeface="+mn-ea"/>
+        <a:cs typeface="+mn-cs"/>
+      </a:defRPr>
+    </a:lvl5pPr>
+    <a:lvl6pPr marL="2286000" algn="l" defTabSz="914400" rtl="0" eaLnBrk="1" latinLnBrk="0" hangingPunct="1">
+      <a:defRPr sz="1200" kern="1200">
+        <a:solidFill>
+          <a:schemeClr val="tx1"/>
+        </a:solidFill>
+        <a:latin typeface="+mn-lt"/>
+        <a:ea typeface="+mn-ea"/>
+        <a:cs typeface="+mn-cs"/>
+      </a:defRPr>
+    </a:lvl6pPr>
+    <a:lvl7pPr marL="2743200" algn="l" defTabSz="914400" rtl="0" eaLnBrk="1" latinLnBrk="0" hangingPunct="1">
+      <a:defRPr sz="1200" kern="1200">
+        <a:solidFill>
+          <a:schemeClr val="tx1"/>
+        </a:solidFill>
+        <a:latin typeface="+mn-lt"/>
+        <a:ea typeface="+mn-ea"/>
+        <a:cs typeface="+mn-cs"/>
+      </a:defRPr>
+    </a:lvl7pPr>
+    <a:lvl8pPr marL="3200400" algn="l" defTabSz="914400" rtl="0" eaLnBrk="1" latinLnBrk="0" hangingPunct="1">
+      <a:defRPr sz="1200" kern="1200">
+        <a:solidFill>
+          <a:schemeClr val="tx1"/>
+        </a:solidFill>
+        <a:latin typeface="+mn-lt"/>
+        <a:ea typeface="+mn-ea"/>
+        <a:cs typeface="+mn-cs"/>
+      </a:defRPr>
+    </a:lvl8pPr>
+    <a:lvl9pPr marL="3657600" algn="l" defTabSz="914400" rtl="0" eaLnBrk="1" latinLnBrk="0" hangingPunct="1">
+      <a:defRPr sz="1200" kern="1200">
+        <a:solidFill>
+          <a:schemeClr val="tx1"/>
+        </a:solidFill>
+        <a:latin typeface="+mn-lt"/>
+        <a:ea typeface="+mn-ea"/>
+        <a:cs typeface="+mn-cs"/>
+      </a:defRPr>
+    </a:lvl9pPr>
+  </p:notesStyle>
+</p:notesMaster>
+</file>
+
+<file path=ppt/notesSlides/notesSlide1.xml><?xml version="1.0" encoding="utf-8"?>
+<p:notes xmlns:a="http://schemas.openxmlformats.org/drawingml/2006/main" xmlns:r="http://schemas.openxmlformats.org/officeDocument/2006/relationships" xmlns:p="http://schemas.openxmlformats.org/presentationml/2006/main">
+  <p:cSld>
+    <p:spTree>
+      <p:nvGrpSpPr>
+        <p:cNvPr id="1" name=""/>
+        <p:cNvGrpSpPr/>
+        <p:nvPr/>
+      </p:nvGrpSpPr>
+      <p:grpSpPr>
+        <a:xfrm>
+          <a:off x="0" y="0"/>
+          <a:ext cx="0" cy="0"/>
+          <a:chOff x="0" y="0"/>
+          <a:chExt cx="0" cy="0"/>
+        </a:xfrm>
+      </p:grpSpPr>
+      <p:sp>
+        <p:nvSpPr>
+          <p:cNvPr id="2" name="Marcador de imagen de diapositiva 1"/>
+          <p:cNvSpPr>
+            <a:spLocks noGrp="1" noRot="1" noChangeAspect="1"/>
+          </p:cNvSpPr>
+          <p:nvPr>
+            <p:ph type="sldImg"/>
+          </p:nvPr>
+        </p:nvSpPr>
+        <p:spPr/>
+      </p:sp>
+      <p:sp>
+        <p:nvSpPr>
+          <p:cNvPr id="3" name="Marcador de notas 2"/>
+          <p:cNvSpPr>
+            <a:spLocks noGrp="1"/>
+          </p:cNvSpPr>
+          <p:nvPr>
+            <p:ph type="body" idx="1"/>
+          </p:nvPr>
+        </p:nvSpPr>
+        <p:spPr/>
+        <p:txBody>
+          <a:bodyPr/>
+          <a:lstStyle/>
+          <a:p>
+            <a:endParaRPr lang="es-ES" dirty="0"/>
+          </a:p>
+        </p:txBody>
+      </p:sp>
+      <p:sp>
+        <p:nvSpPr>
+          <p:cNvPr id="4" name="Marcador de encabezado 3"/>
+          <p:cNvSpPr>
+            <a:spLocks noGrp="1"/>
+          </p:cNvSpPr>
+          <p:nvPr>
+            <p:ph type="hdr" sz="quarter"/>
+          </p:nvPr>
+        </p:nvSpPr>
+        <p:spPr/>
+        <p:txBody>
+          <a:bodyPr/>
+          <a:lstStyle/>
+          <a:p>
+            <a:r>
+              <a:rPr lang="es-ES"/>
+              <a:t>Alberto F. Merchán</a:t>
+            </a:r>
+          </a:p>
+        </p:txBody>
+      </p:sp>
+      <p:sp>
+        <p:nvSpPr>
+          <p:cNvPr id="5" name="Marcador de número de diapositiva 4"/>
+          <p:cNvSpPr>
+            <a:spLocks noGrp="1"/>
+          </p:cNvSpPr>
+          <p:nvPr>
+            <p:ph type="sldNum" sz="quarter" idx="5"/>
+          </p:nvPr>
+        </p:nvSpPr>
+        <p:spPr/>
+        <p:txBody>
+          <a:bodyPr/>
+          <a:lstStyle/>
+          <a:p>
+            <a:fld id="{7837D141-A2F8-4D14-9586-816341BC12D7}" type="slidenum">
+              <a:rPr lang="es-ES" smtClean="0"/>
+              <a:t>2</a:t>
+            </a:fld>
+            <a:endParaRPr lang="es-ES"/>
+          </a:p>
+        </p:txBody>
+      </p:sp>
+    </p:spTree>
+    <p:extLst>
+      <p:ext uri="{BB962C8B-B14F-4D97-AF65-F5344CB8AC3E}">
+        <p14:creationId xmlns:p14="http://schemas.microsoft.com/office/powerpoint/2010/main" val="9990768"/>
+      </p:ext>
+    </p:extLst>
+  </p:cSld>
+  <p:clrMapOvr>
+    <a:masterClrMapping/>
+  </p:clrMapOvr>
+</p:notes>
 </file>
 
 <file path=ppt/slideLayouts/slideLayout1.xml><?xml version="1.0" encoding="utf-8"?>
@@ -253,9 +921,9 @@
           <a:bodyPr/>
           <a:lstStyle/>
           <a:p>
-            <a:fld id="{2164F99A-5403-4347-AEC6-5AE9DF56DD88}" type="datetimeFigureOut">
+            <a:fld id="{B92E607A-3147-46E2-A2C6-9E346957AA33}" type="datetime1">
               <a:rPr lang="es-ES" smtClean="0"/>
-              <a:t>12/12/2022</a:t>
+              <a:t>03/01/2023</a:t>
             </a:fld>
             <a:endParaRPr lang="es-ES"/>
           </a:p>
@@ -451,9 +1119,9 @@
           <a:bodyPr/>
           <a:lstStyle/>
           <a:p>
-            <a:fld id="{2164F99A-5403-4347-AEC6-5AE9DF56DD88}" type="datetimeFigureOut">
+            <a:fld id="{A62C5944-D18D-44F8-9D2D-F519BCD4E9AD}" type="datetime1">
               <a:rPr lang="es-ES" smtClean="0"/>
-              <a:t>12/12/2022</a:t>
+              <a:t>03/01/2023</a:t>
             </a:fld>
             <a:endParaRPr lang="es-ES"/>
           </a:p>
@@ -659,9 +1327,9 @@
           <a:bodyPr/>
           <a:lstStyle/>
           <a:p>
-            <a:fld id="{2164F99A-5403-4347-AEC6-5AE9DF56DD88}" type="datetimeFigureOut">
+            <a:fld id="{56C38AD0-7347-4686-B844-4F351925B062}" type="datetime1">
               <a:rPr lang="es-ES" smtClean="0"/>
-              <a:t>12/12/2022</a:t>
+              <a:t>03/01/2023</a:t>
             </a:fld>
             <a:endParaRPr lang="es-ES"/>
           </a:p>
@@ -857,9 +1525,9 @@
           <a:bodyPr/>
           <a:lstStyle/>
           <a:p>
-            <a:fld id="{2164F99A-5403-4347-AEC6-5AE9DF56DD88}" type="datetimeFigureOut">
+            <a:fld id="{AB59D442-A55D-4696-A2AA-4A17F2587381}" type="datetime1">
               <a:rPr lang="es-ES" smtClean="0"/>
-              <a:t>12/12/2022</a:t>
+              <a:t>03/01/2023</a:t>
             </a:fld>
             <a:endParaRPr lang="es-ES"/>
           </a:p>
@@ -1132,9 +1800,9 @@
           <a:bodyPr/>
           <a:lstStyle/>
           <a:p>
-            <a:fld id="{2164F99A-5403-4347-AEC6-5AE9DF56DD88}" type="datetimeFigureOut">
+            <a:fld id="{6815B5B3-6DAF-4C64-A355-7198163B8B6C}" type="datetime1">
               <a:rPr lang="es-ES" smtClean="0"/>
-              <a:t>12/12/2022</a:t>
+              <a:t>03/01/2023</a:t>
             </a:fld>
             <a:endParaRPr lang="es-ES"/>
           </a:p>
@@ -1397,9 +2065,9 @@
           <a:bodyPr/>
           <a:lstStyle/>
           <a:p>
-            <a:fld id="{2164F99A-5403-4347-AEC6-5AE9DF56DD88}" type="datetimeFigureOut">
+            <a:fld id="{ECCC2F15-4907-40CB-8B0E-82DA1902C797}" type="datetime1">
               <a:rPr lang="es-ES" smtClean="0"/>
-              <a:t>12/12/2022</a:t>
+              <a:t>03/01/2023</a:t>
             </a:fld>
             <a:endParaRPr lang="es-ES"/>
           </a:p>
@@ -1809,9 +2477,9 @@
           <a:bodyPr/>
           <a:lstStyle/>
           <a:p>
-            <a:fld id="{2164F99A-5403-4347-AEC6-5AE9DF56DD88}" type="datetimeFigureOut">
+            <a:fld id="{F37DB578-C2EA-4451-B5D5-6F92B8330A1D}" type="datetime1">
               <a:rPr lang="es-ES" smtClean="0"/>
-              <a:t>12/12/2022</a:t>
+              <a:t>03/01/2023</a:t>
             </a:fld>
             <a:endParaRPr lang="es-ES"/>
           </a:p>
@@ -1950,9 +2618,9 @@
           <a:bodyPr/>
           <a:lstStyle/>
           <a:p>
-            <a:fld id="{2164F99A-5403-4347-AEC6-5AE9DF56DD88}" type="datetimeFigureOut">
+            <a:fld id="{2E2C1F99-0CBC-4C21-AB6C-C66B072A592D}" type="datetime1">
               <a:rPr lang="es-ES" smtClean="0"/>
-              <a:t>12/12/2022</a:t>
+              <a:t>03/01/2023</a:t>
             </a:fld>
             <a:endParaRPr lang="es-ES"/>
           </a:p>
@@ -2063,9 +2731,9 @@
           <a:bodyPr/>
           <a:lstStyle/>
           <a:p>
-            <a:fld id="{2164F99A-5403-4347-AEC6-5AE9DF56DD88}" type="datetimeFigureOut">
+            <a:fld id="{BB7A534E-FCD8-44F6-868B-DE566C32CA37}" type="datetime1">
               <a:rPr lang="es-ES" smtClean="0"/>
-              <a:t>12/12/2022</a:t>
+              <a:t>03/01/2023</a:t>
             </a:fld>
             <a:endParaRPr lang="es-ES"/>
           </a:p>
@@ -2374,9 +3042,9 @@
           <a:bodyPr/>
           <a:lstStyle/>
           <a:p>
-            <a:fld id="{2164F99A-5403-4347-AEC6-5AE9DF56DD88}" type="datetimeFigureOut">
+            <a:fld id="{B1A0EF0D-0470-4506-BA91-C8A11F77217E}" type="datetime1">
               <a:rPr lang="es-ES" smtClean="0"/>
-              <a:t>12/12/2022</a:t>
+              <a:t>03/01/2023</a:t>
             </a:fld>
             <a:endParaRPr lang="es-ES"/>
           </a:p>
@@ -2662,9 +3330,9 @@
           <a:bodyPr/>
           <a:lstStyle/>
           <a:p>
-            <a:fld id="{2164F99A-5403-4347-AEC6-5AE9DF56DD88}" type="datetimeFigureOut">
+            <a:fld id="{BEC8AB9D-9D43-41C3-AC3A-F41456FF4F3A}" type="datetime1">
               <a:rPr lang="es-ES" smtClean="0"/>
-              <a:t>12/12/2022</a:t>
+              <a:t>03/01/2023</a:t>
             </a:fld>
             <a:endParaRPr lang="es-ES"/>
           </a:p>
@@ -2903,9 +3571,9 @@
             </a:lvl1pPr>
           </a:lstStyle>
           <a:p>
-            <a:fld id="{2164F99A-5403-4347-AEC6-5AE9DF56DD88}" type="datetimeFigureOut">
+            <a:fld id="{11F9BD3D-9F44-4553-8F7C-614362C3ECAE}" type="datetime1">
               <a:rPr lang="es-ES" smtClean="0"/>
-              <a:t>12/12/2022</a:t>
+              <a:t>03/01/2023</a:t>
             </a:fld>
             <a:endParaRPr lang="es-ES"/>
           </a:p>
@@ -3022,6 +3690,7 @@
     <p:sldLayoutId id="2147483658" r:id="rId10"/>
     <p:sldLayoutId id="2147483659" r:id="rId11"/>
   </p:sldLayoutIdLst>
+  <p:hf hdr="0" ftr="0" dt="0"/>
   <p:txStyles>
     <p:titleStyle>
       <a:lvl1pPr algn="l" defTabSz="914400" rtl="0" eaLnBrk="1" latinLnBrk="0" hangingPunct="1">
@@ -3548,8 +4217,8 @@
         </p:nvSpPr>
         <p:spPr>
           <a:xfrm>
-            <a:off x="1524000" y="1376363"/>
-            <a:ext cx="9144000" cy="2521594"/>
+            <a:off x="1534952" y="1594537"/>
+            <a:ext cx="9144000" cy="1743389"/>
           </a:xfrm>
         </p:spPr>
         <p:txBody>
@@ -3559,9 +4228,14 @@
           <a:lstStyle/>
           <a:p>
             <a:r>
-              <a:rPr lang="es-ES" sz="5400"/>
-              <a:t>Trabajo Final: Segmentación y Reconocimiento de Matriculas</a:t>
-            </a:r>
+              <a:rPr lang="es-ES" sz="4000" dirty="0">
+                <a:latin typeface="Calisto MT" panose="02040603050505030304" pitchFamily="18" charset="0"/>
+              </a:rPr>
+              <a:t>Sistema de Segmentación y Reconocimiento de Caracteres de Placas de Matrículas</a:t>
+            </a:r>
+            <a:endParaRPr lang="es-ES" dirty="0">
+              <a:latin typeface="Calisto MT" panose="02040603050505030304" pitchFamily="18" charset="0"/>
+            </a:endParaRPr>
           </a:p>
         </p:txBody>
       </p:sp>
@@ -3583,8 +4257,8 @@
         </p:nvSpPr>
         <p:spPr>
           <a:xfrm>
-            <a:off x="1524000" y="4617728"/>
-            <a:ext cx="9144000" cy="944339"/>
+            <a:off x="4670672" y="4669371"/>
+            <a:ext cx="2839616" cy="944339"/>
           </a:xfrm>
         </p:spPr>
         <p:txBody>
@@ -3594,20 +4268,32 @@
           <a:lstStyle/>
           <a:p>
             <a:r>
-              <a:rPr lang="es-ES" sz="1300"/>
-              <a:t>Asignatura: Visión por Computador</a:t>
-            </a:r>
-          </a:p>
-          <a:p>
-            <a:r>
-              <a:rPr lang="es-ES" sz="1300"/>
-              <a:t>Alumno: Alberto Fernández Merchán</a:t>
-            </a:r>
-          </a:p>
-          <a:p>
-            <a:r>
-              <a:rPr lang="es-ES" sz="1300"/>
-              <a:t>Profesor: Diego Marín Santos</a:t>
+              <a:rPr lang="es-ES" sz="1300" b="1" dirty="0"/>
+              <a:t>Asignatura</a:t>
+            </a:r>
+            <a:r>
+              <a:rPr lang="es-ES" sz="1300" dirty="0"/>
+              <a:t>: Visión por Computador</a:t>
+            </a:r>
+          </a:p>
+          <a:p>
+            <a:r>
+              <a:rPr lang="es-ES" sz="1300" b="1" dirty="0"/>
+              <a:t>Alumno</a:t>
+            </a:r>
+            <a:r>
+              <a:rPr lang="es-ES" sz="1300" dirty="0"/>
+              <a:t>: Alberto Fernández Merchán</a:t>
+            </a:r>
+          </a:p>
+          <a:p>
+            <a:r>
+              <a:rPr lang="es-ES" sz="1300" b="1" dirty="0"/>
+              <a:t>Profesor</a:t>
+            </a:r>
+            <a:r>
+              <a:rPr lang="es-ES" sz="1300" dirty="0"/>
+              <a:t>: Diego Marín Santos</a:t>
             </a:r>
           </a:p>
         </p:txBody>
@@ -3667,6 +4353,78 @@
           </a:fontRef>
         </p:style>
       </p:cxnSp>
+      <p:pic>
+        <p:nvPicPr>
+          <p:cNvPr id="7" name="Imagen 6" descr="Texto, Logotipo&#10;&#10;Descripción generada automáticamente">
+            <a:extLst>
+              <a:ext uri="{FF2B5EF4-FFF2-40B4-BE49-F238E27FC236}">
+                <a16:creationId xmlns:a16="http://schemas.microsoft.com/office/drawing/2014/main" id="{6F0FC1AA-1EA4-3616-5F61-3C52CAD25D68}"/>
+              </a:ext>
+            </a:extLst>
+          </p:cNvPr>
+          <p:cNvPicPr>
+            <a:picLocks noChangeAspect="1"/>
+          </p:cNvPicPr>
+          <p:nvPr/>
+        </p:nvPicPr>
+        <p:blipFill>
+          <a:blip r:embed="rId2">
+            <a:extLst>
+              <a:ext uri="{28A0092B-C50C-407E-A947-70E740481C1C}">
+                <a14:useLocalDpi xmlns:a14="http://schemas.microsoft.com/office/drawing/2010/main" val="0"/>
+              </a:ext>
+            </a:extLst>
+          </a:blip>
+          <a:stretch>
+            <a:fillRect/>
+          </a:stretch>
+        </p:blipFill>
+        <p:spPr>
+          <a:xfrm>
+            <a:off x="813601" y="4953122"/>
+            <a:ext cx="1236369" cy="1236369"/>
+          </a:xfrm>
+          <a:prstGeom prst="rect">
+            <a:avLst/>
+          </a:prstGeom>
+        </p:spPr>
+      </p:pic>
+      <p:pic>
+        <p:nvPicPr>
+          <p:cNvPr id="11" name="Imagen 10" descr="Imagen que contiene Logotipo&#10;&#10;Descripción generada automáticamente">
+            <a:extLst>
+              <a:ext uri="{FF2B5EF4-FFF2-40B4-BE49-F238E27FC236}">
+                <a16:creationId xmlns:a16="http://schemas.microsoft.com/office/drawing/2014/main" id="{9B6F8465-B377-F149-8E92-1895AD029957}"/>
+              </a:ext>
+            </a:extLst>
+          </p:cNvPr>
+          <p:cNvPicPr>
+            <a:picLocks noChangeAspect="1"/>
+          </p:cNvPicPr>
+          <p:nvPr/>
+        </p:nvPicPr>
+        <p:blipFill>
+          <a:blip r:embed="rId3">
+            <a:extLst>
+              <a:ext uri="{28A0092B-C50C-407E-A947-70E740481C1C}">
+                <a14:useLocalDpi xmlns:a14="http://schemas.microsoft.com/office/drawing/2010/main" val="0"/>
+              </a:ext>
+            </a:extLst>
+          </a:blip>
+          <a:stretch>
+            <a:fillRect/>
+          </a:stretch>
+        </p:blipFill>
+        <p:spPr>
+          <a:xfrm>
+            <a:off x="2031308" y="4699611"/>
+            <a:ext cx="1743389" cy="1743389"/>
+          </a:xfrm>
+          <a:prstGeom prst="rect">
+            <a:avLst/>
+          </a:prstGeom>
+        </p:spPr>
+      </p:pic>
     </p:spTree>
     <p:extLst>
       <p:ext uri="{BB962C8B-B14F-4D97-AF65-F5344CB8AC3E}">
@@ -3683,6 +4441,14 @@
 <file path=ppt/slides/slide2.xml><?xml version="1.0" encoding="utf-8"?>
 <p:sld xmlns:a="http://schemas.openxmlformats.org/drawingml/2006/main" xmlns:r="http://schemas.openxmlformats.org/officeDocument/2006/relationships" xmlns:p="http://schemas.openxmlformats.org/presentationml/2006/main">
   <p:cSld>
+    <p:bg>
+      <p:bgPr>
+        <a:solidFill>
+          <a:schemeClr val="bg2"/>
+        </a:solidFill>
+        <a:effectLst/>
+      </p:bgPr>
+    </p:bg>
     <p:spTree>
       <p:nvGrpSpPr>
         <p:cNvPr id="1" name=""/>
@@ -3697,12 +4463,143 @@
           <a:chExt cx="0" cy="0"/>
         </a:xfrm>
       </p:grpSpPr>
-      <p:sp>
-        <p:nvSpPr>
-          <p:cNvPr id="2" name="Título 1">
-            <a:extLst>
-              <a:ext uri="{FF2B5EF4-FFF2-40B4-BE49-F238E27FC236}">
-                <a16:creationId xmlns:a16="http://schemas.microsoft.com/office/drawing/2014/main" id="{EF12F879-5129-8129-C9A5-1BF8918F398D}"/>
+      <p:graphicFrame>
+        <p:nvGraphicFramePr>
+          <p:cNvPr id="15" name="Tabla 6">
+            <a:extLst>
+              <a:ext uri="{FF2B5EF4-FFF2-40B4-BE49-F238E27FC236}">
+                <a16:creationId xmlns:a16="http://schemas.microsoft.com/office/drawing/2014/main" id="{D3B1A763-5893-E62D-3434-AECDFC46D757}"/>
+              </a:ext>
+            </a:extLst>
+          </p:cNvPr>
+          <p:cNvGraphicFramePr>
+            <a:graphicFrameLocks noGrp="1" noDrilldown="1" noMove="1" noResize="1"/>
+          </p:cNvGraphicFramePr>
+          <p:nvPr/>
+        </p:nvGraphicFramePr>
+        <p:xfrm>
+          <a:off x="0" y="6427561"/>
+          <a:ext cx="12192000" cy="432707"/>
+        </p:xfrm>
+        <a:graphic>
+          <a:graphicData uri="http://schemas.openxmlformats.org/drawingml/2006/table">
+            <a:tbl>
+              <a:tblPr>
+                <a:tableStyleId>{5C22544A-7EE6-4342-B048-85BDC9FD1C3A}</a:tableStyleId>
+              </a:tblPr>
+              <a:tblGrid>
+                <a:gridCol w="8128000">
+                  <a:extLst>
+                    <a:ext uri="{9D8B030D-6E8A-4147-A177-3AD203B41FA5}">
+                      <a16:colId xmlns:a16="http://schemas.microsoft.com/office/drawing/2014/main" val="3965995166"/>
+                    </a:ext>
+                  </a:extLst>
+                </a:gridCol>
+                <a:gridCol w="4064000">
+                  <a:extLst>
+                    <a:ext uri="{9D8B030D-6E8A-4147-A177-3AD203B41FA5}">
+                      <a16:colId xmlns:a16="http://schemas.microsoft.com/office/drawing/2014/main" val="1823215698"/>
+                    </a:ext>
+                  </a:extLst>
+                </a:gridCol>
+              </a:tblGrid>
+              <a:tr h="432707">
+                <a:tc>
+                  <a:txBody>
+                    <a:bodyPr/>
+                    <a:lstStyle/>
+                    <a:p>
+                      <a:pPr algn="ctr"/>
+                      <a:r>
+                        <a:rPr lang="es-ES" sz="1800" b="1" dirty="0">
+                          <a:solidFill>
+                            <a:schemeClr val="bg1"/>
+                          </a:solidFill>
+                        </a:rPr>
+                        <a:t>Sistema de Segmentación y Reconocimiento de Caracteres de Placas de Matrículas</a:t>
+                      </a:r>
+                    </a:p>
+                  </a:txBody>
+                  <a:tcPr>
+                    <a:lnL w="12700" cmpd="sng">
+                      <a:noFill/>
+                    </a:lnL>
+                    <a:lnR w="12700" cmpd="sng">
+                      <a:noFill/>
+                    </a:lnR>
+                    <a:lnT w="12700" cmpd="sng">
+                      <a:noFill/>
+                    </a:lnT>
+                    <a:lnB w="12700" cmpd="sng">
+                      <a:noFill/>
+                    </a:lnB>
+                    <a:lnTlToBr w="12700" cmpd="sng">
+                      <a:noFill/>
+                      <a:prstDash val="solid"/>
+                    </a:lnTlToBr>
+                    <a:lnBlToTr w="12700" cmpd="sng">
+                      <a:noFill/>
+                      <a:prstDash val="solid"/>
+                    </a:lnBlToTr>
+                    <a:solidFill>
+                      <a:srgbClr val="911131"/>
+                    </a:solidFill>
+                  </a:tcPr>
+                </a:tc>
+                <a:tc>
+                  <a:txBody>
+                    <a:bodyPr/>
+                    <a:lstStyle/>
+                    <a:p>
+                      <a:endParaRPr lang="es-ES" b="1" dirty="0">
+                        <a:solidFill>
+                          <a:schemeClr val="bg1"/>
+                        </a:solidFill>
+                      </a:endParaRPr>
+                    </a:p>
+                  </a:txBody>
+                  <a:tcPr>
+                    <a:lnL w="12700" cmpd="sng">
+                      <a:noFill/>
+                    </a:lnL>
+                    <a:lnR w="12700" cmpd="sng">
+                      <a:noFill/>
+                    </a:lnR>
+                    <a:lnT w="12700" cmpd="sng">
+                      <a:noFill/>
+                    </a:lnT>
+                    <a:lnB w="12700" cmpd="sng">
+                      <a:noFill/>
+                    </a:lnB>
+                    <a:lnTlToBr w="12700" cmpd="sng">
+                      <a:noFill/>
+                      <a:prstDash val="solid"/>
+                    </a:lnTlToBr>
+                    <a:lnBlToTr w="12700" cmpd="sng">
+                      <a:noFill/>
+                      <a:prstDash val="solid"/>
+                    </a:lnBlToTr>
+                    <a:solidFill>
+                      <a:srgbClr val="911131"/>
+                    </a:solidFill>
+                  </a:tcPr>
+                </a:tc>
+                <a:extLst>
+                  <a:ext uri="{0D108BD9-81ED-4DB2-BD59-A6C34878D82A}">
+                    <a16:rowId xmlns:a16="http://schemas.microsoft.com/office/drawing/2014/main" val="4033175773"/>
+                  </a:ext>
+                </a:extLst>
+              </a:tr>
+            </a:tbl>
+          </a:graphicData>
+        </a:graphic>
+      </p:graphicFrame>
+      <p:sp>
+        <p:nvSpPr>
+          <p:cNvPr id="2" name="Título 16">
+            <a:extLst>
+              <a:ext uri="{FF2B5EF4-FFF2-40B4-BE49-F238E27FC236}">
+                <a16:creationId xmlns:a16="http://schemas.microsoft.com/office/drawing/2014/main" id="{F8C784B5-7F38-3178-FC13-7B8A9B7AEC4F}"/>
               </a:ext>
             </a:extLst>
           </p:cNvPr>
@@ -3713,21 +4610,31 @@
             <p:ph type="title"/>
           </p:nvPr>
         </p:nvSpPr>
-        <p:spPr/>
-        <p:txBody>
-          <a:bodyPr/>
+        <p:spPr>
+          <a:xfrm>
+            <a:off x="166255" y="756186"/>
+            <a:ext cx="11859490" cy="583087"/>
+          </a:xfrm>
+        </p:spPr>
+        <p:txBody>
+          <a:bodyPr>
+            <a:normAutofit fontScale="90000"/>
+          </a:bodyPr>
           <a:lstStyle/>
           <a:p>
-            <a:endParaRPr lang="es-ES" dirty="0"/>
-          </a:p>
-        </p:txBody>
-      </p:sp>
-      <p:sp>
-        <p:nvSpPr>
-          <p:cNvPr id="3" name="Marcador de contenido 2">
-            <a:extLst>
-              <a:ext uri="{FF2B5EF4-FFF2-40B4-BE49-F238E27FC236}">
-                <a16:creationId xmlns:a16="http://schemas.microsoft.com/office/drawing/2014/main" id="{F3662D87-6DCC-0C27-266F-4BD2B30AEB11}"/>
+            <a:r>
+              <a:rPr lang="es-ES" b="1" dirty="0"/>
+              <a:t>Objetivos del trabajo:</a:t>
+            </a:r>
+          </a:p>
+        </p:txBody>
+      </p:sp>
+      <p:sp>
+        <p:nvSpPr>
+          <p:cNvPr id="5" name="Marcador de número de diapositiva 4">
+            <a:extLst>
+              <a:ext uri="{FF2B5EF4-FFF2-40B4-BE49-F238E27FC236}">
+                <a16:creationId xmlns:a16="http://schemas.microsoft.com/office/drawing/2014/main" id="{FD9258AB-EA15-4C72-1240-5896F9C78D30}"/>
               </a:ext>
             </a:extLst>
           </p:cNvPr>
@@ -3735,15 +4642,3471 @@
             <a:spLocks noGrp="1"/>
           </p:cNvSpPr>
           <p:nvPr>
-            <p:ph idx="1"/>
+            <p:ph type="sldNum" sz="quarter" idx="12"/>
           </p:nvPr>
         </p:nvSpPr>
-        <p:spPr/>
+        <p:spPr>
+          <a:xfrm>
+            <a:off x="9182100" y="6461351"/>
+            <a:ext cx="2743200" cy="365125"/>
+          </a:xfrm>
+        </p:spPr>
         <p:txBody>
           <a:bodyPr/>
           <a:lstStyle/>
           <a:p>
-            <a:endParaRPr lang="es-ES"/>
+            <a:fld id="{9D2534AA-3AC9-4CE3-8288-EDBF65FBAAA1}" type="slidenum">
+              <a:rPr lang="es-ES" b="1" smtClean="0">
+                <a:solidFill>
+                  <a:schemeClr val="bg1"/>
+                </a:solidFill>
+              </a:rPr>
+              <a:t>2</a:t>
+            </a:fld>
+            <a:endParaRPr lang="es-ES" b="1" dirty="0">
+              <a:solidFill>
+                <a:schemeClr val="bg1"/>
+              </a:solidFill>
+            </a:endParaRPr>
+          </a:p>
+        </p:txBody>
+      </p:sp>
+      <p:grpSp>
+        <p:nvGrpSpPr>
+          <p:cNvPr id="9" name="Grupo 8">
+            <a:extLst>
+              <a:ext uri="{FF2B5EF4-FFF2-40B4-BE49-F238E27FC236}">
+                <a16:creationId xmlns:a16="http://schemas.microsoft.com/office/drawing/2014/main" id="{FEBFD953-88E7-887A-D04C-A685C6D91952}"/>
+              </a:ext>
+            </a:extLst>
+          </p:cNvPr>
+          <p:cNvGrpSpPr>
+            <a:grpSpLocks noGrp="1" noUngrp="1" noRot="1" noMove="1" noResize="1"/>
+          </p:cNvGrpSpPr>
+          <p:nvPr/>
+        </p:nvGrpSpPr>
+        <p:grpSpPr>
+          <a:xfrm>
+            <a:off x="0" y="0"/>
+            <a:ext cx="12192000" cy="432707"/>
+            <a:chOff x="0" y="0"/>
+            <a:chExt cx="12192000" cy="432707"/>
+          </a:xfrm>
+        </p:grpSpPr>
+        <p:graphicFrame>
+          <p:nvGraphicFramePr>
+            <p:cNvPr id="6" name="Tabla 6">
+              <a:extLst>
+                <a:ext uri="{FF2B5EF4-FFF2-40B4-BE49-F238E27FC236}">
+                  <a16:creationId xmlns:a16="http://schemas.microsoft.com/office/drawing/2014/main" id="{D90CAAAD-8F6B-6375-3669-83327AE6A30B}"/>
+                </a:ext>
+              </a:extLst>
+            </p:cNvPr>
+            <p:cNvGraphicFramePr>
+              <a:graphicFrameLocks noGrp="1" noDrilldown="1" noMove="1" noResize="1"/>
+            </p:cNvGraphicFramePr>
+            <p:nvPr/>
+          </p:nvGraphicFramePr>
+          <p:xfrm>
+            <a:off x="0" y="0"/>
+            <a:ext cx="12192000" cy="432707"/>
+          </p:xfrm>
+          <a:graphic>
+            <a:graphicData uri="http://schemas.openxmlformats.org/drawingml/2006/table">
+              <a:tbl>
+                <a:tblPr>
+                  <a:tableStyleId>{5C22544A-7EE6-4342-B048-85BDC9FD1C3A}</a:tableStyleId>
+                </a:tblPr>
+                <a:tblGrid>
+                  <a:gridCol w="4064000">
+                    <a:extLst>
+                      <a:ext uri="{9D8B030D-6E8A-4147-A177-3AD203B41FA5}">
+                        <a16:colId xmlns:a16="http://schemas.microsoft.com/office/drawing/2014/main" val="3965995166"/>
+                      </a:ext>
+                    </a:extLst>
+                  </a:gridCol>
+                  <a:gridCol w="4064000">
+                    <a:extLst>
+                      <a:ext uri="{9D8B030D-6E8A-4147-A177-3AD203B41FA5}">
+                        <a16:colId xmlns:a16="http://schemas.microsoft.com/office/drawing/2014/main" val="2688743598"/>
+                      </a:ext>
+                    </a:extLst>
+                  </a:gridCol>
+                  <a:gridCol w="4064000">
+                    <a:extLst>
+                      <a:ext uri="{9D8B030D-6E8A-4147-A177-3AD203B41FA5}">
+                        <a16:colId xmlns:a16="http://schemas.microsoft.com/office/drawing/2014/main" val="1823215698"/>
+                      </a:ext>
+                    </a:extLst>
+                  </a:gridCol>
+                </a:tblGrid>
+                <a:tr h="432707">
+                  <a:tc>
+                    <a:txBody>
+                      <a:bodyPr/>
+                      <a:lstStyle/>
+                      <a:p>
+                        <a:pPr algn="ctr"/>
+                        <a:r>
+                          <a:rPr lang="es-ES" b="1" dirty="0">
+                            <a:solidFill>
+                              <a:schemeClr val="bg1"/>
+                            </a:solidFill>
+                          </a:rPr>
+                          <a:t>Alberto F. Merchán</a:t>
+                        </a:r>
+                      </a:p>
+                    </a:txBody>
+                    <a:tcPr>
+                      <a:lnL w="12700" cmpd="sng">
+                        <a:noFill/>
+                      </a:lnL>
+                      <a:lnR w="12700" cmpd="sng">
+                        <a:noFill/>
+                      </a:lnR>
+                      <a:lnT w="12700" cmpd="sng">
+                        <a:noFill/>
+                      </a:lnT>
+                      <a:lnB w="12700" cmpd="sng">
+                        <a:noFill/>
+                      </a:lnB>
+                      <a:lnTlToBr w="12700" cmpd="sng">
+                        <a:noFill/>
+                        <a:prstDash val="solid"/>
+                      </a:lnTlToBr>
+                      <a:lnBlToTr w="12700" cmpd="sng">
+                        <a:noFill/>
+                        <a:prstDash val="solid"/>
+                      </a:lnBlToTr>
+                      <a:solidFill>
+                        <a:srgbClr val="911131"/>
+                      </a:solidFill>
+                    </a:tcPr>
+                  </a:tc>
+                  <a:tc>
+                    <a:txBody>
+                      <a:bodyPr/>
+                      <a:lstStyle/>
+                      <a:p>
+                        <a:pPr algn="ctr"/>
+                        <a:r>
+                          <a:rPr lang="es-ES" b="1" dirty="0">
+                            <a:solidFill>
+                              <a:schemeClr val="bg1"/>
+                            </a:solidFill>
+                          </a:rPr>
+                          <a:t>Visión por Computador</a:t>
+                        </a:r>
+                      </a:p>
+                    </a:txBody>
+                    <a:tcPr>
+                      <a:lnL w="12700" cmpd="sng">
+                        <a:noFill/>
+                      </a:lnL>
+                      <a:lnR w="12700" cmpd="sng">
+                        <a:noFill/>
+                      </a:lnR>
+                      <a:lnT w="12700" cmpd="sng">
+                        <a:noFill/>
+                      </a:lnT>
+                      <a:lnB w="12700" cmpd="sng">
+                        <a:noFill/>
+                      </a:lnB>
+                      <a:lnTlToBr w="12700" cmpd="sng">
+                        <a:noFill/>
+                        <a:prstDash val="solid"/>
+                      </a:lnTlToBr>
+                      <a:lnBlToTr w="12700" cmpd="sng">
+                        <a:noFill/>
+                        <a:prstDash val="solid"/>
+                      </a:lnBlToTr>
+                      <a:solidFill>
+                        <a:srgbClr val="911131"/>
+                      </a:solidFill>
+                    </a:tcPr>
+                  </a:tc>
+                  <a:tc>
+                    <a:txBody>
+                      <a:bodyPr/>
+                      <a:lstStyle/>
+                      <a:p>
+                        <a:r>
+                          <a:rPr lang="es-ES" b="1" dirty="0">
+                            <a:solidFill>
+                              <a:schemeClr val="bg1"/>
+                            </a:solidFill>
+                          </a:rPr>
+                          <a:t>Universidad de Huelva (UHU)</a:t>
+                        </a:r>
+                      </a:p>
+                    </a:txBody>
+                    <a:tcPr>
+                      <a:lnL w="12700" cmpd="sng">
+                        <a:noFill/>
+                      </a:lnL>
+                      <a:lnR w="12700" cmpd="sng">
+                        <a:noFill/>
+                      </a:lnR>
+                      <a:lnT w="12700" cmpd="sng">
+                        <a:noFill/>
+                      </a:lnT>
+                      <a:lnB w="12700" cmpd="sng">
+                        <a:noFill/>
+                      </a:lnB>
+                      <a:lnTlToBr w="12700" cmpd="sng">
+                        <a:noFill/>
+                        <a:prstDash val="solid"/>
+                      </a:lnTlToBr>
+                      <a:lnBlToTr w="12700" cmpd="sng">
+                        <a:noFill/>
+                        <a:prstDash val="solid"/>
+                      </a:lnBlToTr>
+                      <a:solidFill>
+                        <a:srgbClr val="911131"/>
+                      </a:solidFill>
+                    </a:tcPr>
+                  </a:tc>
+                  <a:extLst>
+                    <a:ext uri="{0D108BD9-81ED-4DB2-BD59-A6C34878D82A}">
+                      <a16:rowId xmlns:a16="http://schemas.microsoft.com/office/drawing/2014/main" val="4033175773"/>
+                    </a:ext>
+                  </a:extLst>
+                </a:tr>
+              </a:tbl>
+            </a:graphicData>
+          </a:graphic>
+        </p:graphicFrame>
+        <p:pic>
+          <p:nvPicPr>
+            <p:cNvPr id="4" name="Imagen 3" descr="Imagen que contiene Logotipo&#10;&#10;Descripción generada automáticamente">
+              <a:extLst>
+                <a:ext uri="{FF2B5EF4-FFF2-40B4-BE49-F238E27FC236}">
+                  <a16:creationId xmlns:a16="http://schemas.microsoft.com/office/drawing/2014/main" id="{A2A3CA50-6BEE-4CF8-0EC6-56076CF5A0A6}"/>
+                </a:ext>
+              </a:extLst>
+            </p:cNvPr>
+            <p:cNvPicPr>
+              <a:picLocks noGrp="1" noRot="1" noChangeAspect="1" noMove="1" noResize="1" noEditPoints="1" noAdjustHandles="1" noChangeArrowheads="1" noChangeShapeType="1" noCrop="1"/>
+            </p:cNvPicPr>
+            <p:nvPr/>
+          </p:nvPicPr>
+          <p:blipFill>
+            <a:blip r:embed="rId4">
+              <a:biLevel thresh="25000"/>
+              <a:extLst>
+                <a:ext uri="{BEBA8EAE-BF5A-486C-A8C5-ECC9F3942E4B}">
+                  <a14:imgProps xmlns:a14="http://schemas.microsoft.com/office/drawing/2010/main">
+                    <a14:imgLayer r:embed="rId5">
+                      <a14:imgEffect>
+                        <a14:saturation sat="0"/>
+                      </a14:imgEffect>
+                    </a14:imgLayer>
+                  </a14:imgProps>
+                </a:ext>
+                <a:ext uri="{28A0092B-C50C-407E-A947-70E740481C1C}">
+                  <a14:useLocalDpi xmlns:a14="http://schemas.microsoft.com/office/drawing/2010/main" val="0"/>
+                </a:ext>
+              </a:extLst>
+            </a:blip>
+            <a:stretch>
+              <a:fillRect/>
+            </a:stretch>
+          </p:blipFill>
+          <p:spPr>
+            <a:xfrm>
+              <a:off x="11353800" y="32657"/>
+              <a:ext cx="367392" cy="367392"/>
+            </a:xfrm>
+            <a:prstGeom prst="rect">
+              <a:avLst/>
+            </a:prstGeom>
+          </p:spPr>
+        </p:pic>
+      </p:grpSp>
+      <p:sp>
+        <p:nvSpPr>
+          <p:cNvPr id="3" name="CuadroTexto 2">
+            <a:extLst>
+              <a:ext uri="{FF2B5EF4-FFF2-40B4-BE49-F238E27FC236}">
+                <a16:creationId xmlns:a16="http://schemas.microsoft.com/office/drawing/2014/main" id="{8D9DC809-21C1-6ABD-EFFB-605CEA4EFB1F}"/>
+              </a:ext>
+            </a:extLst>
+          </p:cNvPr>
+          <p:cNvSpPr txBox="1"/>
+          <p:nvPr/>
+        </p:nvSpPr>
+        <p:spPr>
+          <a:xfrm>
+            <a:off x="415635" y="2200088"/>
+            <a:ext cx="3713020" cy="1015663"/>
+          </a:xfrm>
+          <a:prstGeom prst="rect">
+            <a:avLst/>
+          </a:prstGeom>
+          <a:solidFill>
+            <a:schemeClr val="accent1">
+              <a:lumMod val="40000"/>
+              <a:lumOff val="60000"/>
+              <a:alpha val="50000"/>
+            </a:schemeClr>
+          </a:solidFill>
+        </p:spPr>
+        <p:txBody>
+          <a:bodyPr wrap="square" rtlCol="0">
+            <a:spAutoFit/>
+          </a:bodyPr>
+          <a:lstStyle/>
+          <a:p>
+            <a:pPr algn="just"/>
+            <a:r>
+              <a:rPr lang="es-ES" sz="2000" dirty="0"/>
+              <a:t>Segmentar los caracteres que hay en la placa de una matrícula de la Unión Europea (UE).</a:t>
+            </a:r>
+          </a:p>
+        </p:txBody>
+      </p:sp>
+      <p:sp>
+        <p:nvSpPr>
+          <p:cNvPr id="7" name="CuadroTexto 6">
+            <a:extLst>
+              <a:ext uri="{FF2B5EF4-FFF2-40B4-BE49-F238E27FC236}">
+                <a16:creationId xmlns:a16="http://schemas.microsoft.com/office/drawing/2014/main" id="{8C79CA28-079D-9975-8835-5EEB85B2E2A8}"/>
+              </a:ext>
+            </a:extLst>
+          </p:cNvPr>
+          <p:cNvSpPr txBox="1"/>
+          <p:nvPr/>
+        </p:nvSpPr>
+        <p:spPr>
+          <a:xfrm>
+            <a:off x="415635" y="4551082"/>
+            <a:ext cx="3713019" cy="707886"/>
+          </a:xfrm>
+          <a:prstGeom prst="rect">
+            <a:avLst/>
+          </a:prstGeom>
+          <a:solidFill>
+            <a:schemeClr val="accent1">
+              <a:lumMod val="40000"/>
+              <a:lumOff val="60000"/>
+              <a:alpha val="50000"/>
+            </a:schemeClr>
+          </a:solidFill>
+        </p:spPr>
+        <p:txBody>
+          <a:bodyPr wrap="square" rtlCol="0">
+            <a:spAutoFit/>
+          </a:bodyPr>
+          <a:lstStyle>
+            <a:defPPr>
+              <a:defRPr lang="es-ES"/>
+            </a:defPPr>
+            <a:lvl1pPr algn="just">
+              <a:defRPr sz="2000"/>
+            </a:lvl1pPr>
+          </a:lstStyle>
+          <a:p>
+            <a:r>
+              <a:rPr lang="es-ES" dirty="0"/>
+              <a:t>Reconocer cada uno de los caracteres segmentados</a:t>
+            </a:r>
+          </a:p>
+        </p:txBody>
+      </p:sp>
+      <p:pic>
+        <p:nvPicPr>
+          <p:cNvPr id="10" name="Imagen 9">
+            <a:extLst>
+              <a:ext uri="{FF2B5EF4-FFF2-40B4-BE49-F238E27FC236}">
+                <a16:creationId xmlns:a16="http://schemas.microsoft.com/office/drawing/2014/main" id="{27637FF1-38CE-4A63-76D7-16B17A76D080}"/>
+              </a:ext>
+            </a:extLst>
+          </p:cNvPr>
+          <p:cNvPicPr>
+            <a:picLocks noChangeAspect="1"/>
+          </p:cNvPicPr>
+          <p:nvPr/>
+        </p:nvPicPr>
+        <p:blipFill>
+          <a:blip r:embed="rId6"/>
+          <a:stretch>
+            <a:fillRect/>
+          </a:stretch>
+        </p:blipFill>
+        <p:spPr>
+          <a:xfrm>
+            <a:off x="9023681" y="2410317"/>
+            <a:ext cx="2752684" cy="445769"/>
+          </a:xfrm>
+          <a:prstGeom prst="rect">
+            <a:avLst/>
+          </a:prstGeom>
+        </p:spPr>
+      </p:pic>
+      <p:pic>
+        <p:nvPicPr>
+          <p:cNvPr id="12" name="Imagen 11">
+            <a:extLst>
+              <a:ext uri="{FF2B5EF4-FFF2-40B4-BE49-F238E27FC236}">
+                <a16:creationId xmlns:a16="http://schemas.microsoft.com/office/drawing/2014/main" id="{46AE1142-DF67-99E2-25FB-2DEFF9F21BAB}"/>
+              </a:ext>
+            </a:extLst>
+          </p:cNvPr>
+          <p:cNvPicPr>
+            <a:picLocks noChangeAspect="1"/>
+          </p:cNvPicPr>
+          <p:nvPr/>
+        </p:nvPicPr>
+        <p:blipFill>
+          <a:blip r:embed="rId7"/>
+          <a:stretch>
+            <a:fillRect/>
+          </a:stretch>
+        </p:blipFill>
+        <p:spPr>
+          <a:xfrm>
+            <a:off x="4839731" y="2410317"/>
+            <a:ext cx="2752683" cy="444954"/>
+          </a:xfrm>
+          <a:prstGeom prst="rect">
+            <a:avLst/>
+          </a:prstGeom>
+        </p:spPr>
+      </p:pic>
+      <p:sp>
+        <p:nvSpPr>
+          <p:cNvPr id="13" name="Flecha: a la derecha 12">
+            <a:extLst>
+              <a:ext uri="{FF2B5EF4-FFF2-40B4-BE49-F238E27FC236}">
+                <a16:creationId xmlns:a16="http://schemas.microsoft.com/office/drawing/2014/main" id="{F3E908A3-373F-96BD-FFE7-15DD7B0A7224}"/>
+              </a:ext>
+            </a:extLst>
+          </p:cNvPr>
+          <p:cNvSpPr/>
+          <p:nvPr/>
+        </p:nvSpPr>
+        <p:spPr>
+          <a:xfrm>
+            <a:off x="7915502" y="2507866"/>
+            <a:ext cx="785090" cy="330123"/>
+          </a:xfrm>
+          <a:prstGeom prst="rightArrow">
+            <a:avLst/>
+          </a:prstGeom>
+          <a:solidFill>
+            <a:schemeClr val="bg2">
+              <a:lumMod val="50000"/>
+              <a:alpha val="80000"/>
+            </a:schemeClr>
+          </a:solidFill>
+          <a:ln>
+            <a:solidFill>
+              <a:schemeClr val="tx1"/>
+            </a:solidFill>
+          </a:ln>
+        </p:spPr>
+        <p:style>
+          <a:lnRef idx="2">
+            <a:schemeClr val="accent1">
+              <a:shade val="50000"/>
+            </a:schemeClr>
+          </a:lnRef>
+          <a:fillRef idx="1">
+            <a:schemeClr val="accent1"/>
+          </a:fillRef>
+          <a:effectRef idx="0">
+            <a:schemeClr val="accent1"/>
+          </a:effectRef>
+          <a:fontRef idx="minor">
+            <a:schemeClr val="lt1"/>
+          </a:fontRef>
+        </p:style>
+        <p:txBody>
+          <a:bodyPr rtlCol="0" anchor="ctr"/>
+          <a:lstStyle/>
+          <a:p>
+            <a:pPr algn="ctr"/>
+            <a:endParaRPr lang="es-ES" sz="2800" b="1">
+              <a:solidFill>
+                <a:schemeClr val="tx1"/>
+              </a:solidFill>
+            </a:endParaRPr>
+          </a:p>
+        </p:txBody>
+      </p:sp>
+      <p:pic>
+        <p:nvPicPr>
+          <p:cNvPr id="16" name="Imagen 15">
+            <a:extLst>
+              <a:ext uri="{FF2B5EF4-FFF2-40B4-BE49-F238E27FC236}">
+                <a16:creationId xmlns:a16="http://schemas.microsoft.com/office/drawing/2014/main" id="{5374D986-1DED-5ED1-3F5F-085CE8645257}"/>
+              </a:ext>
+            </a:extLst>
+          </p:cNvPr>
+          <p:cNvPicPr>
+            <a:picLocks noChangeAspect="1"/>
+          </p:cNvPicPr>
+          <p:nvPr/>
+        </p:nvPicPr>
+        <p:blipFill>
+          <a:blip r:embed="rId8"/>
+          <a:stretch>
+            <a:fillRect/>
+          </a:stretch>
+        </p:blipFill>
+        <p:spPr>
+          <a:xfrm>
+            <a:off x="4839731" y="4263812"/>
+            <a:ext cx="6876248" cy="1282426"/>
+          </a:xfrm>
+          <a:prstGeom prst="rect">
+            <a:avLst/>
+          </a:prstGeom>
+        </p:spPr>
+      </p:pic>
+    </p:spTree>
+    <p:extLst>
+      <p:ext uri="{BB962C8B-B14F-4D97-AF65-F5344CB8AC3E}">
+        <p14:creationId xmlns:p14="http://schemas.microsoft.com/office/powerpoint/2010/main" val="2188664380"/>
+      </p:ext>
+    </p:extLst>
+  </p:cSld>
+  <p:clrMapOvr>
+    <a:overrideClrMapping bg1="lt1" tx1="dk1" bg2="lt2" tx2="dk2" accent1="accent1" accent2="accent2" accent3="accent3" accent4="accent4" accent5="accent5" accent6="accent6" hlink="hlink" folHlink="folHlink"/>
+  </p:clrMapOvr>
+</p:sld>
+</file>
+
+<file path=ppt/slides/slide3.xml><?xml version="1.0" encoding="utf-8"?>
+<p:sld xmlns:a="http://schemas.openxmlformats.org/drawingml/2006/main" xmlns:r="http://schemas.openxmlformats.org/officeDocument/2006/relationships" xmlns:p="http://schemas.openxmlformats.org/presentationml/2006/main">
+  <p:cSld>
+    <p:bg>
+      <p:bgPr>
+        <a:solidFill>
+          <a:schemeClr val="bg2"/>
+        </a:solidFill>
+        <a:effectLst/>
+      </p:bgPr>
+    </p:bg>
+    <p:spTree>
+      <p:nvGrpSpPr>
+        <p:cNvPr id="1" name=""/>
+        <p:cNvGrpSpPr/>
+        <p:nvPr/>
+      </p:nvGrpSpPr>
+      <p:grpSpPr>
+        <a:xfrm>
+          <a:off x="0" y="0"/>
+          <a:ext cx="0" cy="0"/>
+          <a:chOff x="0" y="0"/>
+          <a:chExt cx="0" cy="0"/>
+        </a:xfrm>
+      </p:grpSpPr>
+      <p:graphicFrame>
+        <p:nvGraphicFramePr>
+          <p:cNvPr id="15" name="Tabla 6">
+            <a:extLst>
+              <a:ext uri="{FF2B5EF4-FFF2-40B4-BE49-F238E27FC236}">
+                <a16:creationId xmlns:a16="http://schemas.microsoft.com/office/drawing/2014/main" id="{D3B1A763-5893-E62D-3434-AECDFC46D757}"/>
+              </a:ext>
+            </a:extLst>
+          </p:cNvPr>
+          <p:cNvGraphicFramePr>
+            <a:graphicFrameLocks noGrp="1" noDrilldown="1" noMove="1" noResize="1"/>
+          </p:cNvGraphicFramePr>
+          <p:nvPr/>
+        </p:nvGraphicFramePr>
+        <p:xfrm>
+          <a:off x="0" y="6427561"/>
+          <a:ext cx="12192000" cy="432707"/>
+        </p:xfrm>
+        <a:graphic>
+          <a:graphicData uri="http://schemas.openxmlformats.org/drawingml/2006/table">
+            <a:tbl>
+              <a:tblPr>
+                <a:tableStyleId>{5C22544A-7EE6-4342-B048-85BDC9FD1C3A}</a:tableStyleId>
+              </a:tblPr>
+              <a:tblGrid>
+                <a:gridCol w="8128000">
+                  <a:extLst>
+                    <a:ext uri="{9D8B030D-6E8A-4147-A177-3AD203B41FA5}">
+                      <a16:colId xmlns:a16="http://schemas.microsoft.com/office/drawing/2014/main" val="3965995166"/>
+                    </a:ext>
+                  </a:extLst>
+                </a:gridCol>
+                <a:gridCol w="4064000">
+                  <a:extLst>
+                    <a:ext uri="{9D8B030D-6E8A-4147-A177-3AD203B41FA5}">
+                      <a16:colId xmlns:a16="http://schemas.microsoft.com/office/drawing/2014/main" val="1823215698"/>
+                    </a:ext>
+                  </a:extLst>
+                </a:gridCol>
+              </a:tblGrid>
+              <a:tr h="432707">
+                <a:tc>
+                  <a:txBody>
+                    <a:bodyPr/>
+                    <a:lstStyle/>
+                    <a:p>
+                      <a:pPr algn="ctr"/>
+                      <a:r>
+                        <a:rPr lang="es-ES" sz="1800" b="1" dirty="0">
+                          <a:solidFill>
+                            <a:schemeClr val="bg1"/>
+                          </a:solidFill>
+                        </a:rPr>
+                        <a:t>Sistema de Segmentación y Reconocimiento de Caracteres de Placas de Matrículas</a:t>
+                      </a:r>
+                    </a:p>
+                  </a:txBody>
+                  <a:tcPr>
+                    <a:lnL w="12700" cmpd="sng">
+                      <a:noFill/>
+                    </a:lnL>
+                    <a:lnR w="12700" cmpd="sng">
+                      <a:noFill/>
+                    </a:lnR>
+                    <a:lnT w="12700" cmpd="sng">
+                      <a:noFill/>
+                    </a:lnT>
+                    <a:lnB w="12700" cmpd="sng">
+                      <a:noFill/>
+                    </a:lnB>
+                    <a:lnTlToBr w="12700" cmpd="sng">
+                      <a:noFill/>
+                      <a:prstDash val="solid"/>
+                    </a:lnTlToBr>
+                    <a:lnBlToTr w="12700" cmpd="sng">
+                      <a:noFill/>
+                      <a:prstDash val="solid"/>
+                    </a:lnBlToTr>
+                    <a:solidFill>
+                      <a:srgbClr val="911131"/>
+                    </a:solidFill>
+                  </a:tcPr>
+                </a:tc>
+                <a:tc>
+                  <a:txBody>
+                    <a:bodyPr/>
+                    <a:lstStyle/>
+                    <a:p>
+                      <a:endParaRPr lang="es-ES" b="1" dirty="0">
+                        <a:solidFill>
+                          <a:schemeClr val="bg1"/>
+                        </a:solidFill>
+                      </a:endParaRPr>
+                    </a:p>
+                  </a:txBody>
+                  <a:tcPr>
+                    <a:lnL w="12700" cmpd="sng">
+                      <a:noFill/>
+                    </a:lnL>
+                    <a:lnR w="12700" cmpd="sng">
+                      <a:noFill/>
+                    </a:lnR>
+                    <a:lnT w="12700" cmpd="sng">
+                      <a:noFill/>
+                    </a:lnT>
+                    <a:lnB w="12700" cmpd="sng">
+                      <a:noFill/>
+                    </a:lnB>
+                    <a:lnTlToBr w="12700" cmpd="sng">
+                      <a:noFill/>
+                      <a:prstDash val="solid"/>
+                    </a:lnTlToBr>
+                    <a:lnBlToTr w="12700" cmpd="sng">
+                      <a:noFill/>
+                      <a:prstDash val="solid"/>
+                    </a:lnBlToTr>
+                    <a:solidFill>
+                      <a:srgbClr val="911131"/>
+                    </a:solidFill>
+                  </a:tcPr>
+                </a:tc>
+                <a:extLst>
+                  <a:ext uri="{0D108BD9-81ED-4DB2-BD59-A6C34878D82A}">
+                    <a16:rowId xmlns:a16="http://schemas.microsoft.com/office/drawing/2014/main" val="4033175773"/>
+                  </a:ext>
+                </a:extLst>
+              </a:tr>
+            </a:tbl>
+          </a:graphicData>
+        </a:graphic>
+      </p:graphicFrame>
+      <p:sp>
+        <p:nvSpPr>
+          <p:cNvPr id="2" name="Título 16">
+            <a:extLst>
+              <a:ext uri="{FF2B5EF4-FFF2-40B4-BE49-F238E27FC236}">
+                <a16:creationId xmlns:a16="http://schemas.microsoft.com/office/drawing/2014/main" id="{F8C784B5-7F38-3178-FC13-7B8A9B7AEC4F}"/>
+              </a:ext>
+            </a:extLst>
+          </p:cNvPr>
+          <p:cNvSpPr>
+            <a:spLocks noGrp="1"/>
+          </p:cNvSpPr>
+          <p:nvPr>
+            <p:ph type="title"/>
+          </p:nvPr>
+        </p:nvSpPr>
+        <p:spPr>
+          <a:xfrm>
+            <a:off x="166255" y="756186"/>
+            <a:ext cx="11859490" cy="583087"/>
+          </a:xfrm>
+        </p:spPr>
+        <p:txBody>
+          <a:bodyPr>
+            <a:normAutofit fontScale="90000"/>
+          </a:bodyPr>
+          <a:lstStyle/>
+          <a:p>
+            <a:r>
+              <a:rPr lang="es-ES" b="1" dirty="0"/>
+              <a:t>Programas:</a:t>
+            </a:r>
+          </a:p>
+        </p:txBody>
+      </p:sp>
+      <p:sp>
+        <p:nvSpPr>
+          <p:cNvPr id="5" name="Marcador de número de diapositiva 4">
+            <a:extLst>
+              <a:ext uri="{FF2B5EF4-FFF2-40B4-BE49-F238E27FC236}">
+                <a16:creationId xmlns:a16="http://schemas.microsoft.com/office/drawing/2014/main" id="{FD9258AB-EA15-4C72-1240-5896F9C78D30}"/>
+              </a:ext>
+            </a:extLst>
+          </p:cNvPr>
+          <p:cNvSpPr>
+            <a:spLocks noGrp="1"/>
+          </p:cNvSpPr>
+          <p:nvPr>
+            <p:ph type="sldNum" sz="quarter" idx="12"/>
+          </p:nvPr>
+        </p:nvSpPr>
+        <p:spPr>
+          <a:xfrm>
+            <a:off x="9182100" y="6461351"/>
+            <a:ext cx="2743200" cy="365125"/>
+          </a:xfrm>
+        </p:spPr>
+        <p:txBody>
+          <a:bodyPr/>
+          <a:lstStyle/>
+          <a:p>
+            <a:fld id="{9D2534AA-3AC9-4CE3-8288-EDBF65FBAAA1}" type="slidenum">
+              <a:rPr lang="es-ES" b="1" smtClean="0">
+                <a:solidFill>
+                  <a:schemeClr val="bg1"/>
+                </a:solidFill>
+              </a:rPr>
+              <a:t>3</a:t>
+            </a:fld>
+            <a:endParaRPr lang="es-ES" b="1" dirty="0">
+              <a:solidFill>
+                <a:schemeClr val="bg1"/>
+              </a:solidFill>
+            </a:endParaRPr>
+          </a:p>
+        </p:txBody>
+      </p:sp>
+      <p:grpSp>
+        <p:nvGrpSpPr>
+          <p:cNvPr id="9" name="Grupo 8">
+            <a:extLst>
+              <a:ext uri="{FF2B5EF4-FFF2-40B4-BE49-F238E27FC236}">
+                <a16:creationId xmlns:a16="http://schemas.microsoft.com/office/drawing/2014/main" id="{FEBFD953-88E7-887A-D04C-A685C6D91952}"/>
+              </a:ext>
+            </a:extLst>
+          </p:cNvPr>
+          <p:cNvGrpSpPr>
+            <a:grpSpLocks noGrp="1" noUngrp="1" noRot="1" noMove="1" noResize="1"/>
+          </p:cNvGrpSpPr>
+          <p:nvPr/>
+        </p:nvGrpSpPr>
+        <p:grpSpPr>
+          <a:xfrm>
+            <a:off x="0" y="0"/>
+            <a:ext cx="12192000" cy="432707"/>
+            <a:chOff x="0" y="0"/>
+            <a:chExt cx="12192000" cy="432707"/>
+          </a:xfrm>
+        </p:grpSpPr>
+        <p:graphicFrame>
+          <p:nvGraphicFramePr>
+            <p:cNvPr id="6" name="Tabla 6">
+              <a:extLst>
+                <a:ext uri="{FF2B5EF4-FFF2-40B4-BE49-F238E27FC236}">
+                  <a16:creationId xmlns:a16="http://schemas.microsoft.com/office/drawing/2014/main" id="{D90CAAAD-8F6B-6375-3669-83327AE6A30B}"/>
+                </a:ext>
+              </a:extLst>
+            </p:cNvPr>
+            <p:cNvGraphicFramePr>
+              <a:graphicFrameLocks noGrp="1" noDrilldown="1" noMove="1" noResize="1"/>
+            </p:cNvGraphicFramePr>
+            <p:nvPr/>
+          </p:nvGraphicFramePr>
+          <p:xfrm>
+            <a:off x="0" y="0"/>
+            <a:ext cx="12192000" cy="432707"/>
+          </p:xfrm>
+          <a:graphic>
+            <a:graphicData uri="http://schemas.openxmlformats.org/drawingml/2006/table">
+              <a:tbl>
+                <a:tblPr>
+                  <a:tableStyleId>{5C22544A-7EE6-4342-B048-85BDC9FD1C3A}</a:tableStyleId>
+                </a:tblPr>
+                <a:tblGrid>
+                  <a:gridCol w="4064000">
+                    <a:extLst>
+                      <a:ext uri="{9D8B030D-6E8A-4147-A177-3AD203B41FA5}">
+                        <a16:colId xmlns:a16="http://schemas.microsoft.com/office/drawing/2014/main" val="3965995166"/>
+                      </a:ext>
+                    </a:extLst>
+                  </a:gridCol>
+                  <a:gridCol w="4064000">
+                    <a:extLst>
+                      <a:ext uri="{9D8B030D-6E8A-4147-A177-3AD203B41FA5}">
+                        <a16:colId xmlns:a16="http://schemas.microsoft.com/office/drawing/2014/main" val="2688743598"/>
+                      </a:ext>
+                    </a:extLst>
+                  </a:gridCol>
+                  <a:gridCol w="4064000">
+                    <a:extLst>
+                      <a:ext uri="{9D8B030D-6E8A-4147-A177-3AD203B41FA5}">
+                        <a16:colId xmlns:a16="http://schemas.microsoft.com/office/drawing/2014/main" val="1823215698"/>
+                      </a:ext>
+                    </a:extLst>
+                  </a:gridCol>
+                </a:tblGrid>
+                <a:tr h="432707">
+                  <a:tc>
+                    <a:txBody>
+                      <a:bodyPr/>
+                      <a:lstStyle/>
+                      <a:p>
+                        <a:pPr algn="ctr"/>
+                        <a:r>
+                          <a:rPr lang="es-ES" b="1" dirty="0">
+                            <a:solidFill>
+                              <a:schemeClr val="bg1"/>
+                            </a:solidFill>
+                          </a:rPr>
+                          <a:t>Alberto F. Merchán</a:t>
+                        </a:r>
+                      </a:p>
+                    </a:txBody>
+                    <a:tcPr>
+                      <a:lnL w="12700" cmpd="sng">
+                        <a:noFill/>
+                      </a:lnL>
+                      <a:lnR w="12700" cmpd="sng">
+                        <a:noFill/>
+                      </a:lnR>
+                      <a:lnT w="12700" cmpd="sng">
+                        <a:noFill/>
+                      </a:lnT>
+                      <a:lnB w="12700" cmpd="sng">
+                        <a:noFill/>
+                      </a:lnB>
+                      <a:lnTlToBr w="12700" cmpd="sng">
+                        <a:noFill/>
+                        <a:prstDash val="solid"/>
+                      </a:lnTlToBr>
+                      <a:lnBlToTr w="12700" cmpd="sng">
+                        <a:noFill/>
+                        <a:prstDash val="solid"/>
+                      </a:lnBlToTr>
+                      <a:solidFill>
+                        <a:srgbClr val="911131"/>
+                      </a:solidFill>
+                    </a:tcPr>
+                  </a:tc>
+                  <a:tc>
+                    <a:txBody>
+                      <a:bodyPr/>
+                      <a:lstStyle/>
+                      <a:p>
+                        <a:pPr algn="ctr"/>
+                        <a:r>
+                          <a:rPr lang="es-ES" b="1" dirty="0">
+                            <a:solidFill>
+                              <a:schemeClr val="bg1"/>
+                            </a:solidFill>
+                          </a:rPr>
+                          <a:t>Visión por Computador</a:t>
+                        </a:r>
+                      </a:p>
+                    </a:txBody>
+                    <a:tcPr>
+                      <a:lnL w="12700" cmpd="sng">
+                        <a:noFill/>
+                      </a:lnL>
+                      <a:lnR w="12700" cmpd="sng">
+                        <a:noFill/>
+                      </a:lnR>
+                      <a:lnT w="12700" cmpd="sng">
+                        <a:noFill/>
+                      </a:lnT>
+                      <a:lnB w="12700" cmpd="sng">
+                        <a:noFill/>
+                      </a:lnB>
+                      <a:lnTlToBr w="12700" cmpd="sng">
+                        <a:noFill/>
+                        <a:prstDash val="solid"/>
+                      </a:lnTlToBr>
+                      <a:lnBlToTr w="12700" cmpd="sng">
+                        <a:noFill/>
+                        <a:prstDash val="solid"/>
+                      </a:lnBlToTr>
+                      <a:solidFill>
+                        <a:srgbClr val="911131"/>
+                      </a:solidFill>
+                    </a:tcPr>
+                  </a:tc>
+                  <a:tc>
+                    <a:txBody>
+                      <a:bodyPr/>
+                      <a:lstStyle/>
+                      <a:p>
+                        <a:r>
+                          <a:rPr lang="es-ES" b="1" dirty="0">
+                            <a:solidFill>
+                              <a:schemeClr val="bg1"/>
+                            </a:solidFill>
+                          </a:rPr>
+                          <a:t>Universidad de Huelva (UHU)</a:t>
+                        </a:r>
+                      </a:p>
+                    </a:txBody>
+                    <a:tcPr>
+                      <a:lnL w="12700" cmpd="sng">
+                        <a:noFill/>
+                      </a:lnL>
+                      <a:lnR w="12700" cmpd="sng">
+                        <a:noFill/>
+                      </a:lnR>
+                      <a:lnT w="12700" cmpd="sng">
+                        <a:noFill/>
+                      </a:lnT>
+                      <a:lnB w="12700" cmpd="sng">
+                        <a:noFill/>
+                      </a:lnB>
+                      <a:lnTlToBr w="12700" cmpd="sng">
+                        <a:noFill/>
+                        <a:prstDash val="solid"/>
+                      </a:lnTlToBr>
+                      <a:lnBlToTr w="12700" cmpd="sng">
+                        <a:noFill/>
+                        <a:prstDash val="solid"/>
+                      </a:lnBlToTr>
+                      <a:solidFill>
+                        <a:srgbClr val="911131"/>
+                      </a:solidFill>
+                    </a:tcPr>
+                  </a:tc>
+                  <a:extLst>
+                    <a:ext uri="{0D108BD9-81ED-4DB2-BD59-A6C34878D82A}">
+                      <a16:rowId xmlns:a16="http://schemas.microsoft.com/office/drawing/2014/main" val="4033175773"/>
+                    </a:ext>
+                  </a:extLst>
+                </a:tr>
+              </a:tbl>
+            </a:graphicData>
+          </a:graphic>
+        </p:graphicFrame>
+        <p:pic>
+          <p:nvPicPr>
+            <p:cNvPr id="4" name="Imagen 3" descr="Imagen que contiene Logotipo&#10;&#10;Descripción generada automáticamente">
+              <a:extLst>
+                <a:ext uri="{FF2B5EF4-FFF2-40B4-BE49-F238E27FC236}">
+                  <a16:creationId xmlns:a16="http://schemas.microsoft.com/office/drawing/2014/main" id="{A2A3CA50-6BEE-4CF8-0EC6-56076CF5A0A6}"/>
+                </a:ext>
+              </a:extLst>
+            </p:cNvPr>
+            <p:cNvPicPr>
+              <a:picLocks noGrp="1" noRot="1" noChangeAspect="1" noMove="1" noResize="1" noEditPoints="1" noAdjustHandles="1" noChangeArrowheads="1" noChangeShapeType="1" noCrop="1"/>
+            </p:cNvPicPr>
+            <p:nvPr/>
+          </p:nvPicPr>
+          <p:blipFill>
+            <a:blip r:embed="rId3">
+              <a:biLevel thresh="25000"/>
+              <a:extLst>
+                <a:ext uri="{BEBA8EAE-BF5A-486C-A8C5-ECC9F3942E4B}">
+                  <a14:imgProps xmlns:a14="http://schemas.microsoft.com/office/drawing/2010/main">
+                    <a14:imgLayer r:embed="rId4">
+                      <a14:imgEffect>
+                        <a14:saturation sat="0"/>
+                      </a14:imgEffect>
+                    </a14:imgLayer>
+                  </a14:imgProps>
+                </a:ext>
+                <a:ext uri="{28A0092B-C50C-407E-A947-70E740481C1C}">
+                  <a14:useLocalDpi xmlns:a14="http://schemas.microsoft.com/office/drawing/2010/main" val="0"/>
+                </a:ext>
+              </a:extLst>
+            </a:blip>
+            <a:stretch>
+              <a:fillRect/>
+            </a:stretch>
+          </p:blipFill>
+          <p:spPr>
+            <a:xfrm>
+              <a:off x="11353800" y="32657"/>
+              <a:ext cx="367392" cy="367392"/>
+            </a:xfrm>
+            <a:prstGeom prst="rect">
+              <a:avLst/>
+            </a:prstGeom>
+          </p:spPr>
+        </p:pic>
+      </p:grpSp>
+      <p:pic>
+        <p:nvPicPr>
+          <p:cNvPr id="3" name="Imagen 2" descr="Imagen que contiene Icono&#10;&#10;Descripción generada automáticamente">
+            <a:extLst>
+              <a:ext uri="{FF2B5EF4-FFF2-40B4-BE49-F238E27FC236}">
+                <a16:creationId xmlns:a16="http://schemas.microsoft.com/office/drawing/2014/main" id="{8A9AB486-0DE7-3EE3-27FD-AAD9248094CA}"/>
+              </a:ext>
+            </a:extLst>
+          </p:cNvPr>
+          <p:cNvPicPr>
+            <a:picLocks noChangeAspect="1"/>
+          </p:cNvPicPr>
+          <p:nvPr/>
+        </p:nvPicPr>
+        <p:blipFill>
+          <a:blip r:embed="rId5" cstate="screen">
+            <a:extLst>
+              <a:ext uri="{28A0092B-C50C-407E-A947-70E740481C1C}">
+                <a14:useLocalDpi xmlns:a14="http://schemas.microsoft.com/office/drawing/2010/main"/>
+              </a:ext>
+            </a:extLst>
+          </a:blip>
+          <a:stretch>
+            <a:fillRect/>
+          </a:stretch>
+        </p:blipFill>
+        <p:spPr>
+          <a:xfrm>
+            <a:off x="4445466" y="1883700"/>
+            <a:ext cx="3010336" cy="2704941"/>
+          </a:xfrm>
+          <a:prstGeom prst="rect">
+            <a:avLst/>
+          </a:prstGeom>
+        </p:spPr>
+      </p:pic>
+      <p:sp>
+        <p:nvSpPr>
+          <p:cNvPr id="7" name="CuadroTexto 6">
+            <a:extLst>
+              <a:ext uri="{FF2B5EF4-FFF2-40B4-BE49-F238E27FC236}">
+                <a16:creationId xmlns:a16="http://schemas.microsoft.com/office/drawing/2014/main" id="{C6F01FAE-341B-28D2-9091-E33420A3406C}"/>
+              </a:ext>
+            </a:extLst>
+          </p:cNvPr>
+          <p:cNvSpPr txBox="1"/>
+          <p:nvPr/>
+        </p:nvSpPr>
+        <p:spPr>
+          <a:xfrm>
+            <a:off x="5202488" y="4806849"/>
+            <a:ext cx="1787024" cy="400110"/>
+          </a:xfrm>
+          <a:prstGeom prst="rect">
+            <a:avLst/>
+          </a:prstGeom>
+          <a:solidFill>
+            <a:schemeClr val="accent1">
+              <a:lumMod val="40000"/>
+              <a:lumOff val="60000"/>
+              <a:alpha val="50000"/>
+            </a:schemeClr>
+          </a:solidFill>
+        </p:spPr>
+        <p:txBody>
+          <a:bodyPr wrap="square" rtlCol="0">
+            <a:spAutoFit/>
+          </a:bodyPr>
+          <a:lstStyle/>
+          <a:p>
+            <a:pPr algn="just"/>
+            <a:r>
+              <a:rPr lang="es-ES" sz="2000" dirty="0"/>
+              <a:t>Matlab R2022b</a:t>
+            </a:r>
+          </a:p>
+        </p:txBody>
+      </p:sp>
+    </p:spTree>
+    <p:extLst>
+      <p:ext uri="{BB962C8B-B14F-4D97-AF65-F5344CB8AC3E}">
+        <p14:creationId xmlns:p14="http://schemas.microsoft.com/office/powerpoint/2010/main" val="1343457986"/>
+      </p:ext>
+    </p:extLst>
+  </p:cSld>
+  <p:clrMapOvr>
+    <a:overrideClrMapping bg1="lt1" tx1="dk1" bg2="lt2" tx2="dk2" accent1="accent1" accent2="accent2" accent3="accent3" accent4="accent4" accent5="accent5" accent6="accent6" hlink="hlink" folHlink="folHlink"/>
+  </p:clrMapOvr>
+</p:sld>
+</file>
+
+<file path=ppt/slides/slide4.xml><?xml version="1.0" encoding="utf-8"?>
+<p:sld xmlns:a="http://schemas.openxmlformats.org/drawingml/2006/main" xmlns:r="http://schemas.openxmlformats.org/officeDocument/2006/relationships" xmlns:p="http://schemas.openxmlformats.org/presentationml/2006/main">
+  <p:cSld>
+    <p:bg>
+      <p:bgPr>
+        <a:solidFill>
+          <a:schemeClr val="bg2"/>
+        </a:solidFill>
+        <a:effectLst/>
+      </p:bgPr>
+    </p:bg>
+    <p:spTree>
+      <p:nvGrpSpPr>
+        <p:cNvPr id="1" name=""/>
+        <p:cNvGrpSpPr/>
+        <p:nvPr/>
+      </p:nvGrpSpPr>
+      <p:grpSpPr>
+        <a:xfrm>
+          <a:off x="0" y="0"/>
+          <a:ext cx="0" cy="0"/>
+          <a:chOff x="0" y="0"/>
+          <a:chExt cx="0" cy="0"/>
+        </a:xfrm>
+      </p:grpSpPr>
+      <p:graphicFrame>
+        <p:nvGraphicFramePr>
+          <p:cNvPr id="15" name="Tabla 6">
+            <a:extLst>
+              <a:ext uri="{FF2B5EF4-FFF2-40B4-BE49-F238E27FC236}">
+                <a16:creationId xmlns:a16="http://schemas.microsoft.com/office/drawing/2014/main" id="{D3B1A763-5893-E62D-3434-AECDFC46D757}"/>
+              </a:ext>
+            </a:extLst>
+          </p:cNvPr>
+          <p:cNvGraphicFramePr>
+            <a:graphicFrameLocks noGrp="1" noDrilldown="1" noMove="1" noResize="1"/>
+          </p:cNvGraphicFramePr>
+          <p:nvPr/>
+        </p:nvGraphicFramePr>
+        <p:xfrm>
+          <a:off x="0" y="6427561"/>
+          <a:ext cx="12192000" cy="432707"/>
+        </p:xfrm>
+        <a:graphic>
+          <a:graphicData uri="http://schemas.openxmlformats.org/drawingml/2006/table">
+            <a:tbl>
+              <a:tblPr>
+                <a:tableStyleId>{5C22544A-7EE6-4342-B048-85BDC9FD1C3A}</a:tableStyleId>
+              </a:tblPr>
+              <a:tblGrid>
+                <a:gridCol w="8128000">
+                  <a:extLst>
+                    <a:ext uri="{9D8B030D-6E8A-4147-A177-3AD203B41FA5}">
+                      <a16:colId xmlns:a16="http://schemas.microsoft.com/office/drawing/2014/main" val="3965995166"/>
+                    </a:ext>
+                  </a:extLst>
+                </a:gridCol>
+                <a:gridCol w="4064000">
+                  <a:extLst>
+                    <a:ext uri="{9D8B030D-6E8A-4147-A177-3AD203B41FA5}">
+                      <a16:colId xmlns:a16="http://schemas.microsoft.com/office/drawing/2014/main" val="1823215698"/>
+                    </a:ext>
+                  </a:extLst>
+                </a:gridCol>
+              </a:tblGrid>
+              <a:tr h="432707">
+                <a:tc>
+                  <a:txBody>
+                    <a:bodyPr/>
+                    <a:lstStyle/>
+                    <a:p>
+                      <a:pPr algn="ctr"/>
+                      <a:r>
+                        <a:rPr lang="es-ES" sz="1800" b="1" dirty="0">
+                          <a:solidFill>
+                            <a:schemeClr val="bg1"/>
+                          </a:solidFill>
+                        </a:rPr>
+                        <a:t>Sistema de Segmentación y Reconocimiento de Caracteres de Placas de Matrículas</a:t>
+                      </a:r>
+                    </a:p>
+                  </a:txBody>
+                  <a:tcPr>
+                    <a:lnL w="12700" cmpd="sng">
+                      <a:noFill/>
+                    </a:lnL>
+                    <a:lnR w="12700" cmpd="sng">
+                      <a:noFill/>
+                    </a:lnR>
+                    <a:lnT w="12700" cmpd="sng">
+                      <a:noFill/>
+                    </a:lnT>
+                    <a:lnB w="12700" cmpd="sng">
+                      <a:noFill/>
+                    </a:lnB>
+                    <a:lnTlToBr w="12700" cmpd="sng">
+                      <a:noFill/>
+                      <a:prstDash val="solid"/>
+                    </a:lnTlToBr>
+                    <a:lnBlToTr w="12700" cmpd="sng">
+                      <a:noFill/>
+                      <a:prstDash val="solid"/>
+                    </a:lnBlToTr>
+                    <a:solidFill>
+                      <a:srgbClr val="911131"/>
+                    </a:solidFill>
+                  </a:tcPr>
+                </a:tc>
+                <a:tc>
+                  <a:txBody>
+                    <a:bodyPr/>
+                    <a:lstStyle/>
+                    <a:p>
+                      <a:endParaRPr lang="es-ES" b="1" dirty="0">
+                        <a:solidFill>
+                          <a:schemeClr val="bg1"/>
+                        </a:solidFill>
+                      </a:endParaRPr>
+                    </a:p>
+                  </a:txBody>
+                  <a:tcPr>
+                    <a:lnL w="12700" cmpd="sng">
+                      <a:noFill/>
+                    </a:lnL>
+                    <a:lnR w="12700" cmpd="sng">
+                      <a:noFill/>
+                    </a:lnR>
+                    <a:lnT w="12700" cmpd="sng">
+                      <a:noFill/>
+                    </a:lnT>
+                    <a:lnB w="12700" cmpd="sng">
+                      <a:noFill/>
+                    </a:lnB>
+                    <a:lnTlToBr w="12700" cmpd="sng">
+                      <a:noFill/>
+                      <a:prstDash val="solid"/>
+                    </a:lnTlToBr>
+                    <a:lnBlToTr w="12700" cmpd="sng">
+                      <a:noFill/>
+                      <a:prstDash val="solid"/>
+                    </a:lnBlToTr>
+                    <a:solidFill>
+                      <a:srgbClr val="911131"/>
+                    </a:solidFill>
+                  </a:tcPr>
+                </a:tc>
+                <a:extLst>
+                  <a:ext uri="{0D108BD9-81ED-4DB2-BD59-A6C34878D82A}">
+                    <a16:rowId xmlns:a16="http://schemas.microsoft.com/office/drawing/2014/main" val="4033175773"/>
+                  </a:ext>
+                </a:extLst>
+              </a:tr>
+            </a:tbl>
+          </a:graphicData>
+        </a:graphic>
+      </p:graphicFrame>
+      <p:sp>
+        <p:nvSpPr>
+          <p:cNvPr id="2" name="Título 16">
+            <a:extLst>
+              <a:ext uri="{FF2B5EF4-FFF2-40B4-BE49-F238E27FC236}">
+                <a16:creationId xmlns:a16="http://schemas.microsoft.com/office/drawing/2014/main" id="{F8C784B5-7F38-3178-FC13-7B8A9B7AEC4F}"/>
+              </a:ext>
+            </a:extLst>
+          </p:cNvPr>
+          <p:cNvSpPr>
+            <a:spLocks noGrp="1"/>
+          </p:cNvSpPr>
+          <p:nvPr>
+            <p:ph type="title"/>
+          </p:nvPr>
+        </p:nvSpPr>
+        <p:spPr>
+          <a:xfrm>
+            <a:off x="166255" y="756186"/>
+            <a:ext cx="11859490" cy="583087"/>
+          </a:xfrm>
+        </p:spPr>
+        <p:txBody>
+          <a:bodyPr>
+            <a:normAutofit fontScale="90000"/>
+          </a:bodyPr>
+          <a:lstStyle/>
+          <a:p>
+            <a:r>
+              <a:rPr lang="es-ES" b="1" dirty="0"/>
+              <a:t>Material Utilizado:</a:t>
+            </a:r>
+          </a:p>
+        </p:txBody>
+      </p:sp>
+      <p:sp>
+        <p:nvSpPr>
+          <p:cNvPr id="5" name="Marcador de número de diapositiva 4">
+            <a:extLst>
+              <a:ext uri="{FF2B5EF4-FFF2-40B4-BE49-F238E27FC236}">
+                <a16:creationId xmlns:a16="http://schemas.microsoft.com/office/drawing/2014/main" id="{FD9258AB-EA15-4C72-1240-5896F9C78D30}"/>
+              </a:ext>
+            </a:extLst>
+          </p:cNvPr>
+          <p:cNvSpPr>
+            <a:spLocks noGrp="1"/>
+          </p:cNvSpPr>
+          <p:nvPr>
+            <p:ph type="sldNum" sz="quarter" idx="12"/>
+          </p:nvPr>
+        </p:nvSpPr>
+        <p:spPr>
+          <a:xfrm>
+            <a:off x="9182100" y="6461351"/>
+            <a:ext cx="2743200" cy="365125"/>
+          </a:xfrm>
+        </p:spPr>
+        <p:txBody>
+          <a:bodyPr/>
+          <a:lstStyle/>
+          <a:p>
+            <a:fld id="{9D2534AA-3AC9-4CE3-8288-EDBF65FBAAA1}" type="slidenum">
+              <a:rPr lang="es-ES" b="1" smtClean="0">
+                <a:solidFill>
+                  <a:schemeClr val="bg1"/>
+                </a:solidFill>
+              </a:rPr>
+              <a:t>4</a:t>
+            </a:fld>
+            <a:endParaRPr lang="es-ES" b="1" dirty="0">
+              <a:solidFill>
+                <a:schemeClr val="bg1"/>
+              </a:solidFill>
+            </a:endParaRPr>
+          </a:p>
+        </p:txBody>
+      </p:sp>
+      <p:grpSp>
+        <p:nvGrpSpPr>
+          <p:cNvPr id="9" name="Grupo 8">
+            <a:extLst>
+              <a:ext uri="{FF2B5EF4-FFF2-40B4-BE49-F238E27FC236}">
+                <a16:creationId xmlns:a16="http://schemas.microsoft.com/office/drawing/2014/main" id="{FEBFD953-88E7-887A-D04C-A685C6D91952}"/>
+              </a:ext>
+            </a:extLst>
+          </p:cNvPr>
+          <p:cNvGrpSpPr>
+            <a:grpSpLocks noGrp="1" noUngrp="1" noRot="1" noMove="1" noResize="1"/>
+          </p:cNvGrpSpPr>
+          <p:nvPr/>
+        </p:nvGrpSpPr>
+        <p:grpSpPr>
+          <a:xfrm>
+            <a:off x="0" y="0"/>
+            <a:ext cx="12192000" cy="432707"/>
+            <a:chOff x="0" y="0"/>
+            <a:chExt cx="12192000" cy="432707"/>
+          </a:xfrm>
+        </p:grpSpPr>
+        <p:graphicFrame>
+          <p:nvGraphicFramePr>
+            <p:cNvPr id="6" name="Tabla 6">
+              <a:extLst>
+                <a:ext uri="{FF2B5EF4-FFF2-40B4-BE49-F238E27FC236}">
+                  <a16:creationId xmlns:a16="http://schemas.microsoft.com/office/drawing/2014/main" id="{D90CAAAD-8F6B-6375-3669-83327AE6A30B}"/>
+                </a:ext>
+              </a:extLst>
+            </p:cNvPr>
+            <p:cNvGraphicFramePr>
+              <a:graphicFrameLocks noGrp="1" noDrilldown="1" noMove="1" noResize="1"/>
+            </p:cNvGraphicFramePr>
+            <p:nvPr/>
+          </p:nvGraphicFramePr>
+          <p:xfrm>
+            <a:off x="0" y="0"/>
+            <a:ext cx="12192000" cy="432707"/>
+          </p:xfrm>
+          <a:graphic>
+            <a:graphicData uri="http://schemas.openxmlformats.org/drawingml/2006/table">
+              <a:tbl>
+                <a:tblPr>
+                  <a:tableStyleId>{5C22544A-7EE6-4342-B048-85BDC9FD1C3A}</a:tableStyleId>
+                </a:tblPr>
+                <a:tblGrid>
+                  <a:gridCol w="4064000">
+                    <a:extLst>
+                      <a:ext uri="{9D8B030D-6E8A-4147-A177-3AD203B41FA5}">
+                        <a16:colId xmlns:a16="http://schemas.microsoft.com/office/drawing/2014/main" val="3965995166"/>
+                      </a:ext>
+                    </a:extLst>
+                  </a:gridCol>
+                  <a:gridCol w="4064000">
+                    <a:extLst>
+                      <a:ext uri="{9D8B030D-6E8A-4147-A177-3AD203B41FA5}">
+                        <a16:colId xmlns:a16="http://schemas.microsoft.com/office/drawing/2014/main" val="2688743598"/>
+                      </a:ext>
+                    </a:extLst>
+                  </a:gridCol>
+                  <a:gridCol w="4064000">
+                    <a:extLst>
+                      <a:ext uri="{9D8B030D-6E8A-4147-A177-3AD203B41FA5}">
+                        <a16:colId xmlns:a16="http://schemas.microsoft.com/office/drawing/2014/main" val="1823215698"/>
+                      </a:ext>
+                    </a:extLst>
+                  </a:gridCol>
+                </a:tblGrid>
+                <a:tr h="432707">
+                  <a:tc>
+                    <a:txBody>
+                      <a:bodyPr/>
+                      <a:lstStyle/>
+                      <a:p>
+                        <a:pPr algn="ctr"/>
+                        <a:r>
+                          <a:rPr lang="es-ES" b="1" dirty="0">
+                            <a:solidFill>
+                              <a:schemeClr val="bg1"/>
+                            </a:solidFill>
+                          </a:rPr>
+                          <a:t>Alberto F. Merchán</a:t>
+                        </a:r>
+                      </a:p>
+                    </a:txBody>
+                    <a:tcPr>
+                      <a:lnL w="12700" cmpd="sng">
+                        <a:noFill/>
+                      </a:lnL>
+                      <a:lnR w="12700" cmpd="sng">
+                        <a:noFill/>
+                      </a:lnR>
+                      <a:lnT w="12700" cmpd="sng">
+                        <a:noFill/>
+                      </a:lnT>
+                      <a:lnB w="12700" cmpd="sng">
+                        <a:noFill/>
+                      </a:lnB>
+                      <a:lnTlToBr w="12700" cmpd="sng">
+                        <a:noFill/>
+                        <a:prstDash val="solid"/>
+                      </a:lnTlToBr>
+                      <a:lnBlToTr w="12700" cmpd="sng">
+                        <a:noFill/>
+                        <a:prstDash val="solid"/>
+                      </a:lnBlToTr>
+                      <a:solidFill>
+                        <a:srgbClr val="911131"/>
+                      </a:solidFill>
+                    </a:tcPr>
+                  </a:tc>
+                  <a:tc>
+                    <a:txBody>
+                      <a:bodyPr/>
+                      <a:lstStyle/>
+                      <a:p>
+                        <a:pPr algn="ctr"/>
+                        <a:r>
+                          <a:rPr lang="es-ES" b="1" dirty="0">
+                            <a:solidFill>
+                              <a:schemeClr val="bg1"/>
+                            </a:solidFill>
+                          </a:rPr>
+                          <a:t>Visión por Computador</a:t>
+                        </a:r>
+                      </a:p>
+                    </a:txBody>
+                    <a:tcPr>
+                      <a:lnL w="12700" cmpd="sng">
+                        <a:noFill/>
+                      </a:lnL>
+                      <a:lnR w="12700" cmpd="sng">
+                        <a:noFill/>
+                      </a:lnR>
+                      <a:lnT w="12700" cmpd="sng">
+                        <a:noFill/>
+                      </a:lnT>
+                      <a:lnB w="12700" cmpd="sng">
+                        <a:noFill/>
+                      </a:lnB>
+                      <a:lnTlToBr w="12700" cmpd="sng">
+                        <a:noFill/>
+                        <a:prstDash val="solid"/>
+                      </a:lnTlToBr>
+                      <a:lnBlToTr w="12700" cmpd="sng">
+                        <a:noFill/>
+                        <a:prstDash val="solid"/>
+                      </a:lnBlToTr>
+                      <a:solidFill>
+                        <a:srgbClr val="911131"/>
+                      </a:solidFill>
+                    </a:tcPr>
+                  </a:tc>
+                  <a:tc>
+                    <a:txBody>
+                      <a:bodyPr/>
+                      <a:lstStyle/>
+                      <a:p>
+                        <a:r>
+                          <a:rPr lang="es-ES" b="1" dirty="0">
+                            <a:solidFill>
+                              <a:schemeClr val="bg1"/>
+                            </a:solidFill>
+                          </a:rPr>
+                          <a:t>Universidad de Huelva (UHU)</a:t>
+                        </a:r>
+                      </a:p>
+                    </a:txBody>
+                    <a:tcPr>
+                      <a:lnL w="12700" cmpd="sng">
+                        <a:noFill/>
+                      </a:lnL>
+                      <a:lnR w="12700" cmpd="sng">
+                        <a:noFill/>
+                      </a:lnR>
+                      <a:lnT w="12700" cmpd="sng">
+                        <a:noFill/>
+                      </a:lnT>
+                      <a:lnB w="12700" cmpd="sng">
+                        <a:noFill/>
+                      </a:lnB>
+                      <a:lnTlToBr w="12700" cmpd="sng">
+                        <a:noFill/>
+                        <a:prstDash val="solid"/>
+                      </a:lnTlToBr>
+                      <a:lnBlToTr w="12700" cmpd="sng">
+                        <a:noFill/>
+                        <a:prstDash val="solid"/>
+                      </a:lnBlToTr>
+                      <a:solidFill>
+                        <a:srgbClr val="911131"/>
+                      </a:solidFill>
+                    </a:tcPr>
+                  </a:tc>
+                  <a:extLst>
+                    <a:ext uri="{0D108BD9-81ED-4DB2-BD59-A6C34878D82A}">
+                      <a16:rowId xmlns:a16="http://schemas.microsoft.com/office/drawing/2014/main" val="4033175773"/>
+                    </a:ext>
+                  </a:extLst>
+                </a:tr>
+              </a:tbl>
+            </a:graphicData>
+          </a:graphic>
+        </p:graphicFrame>
+        <p:pic>
+          <p:nvPicPr>
+            <p:cNvPr id="4" name="Imagen 3" descr="Imagen que contiene Logotipo&#10;&#10;Descripción generada automáticamente">
+              <a:extLst>
+                <a:ext uri="{FF2B5EF4-FFF2-40B4-BE49-F238E27FC236}">
+                  <a16:creationId xmlns:a16="http://schemas.microsoft.com/office/drawing/2014/main" id="{A2A3CA50-6BEE-4CF8-0EC6-56076CF5A0A6}"/>
+                </a:ext>
+              </a:extLst>
+            </p:cNvPr>
+            <p:cNvPicPr>
+              <a:picLocks noGrp="1" noRot="1" noChangeAspect="1" noMove="1" noResize="1" noEditPoints="1" noAdjustHandles="1" noChangeArrowheads="1" noChangeShapeType="1" noCrop="1"/>
+            </p:cNvPicPr>
+            <p:nvPr/>
+          </p:nvPicPr>
+          <p:blipFill>
+            <a:blip r:embed="rId3">
+              <a:biLevel thresh="25000"/>
+              <a:extLst>
+                <a:ext uri="{BEBA8EAE-BF5A-486C-A8C5-ECC9F3942E4B}">
+                  <a14:imgProps xmlns:a14="http://schemas.microsoft.com/office/drawing/2010/main">
+                    <a14:imgLayer r:embed="rId4">
+                      <a14:imgEffect>
+                        <a14:saturation sat="0"/>
+                      </a14:imgEffect>
+                    </a14:imgLayer>
+                  </a14:imgProps>
+                </a:ext>
+                <a:ext uri="{28A0092B-C50C-407E-A947-70E740481C1C}">
+                  <a14:useLocalDpi xmlns:a14="http://schemas.microsoft.com/office/drawing/2010/main" val="0"/>
+                </a:ext>
+              </a:extLst>
+            </a:blip>
+            <a:stretch>
+              <a:fillRect/>
+            </a:stretch>
+          </p:blipFill>
+          <p:spPr>
+            <a:xfrm>
+              <a:off x="11353800" y="32657"/>
+              <a:ext cx="367392" cy="367392"/>
+            </a:xfrm>
+            <a:prstGeom prst="rect">
+              <a:avLst/>
+            </a:prstGeom>
+          </p:spPr>
+        </p:pic>
+      </p:grpSp>
+      <p:sp>
+        <p:nvSpPr>
+          <p:cNvPr id="3" name="CuadroTexto 2">
+            <a:extLst>
+              <a:ext uri="{FF2B5EF4-FFF2-40B4-BE49-F238E27FC236}">
+                <a16:creationId xmlns:a16="http://schemas.microsoft.com/office/drawing/2014/main" id="{9EDBFE6B-21F2-AF2D-AF27-E282FF8DC53C}"/>
+              </a:ext>
+            </a:extLst>
+          </p:cNvPr>
+          <p:cNvSpPr txBox="1"/>
+          <p:nvPr/>
+        </p:nvSpPr>
+        <p:spPr>
+          <a:xfrm>
+            <a:off x="166255" y="2165589"/>
+            <a:ext cx="2900220" cy="707886"/>
+          </a:xfrm>
+          <a:prstGeom prst="rect">
+            <a:avLst/>
+          </a:prstGeom>
+          <a:solidFill>
+            <a:schemeClr val="accent1">
+              <a:lumMod val="40000"/>
+              <a:lumOff val="60000"/>
+              <a:alpha val="50000"/>
+            </a:schemeClr>
+          </a:solidFill>
+        </p:spPr>
+        <p:txBody>
+          <a:bodyPr wrap="square" rtlCol="0">
+            <a:spAutoFit/>
+          </a:bodyPr>
+          <a:lstStyle/>
+          <a:p>
+            <a:pPr algn="ctr"/>
+            <a:r>
+              <a:rPr lang="es-ES" sz="2000" dirty="0"/>
+              <a:t>Conjunto de Imágenes de </a:t>
+            </a:r>
+            <a:r>
+              <a:rPr lang="es-ES" sz="2000" b="1" dirty="0"/>
+              <a:t>Entrenamiento</a:t>
+            </a:r>
+          </a:p>
+        </p:txBody>
+      </p:sp>
+      <p:sp>
+        <p:nvSpPr>
+          <p:cNvPr id="7" name="CuadroTexto 6">
+            <a:extLst>
+              <a:ext uri="{FF2B5EF4-FFF2-40B4-BE49-F238E27FC236}">
+                <a16:creationId xmlns:a16="http://schemas.microsoft.com/office/drawing/2014/main" id="{642D39A4-2121-22F8-42C1-8947992E039C}"/>
+              </a:ext>
+            </a:extLst>
+          </p:cNvPr>
+          <p:cNvSpPr txBox="1"/>
+          <p:nvPr/>
+        </p:nvSpPr>
+        <p:spPr>
+          <a:xfrm>
+            <a:off x="4674177" y="2165589"/>
+            <a:ext cx="2900220" cy="707886"/>
+          </a:xfrm>
+          <a:prstGeom prst="rect">
+            <a:avLst/>
+          </a:prstGeom>
+          <a:solidFill>
+            <a:schemeClr val="accent1">
+              <a:lumMod val="40000"/>
+              <a:lumOff val="60000"/>
+              <a:alpha val="50000"/>
+            </a:schemeClr>
+          </a:solidFill>
+        </p:spPr>
+        <p:txBody>
+          <a:bodyPr wrap="square" rtlCol="0">
+            <a:spAutoFit/>
+          </a:bodyPr>
+          <a:lstStyle>
+            <a:defPPr>
+              <a:defRPr lang="es-ES"/>
+            </a:defPPr>
+            <a:lvl1pPr algn="ctr">
+              <a:defRPr sz="2000"/>
+            </a:lvl1pPr>
+          </a:lstStyle>
+          <a:p>
+            <a:r>
+              <a:rPr lang="es-ES" dirty="0"/>
+              <a:t>Conjunto de Imágenes de </a:t>
+            </a:r>
+            <a:r>
+              <a:rPr lang="es-ES" b="1" dirty="0"/>
+              <a:t>Test</a:t>
+            </a:r>
+          </a:p>
+        </p:txBody>
+      </p:sp>
+      <p:sp>
+        <p:nvSpPr>
+          <p:cNvPr id="8" name="CuadroTexto 7">
+            <a:extLst>
+              <a:ext uri="{FF2B5EF4-FFF2-40B4-BE49-F238E27FC236}">
+                <a16:creationId xmlns:a16="http://schemas.microsoft.com/office/drawing/2014/main" id="{E6C5DE2B-B5B0-BEC3-1C87-035EF8A6ADAB}"/>
+              </a:ext>
+            </a:extLst>
+          </p:cNvPr>
+          <p:cNvSpPr txBox="1"/>
+          <p:nvPr/>
+        </p:nvSpPr>
+        <p:spPr>
+          <a:xfrm>
+            <a:off x="9182099" y="2319477"/>
+            <a:ext cx="2900220" cy="400110"/>
+          </a:xfrm>
+          <a:prstGeom prst="rect">
+            <a:avLst/>
+          </a:prstGeom>
+          <a:solidFill>
+            <a:schemeClr val="accent1">
+              <a:lumMod val="40000"/>
+              <a:lumOff val="60000"/>
+              <a:alpha val="50000"/>
+            </a:schemeClr>
+          </a:solidFill>
+        </p:spPr>
+        <p:txBody>
+          <a:bodyPr wrap="square" rtlCol="0">
+            <a:spAutoFit/>
+          </a:bodyPr>
+          <a:lstStyle>
+            <a:defPPr>
+              <a:defRPr lang="es-ES"/>
+            </a:defPPr>
+            <a:lvl1pPr algn="ctr">
+              <a:defRPr sz="2000"/>
+            </a:lvl1pPr>
+          </a:lstStyle>
+          <a:p>
+            <a:r>
+              <a:rPr lang="es-ES" dirty="0"/>
+              <a:t>Conjunto de </a:t>
+            </a:r>
+            <a:r>
+              <a:rPr lang="es-ES" b="1" dirty="0"/>
+              <a:t>Plantillas</a:t>
+            </a:r>
+          </a:p>
+        </p:txBody>
+      </p:sp>
+      <p:sp>
+        <p:nvSpPr>
+          <p:cNvPr id="10" name="CuadroTexto 9">
+            <a:extLst>
+              <a:ext uri="{FF2B5EF4-FFF2-40B4-BE49-F238E27FC236}">
+                <a16:creationId xmlns:a16="http://schemas.microsoft.com/office/drawing/2014/main" id="{9A5975E2-2AEF-C4AD-581D-0ED6D4C5A7B4}"/>
+              </a:ext>
+            </a:extLst>
+          </p:cNvPr>
+          <p:cNvSpPr txBox="1"/>
+          <p:nvPr/>
+        </p:nvSpPr>
+        <p:spPr>
+          <a:xfrm>
+            <a:off x="166255" y="3020096"/>
+            <a:ext cx="2900220" cy="369332"/>
+          </a:xfrm>
+          <a:prstGeom prst="rect">
+            <a:avLst/>
+          </a:prstGeom>
+          <a:solidFill>
+            <a:schemeClr val="accent1">
+              <a:lumMod val="40000"/>
+              <a:lumOff val="60000"/>
+              <a:alpha val="50000"/>
+            </a:schemeClr>
+          </a:solidFill>
+        </p:spPr>
+        <p:txBody>
+          <a:bodyPr wrap="square" rtlCol="0">
+            <a:spAutoFit/>
+          </a:bodyPr>
+          <a:lstStyle/>
+          <a:p>
+            <a:pPr algn="ctr"/>
+            <a:r>
+              <a:rPr lang="es-ES" dirty="0"/>
+              <a:t>5 imágenes</a:t>
+            </a:r>
+            <a:endParaRPr lang="es-ES" b="1" dirty="0"/>
+          </a:p>
+        </p:txBody>
+      </p:sp>
+      <p:sp>
+        <p:nvSpPr>
+          <p:cNvPr id="11" name="CuadroTexto 10">
+            <a:extLst>
+              <a:ext uri="{FF2B5EF4-FFF2-40B4-BE49-F238E27FC236}">
+                <a16:creationId xmlns:a16="http://schemas.microsoft.com/office/drawing/2014/main" id="{EC1EE9D8-2854-2D2B-20F8-E639A5645674}"/>
+              </a:ext>
+            </a:extLst>
+          </p:cNvPr>
+          <p:cNvSpPr txBox="1"/>
+          <p:nvPr/>
+        </p:nvSpPr>
+        <p:spPr>
+          <a:xfrm>
+            <a:off x="4674177" y="3059668"/>
+            <a:ext cx="2900220" cy="369332"/>
+          </a:xfrm>
+          <a:prstGeom prst="rect">
+            <a:avLst/>
+          </a:prstGeom>
+          <a:solidFill>
+            <a:schemeClr val="accent1">
+              <a:lumMod val="40000"/>
+              <a:lumOff val="60000"/>
+              <a:alpha val="50000"/>
+            </a:schemeClr>
+          </a:solidFill>
+        </p:spPr>
+        <p:txBody>
+          <a:bodyPr wrap="square" rtlCol="0">
+            <a:spAutoFit/>
+          </a:bodyPr>
+          <a:lstStyle/>
+          <a:p>
+            <a:pPr algn="ctr"/>
+            <a:r>
+              <a:rPr lang="es-ES" dirty="0"/>
+              <a:t>20 imágenes</a:t>
+            </a:r>
+            <a:endParaRPr lang="es-ES" b="1" dirty="0"/>
+          </a:p>
+        </p:txBody>
+      </p:sp>
+      <p:sp>
+        <p:nvSpPr>
+          <p:cNvPr id="12" name="CuadroTexto 11">
+            <a:extLst>
+              <a:ext uri="{FF2B5EF4-FFF2-40B4-BE49-F238E27FC236}">
+                <a16:creationId xmlns:a16="http://schemas.microsoft.com/office/drawing/2014/main" id="{50592506-D6B8-E536-915C-E0907AE9B810}"/>
+              </a:ext>
+            </a:extLst>
+          </p:cNvPr>
+          <p:cNvSpPr txBox="1"/>
+          <p:nvPr/>
+        </p:nvSpPr>
+        <p:spPr>
+          <a:xfrm>
+            <a:off x="9182099" y="3084379"/>
+            <a:ext cx="2900220" cy="369332"/>
+          </a:xfrm>
+          <a:prstGeom prst="rect">
+            <a:avLst/>
+          </a:prstGeom>
+          <a:solidFill>
+            <a:schemeClr val="accent1">
+              <a:lumMod val="40000"/>
+              <a:lumOff val="60000"/>
+              <a:alpha val="50000"/>
+            </a:schemeClr>
+          </a:solidFill>
+        </p:spPr>
+        <p:txBody>
+          <a:bodyPr wrap="square" rtlCol="0">
+            <a:spAutoFit/>
+          </a:bodyPr>
+          <a:lstStyle/>
+          <a:p>
+            <a:pPr algn="ctr"/>
+            <a:r>
+              <a:rPr lang="es-ES" dirty="0"/>
+              <a:t>182 imágenes</a:t>
+            </a:r>
+            <a:endParaRPr lang="es-ES" b="1" dirty="0"/>
+          </a:p>
+        </p:txBody>
+      </p:sp>
+      <p:pic>
+        <p:nvPicPr>
+          <p:cNvPr id="14" name="Imagen 13">
+            <a:extLst>
+              <a:ext uri="{FF2B5EF4-FFF2-40B4-BE49-F238E27FC236}">
+                <a16:creationId xmlns:a16="http://schemas.microsoft.com/office/drawing/2014/main" id="{06F05EAA-C55E-4DE4-A083-F143FADE6B49}"/>
+              </a:ext>
+            </a:extLst>
+          </p:cNvPr>
+          <p:cNvPicPr>
+            <a:picLocks noChangeAspect="1"/>
+          </p:cNvPicPr>
+          <p:nvPr/>
+        </p:nvPicPr>
+        <p:blipFill>
+          <a:blip r:embed="rId5"/>
+          <a:stretch>
+            <a:fillRect/>
+          </a:stretch>
+        </p:blipFill>
+        <p:spPr>
+          <a:xfrm>
+            <a:off x="8803330" y="3615519"/>
+            <a:ext cx="447675" cy="714375"/>
+          </a:xfrm>
+          <a:prstGeom prst="rect">
+            <a:avLst/>
+          </a:prstGeom>
+        </p:spPr>
+      </p:pic>
+      <p:pic>
+        <p:nvPicPr>
+          <p:cNvPr id="17" name="Imagen 16">
+            <a:extLst>
+              <a:ext uri="{FF2B5EF4-FFF2-40B4-BE49-F238E27FC236}">
+                <a16:creationId xmlns:a16="http://schemas.microsoft.com/office/drawing/2014/main" id="{CAB39EA2-9A6E-D1F6-DF87-C26A8A808E43}"/>
+              </a:ext>
+            </a:extLst>
+          </p:cNvPr>
+          <p:cNvPicPr>
+            <a:picLocks noChangeAspect="1"/>
+          </p:cNvPicPr>
+          <p:nvPr/>
+        </p:nvPicPr>
+        <p:blipFill>
+          <a:blip r:embed="rId6"/>
+          <a:stretch>
+            <a:fillRect/>
+          </a:stretch>
+        </p:blipFill>
+        <p:spPr>
+          <a:xfrm>
+            <a:off x="9278282" y="3622095"/>
+            <a:ext cx="447675" cy="714375"/>
+          </a:xfrm>
+          <a:prstGeom prst="rect">
+            <a:avLst/>
+          </a:prstGeom>
+        </p:spPr>
+      </p:pic>
+      <p:pic>
+        <p:nvPicPr>
+          <p:cNvPr id="19" name="Imagen 18">
+            <a:extLst>
+              <a:ext uri="{FF2B5EF4-FFF2-40B4-BE49-F238E27FC236}">
+                <a16:creationId xmlns:a16="http://schemas.microsoft.com/office/drawing/2014/main" id="{68C80C66-1C30-49C7-68A3-55B42E070046}"/>
+              </a:ext>
+            </a:extLst>
+          </p:cNvPr>
+          <p:cNvPicPr>
+            <a:picLocks noChangeAspect="1"/>
+          </p:cNvPicPr>
+          <p:nvPr/>
+        </p:nvPicPr>
+        <p:blipFill>
+          <a:blip r:embed="rId7"/>
+          <a:stretch>
+            <a:fillRect/>
+          </a:stretch>
+        </p:blipFill>
+        <p:spPr>
+          <a:xfrm>
+            <a:off x="9753234" y="3625045"/>
+            <a:ext cx="438150" cy="695325"/>
+          </a:xfrm>
+          <a:prstGeom prst="rect">
+            <a:avLst/>
+          </a:prstGeom>
+        </p:spPr>
+      </p:pic>
+      <p:pic>
+        <p:nvPicPr>
+          <p:cNvPr id="21" name="Imagen 20">
+            <a:extLst>
+              <a:ext uri="{FF2B5EF4-FFF2-40B4-BE49-F238E27FC236}">
+                <a16:creationId xmlns:a16="http://schemas.microsoft.com/office/drawing/2014/main" id="{3A7795A3-829F-557E-3F62-A98AED03F208}"/>
+              </a:ext>
+            </a:extLst>
+          </p:cNvPr>
+          <p:cNvPicPr>
+            <a:picLocks noChangeAspect="1"/>
+          </p:cNvPicPr>
+          <p:nvPr/>
+        </p:nvPicPr>
+        <p:blipFill>
+          <a:blip r:embed="rId8"/>
+          <a:stretch>
+            <a:fillRect/>
+          </a:stretch>
+        </p:blipFill>
+        <p:spPr>
+          <a:xfrm>
+            <a:off x="10218661" y="3644094"/>
+            <a:ext cx="419100" cy="685800"/>
+          </a:xfrm>
+          <a:prstGeom prst="rect">
+            <a:avLst/>
+          </a:prstGeom>
+        </p:spPr>
+      </p:pic>
+      <p:pic>
+        <p:nvPicPr>
+          <p:cNvPr id="23" name="Imagen 22">
+            <a:extLst>
+              <a:ext uri="{FF2B5EF4-FFF2-40B4-BE49-F238E27FC236}">
+                <a16:creationId xmlns:a16="http://schemas.microsoft.com/office/drawing/2014/main" id="{4877FFE7-7615-301A-3328-1C787A447EDE}"/>
+              </a:ext>
+            </a:extLst>
+          </p:cNvPr>
+          <p:cNvPicPr>
+            <a:picLocks noChangeAspect="1"/>
+          </p:cNvPicPr>
+          <p:nvPr/>
+        </p:nvPicPr>
+        <p:blipFill>
+          <a:blip r:embed="rId9"/>
+          <a:stretch>
+            <a:fillRect/>
+          </a:stretch>
+        </p:blipFill>
+        <p:spPr>
+          <a:xfrm>
+            <a:off x="10675138" y="3620281"/>
+            <a:ext cx="428625" cy="704850"/>
+          </a:xfrm>
+          <a:prstGeom prst="rect">
+            <a:avLst/>
+          </a:prstGeom>
+        </p:spPr>
+      </p:pic>
+      <p:pic>
+        <p:nvPicPr>
+          <p:cNvPr id="25" name="Imagen 24">
+            <a:extLst>
+              <a:ext uri="{FF2B5EF4-FFF2-40B4-BE49-F238E27FC236}">
+                <a16:creationId xmlns:a16="http://schemas.microsoft.com/office/drawing/2014/main" id="{C008FE1D-4CDB-520D-1E56-9313C2BD194D}"/>
+              </a:ext>
+            </a:extLst>
+          </p:cNvPr>
+          <p:cNvPicPr>
+            <a:picLocks noChangeAspect="1"/>
+          </p:cNvPicPr>
+          <p:nvPr/>
+        </p:nvPicPr>
+        <p:blipFill>
+          <a:blip r:embed="rId10"/>
+          <a:stretch>
+            <a:fillRect/>
+          </a:stretch>
+        </p:blipFill>
+        <p:spPr>
+          <a:xfrm>
+            <a:off x="11136090" y="3620828"/>
+            <a:ext cx="457200" cy="714375"/>
+          </a:xfrm>
+          <a:prstGeom prst="rect">
+            <a:avLst/>
+          </a:prstGeom>
+        </p:spPr>
+      </p:pic>
+      <p:pic>
+        <p:nvPicPr>
+          <p:cNvPr id="27" name="Imagen 26">
+            <a:extLst>
+              <a:ext uri="{FF2B5EF4-FFF2-40B4-BE49-F238E27FC236}">
+                <a16:creationId xmlns:a16="http://schemas.microsoft.com/office/drawing/2014/main" id="{26EE583D-9C29-9D9C-8625-DDC893C9EBC2}"/>
+              </a:ext>
+            </a:extLst>
+          </p:cNvPr>
+          <p:cNvPicPr>
+            <a:picLocks noChangeAspect="1"/>
+          </p:cNvPicPr>
+          <p:nvPr/>
+        </p:nvPicPr>
+        <p:blipFill>
+          <a:blip r:embed="rId11"/>
+          <a:stretch>
+            <a:fillRect/>
+          </a:stretch>
+        </p:blipFill>
+        <p:spPr>
+          <a:xfrm>
+            <a:off x="11615594" y="3629806"/>
+            <a:ext cx="466725" cy="685800"/>
+          </a:xfrm>
+          <a:prstGeom prst="rect">
+            <a:avLst/>
+          </a:prstGeom>
+        </p:spPr>
+      </p:pic>
+      <p:pic>
+        <p:nvPicPr>
+          <p:cNvPr id="29" name="Imagen 28">
+            <a:extLst>
+              <a:ext uri="{FF2B5EF4-FFF2-40B4-BE49-F238E27FC236}">
+                <a16:creationId xmlns:a16="http://schemas.microsoft.com/office/drawing/2014/main" id="{4C5BCA0E-12EF-7B68-317F-85308ADC12BE}"/>
+              </a:ext>
+            </a:extLst>
+          </p:cNvPr>
+          <p:cNvPicPr>
+            <a:picLocks noChangeAspect="1"/>
+          </p:cNvPicPr>
+          <p:nvPr/>
+        </p:nvPicPr>
+        <p:blipFill>
+          <a:blip r:embed="rId12"/>
+          <a:stretch>
+            <a:fillRect/>
+          </a:stretch>
+        </p:blipFill>
+        <p:spPr>
+          <a:xfrm>
+            <a:off x="4674177" y="3536049"/>
+            <a:ext cx="821296" cy="2659795"/>
+          </a:xfrm>
+          <a:prstGeom prst="rect">
+            <a:avLst/>
+          </a:prstGeom>
+        </p:spPr>
+      </p:pic>
+      <p:pic>
+        <p:nvPicPr>
+          <p:cNvPr id="31" name="Imagen 30">
+            <a:extLst>
+              <a:ext uri="{FF2B5EF4-FFF2-40B4-BE49-F238E27FC236}">
+                <a16:creationId xmlns:a16="http://schemas.microsoft.com/office/drawing/2014/main" id="{628745F5-9C10-DC86-5C1A-0A806B123571}"/>
+              </a:ext>
+            </a:extLst>
+          </p:cNvPr>
+          <p:cNvPicPr>
+            <a:picLocks noChangeAspect="1"/>
+          </p:cNvPicPr>
+          <p:nvPr/>
+        </p:nvPicPr>
+        <p:blipFill>
+          <a:blip r:embed="rId13"/>
+          <a:stretch>
+            <a:fillRect/>
+          </a:stretch>
+        </p:blipFill>
+        <p:spPr>
+          <a:xfrm>
+            <a:off x="166255" y="3530115"/>
+            <a:ext cx="1295400" cy="1028700"/>
+          </a:xfrm>
+          <a:prstGeom prst="rect">
+            <a:avLst/>
+          </a:prstGeom>
+        </p:spPr>
+      </p:pic>
+      <p:pic>
+        <p:nvPicPr>
+          <p:cNvPr id="34" name="Imagen 33">
+            <a:extLst>
+              <a:ext uri="{FF2B5EF4-FFF2-40B4-BE49-F238E27FC236}">
+                <a16:creationId xmlns:a16="http://schemas.microsoft.com/office/drawing/2014/main" id="{DB013086-AAE9-8703-1A91-B9711A10544E}"/>
+              </a:ext>
+            </a:extLst>
+          </p:cNvPr>
+          <p:cNvPicPr>
+            <a:picLocks noChangeAspect="1"/>
+          </p:cNvPicPr>
+          <p:nvPr/>
+        </p:nvPicPr>
+        <p:blipFill>
+          <a:blip r:embed="rId14"/>
+          <a:stretch>
+            <a:fillRect/>
+          </a:stretch>
+        </p:blipFill>
+        <p:spPr>
+          <a:xfrm>
+            <a:off x="313792" y="4699502"/>
+            <a:ext cx="2752683" cy="444954"/>
+          </a:xfrm>
+          <a:prstGeom prst="rect">
+            <a:avLst/>
+          </a:prstGeom>
+        </p:spPr>
+      </p:pic>
+      <p:pic>
+        <p:nvPicPr>
+          <p:cNvPr id="36" name="Imagen 35">
+            <a:extLst>
+              <a:ext uri="{FF2B5EF4-FFF2-40B4-BE49-F238E27FC236}">
+                <a16:creationId xmlns:a16="http://schemas.microsoft.com/office/drawing/2014/main" id="{281AA9C8-8CFE-8A15-5741-38D9AE9D4390}"/>
+              </a:ext>
+            </a:extLst>
+          </p:cNvPr>
+          <p:cNvPicPr>
+            <a:picLocks noChangeAspect="1"/>
+          </p:cNvPicPr>
+          <p:nvPr/>
+        </p:nvPicPr>
+        <p:blipFill>
+          <a:blip r:embed="rId15"/>
+          <a:stretch>
+            <a:fillRect/>
+          </a:stretch>
+        </p:blipFill>
+        <p:spPr>
+          <a:xfrm>
+            <a:off x="5537003" y="5194062"/>
+            <a:ext cx="2037394" cy="369332"/>
+          </a:xfrm>
+          <a:prstGeom prst="rect">
+            <a:avLst/>
+          </a:prstGeom>
+        </p:spPr>
+      </p:pic>
+      <p:pic>
+        <p:nvPicPr>
+          <p:cNvPr id="38" name="Imagen 37">
+            <a:extLst>
+              <a:ext uri="{FF2B5EF4-FFF2-40B4-BE49-F238E27FC236}">
+                <a16:creationId xmlns:a16="http://schemas.microsoft.com/office/drawing/2014/main" id="{C6A135F9-2D25-28F0-3930-08FAE54DACAF}"/>
+              </a:ext>
+            </a:extLst>
+          </p:cNvPr>
+          <p:cNvPicPr>
+            <a:picLocks noChangeAspect="1"/>
+          </p:cNvPicPr>
+          <p:nvPr/>
+        </p:nvPicPr>
+        <p:blipFill>
+          <a:blip r:embed="rId16"/>
+          <a:stretch>
+            <a:fillRect/>
+          </a:stretch>
+        </p:blipFill>
+        <p:spPr>
+          <a:xfrm>
+            <a:off x="5540748" y="4513052"/>
+            <a:ext cx="2033649" cy="372900"/>
+          </a:xfrm>
+          <a:prstGeom prst="rect">
+            <a:avLst/>
+          </a:prstGeom>
+        </p:spPr>
+      </p:pic>
+      <p:pic>
+        <p:nvPicPr>
+          <p:cNvPr id="40" name="Imagen 39">
+            <a:extLst>
+              <a:ext uri="{FF2B5EF4-FFF2-40B4-BE49-F238E27FC236}">
+                <a16:creationId xmlns:a16="http://schemas.microsoft.com/office/drawing/2014/main" id="{A80D3CCD-9F40-27EA-253F-31726A6396E0}"/>
+              </a:ext>
+            </a:extLst>
+          </p:cNvPr>
+          <p:cNvPicPr>
+            <a:picLocks noChangeAspect="1"/>
+          </p:cNvPicPr>
+          <p:nvPr/>
+        </p:nvPicPr>
+        <p:blipFill>
+          <a:blip r:embed="rId17"/>
+          <a:stretch>
+            <a:fillRect/>
+          </a:stretch>
+        </p:blipFill>
+        <p:spPr>
+          <a:xfrm>
+            <a:off x="5540748" y="3783951"/>
+            <a:ext cx="2033649" cy="374149"/>
+          </a:xfrm>
+          <a:prstGeom prst="rect">
+            <a:avLst/>
+          </a:prstGeom>
+        </p:spPr>
+      </p:pic>
+    </p:spTree>
+    <p:extLst>
+      <p:ext uri="{BB962C8B-B14F-4D97-AF65-F5344CB8AC3E}">
+        <p14:creationId xmlns:p14="http://schemas.microsoft.com/office/powerpoint/2010/main" val="12223071"/>
+      </p:ext>
+    </p:extLst>
+  </p:cSld>
+  <p:clrMapOvr>
+    <a:overrideClrMapping bg1="lt1" tx1="dk1" bg2="lt2" tx2="dk2" accent1="accent1" accent2="accent2" accent3="accent3" accent4="accent4" accent5="accent5" accent6="accent6" hlink="hlink" folHlink="folHlink"/>
+  </p:clrMapOvr>
+</p:sld>
+</file>
+
+<file path=ppt/slides/slide5.xml><?xml version="1.0" encoding="utf-8"?>
+<p:sld xmlns:a="http://schemas.openxmlformats.org/drawingml/2006/main" xmlns:r="http://schemas.openxmlformats.org/officeDocument/2006/relationships" xmlns:p="http://schemas.openxmlformats.org/presentationml/2006/main">
+  <p:cSld>
+    <p:bg>
+      <p:bgPr>
+        <a:solidFill>
+          <a:schemeClr val="bg2"/>
+        </a:solidFill>
+        <a:effectLst/>
+      </p:bgPr>
+    </p:bg>
+    <p:spTree>
+      <p:nvGrpSpPr>
+        <p:cNvPr id="1" name=""/>
+        <p:cNvGrpSpPr/>
+        <p:nvPr/>
+      </p:nvGrpSpPr>
+      <p:grpSpPr>
+        <a:xfrm>
+          <a:off x="0" y="0"/>
+          <a:ext cx="0" cy="0"/>
+          <a:chOff x="0" y="0"/>
+          <a:chExt cx="0" cy="0"/>
+        </a:xfrm>
+      </p:grpSpPr>
+      <p:graphicFrame>
+        <p:nvGraphicFramePr>
+          <p:cNvPr id="15" name="Tabla 6">
+            <a:extLst>
+              <a:ext uri="{FF2B5EF4-FFF2-40B4-BE49-F238E27FC236}">
+                <a16:creationId xmlns:a16="http://schemas.microsoft.com/office/drawing/2014/main" id="{D3B1A763-5893-E62D-3434-AECDFC46D757}"/>
+              </a:ext>
+            </a:extLst>
+          </p:cNvPr>
+          <p:cNvGraphicFramePr>
+            <a:graphicFrameLocks noGrp="1" noDrilldown="1" noMove="1" noResize="1"/>
+          </p:cNvGraphicFramePr>
+          <p:nvPr>
+            <p:extLst>
+              <p:ext uri="{D42A27DB-BD31-4B8C-83A1-F6EECF244321}">
+                <p14:modId xmlns:p14="http://schemas.microsoft.com/office/powerpoint/2010/main" val="3599072087"/>
+              </p:ext>
+            </p:extLst>
+          </p:nvPr>
+        </p:nvGraphicFramePr>
+        <p:xfrm>
+          <a:off x="0" y="6427561"/>
+          <a:ext cx="12192000" cy="432707"/>
+        </p:xfrm>
+        <a:graphic>
+          <a:graphicData uri="http://schemas.openxmlformats.org/drawingml/2006/table">
+            <a:tbl>
+              <a:tblPr>
+                <a:tableStyleId>{5C22544A-7EE6-4342-B048-85BDC9FD1C3A}</a:tableStyleId>
+              </a:tblPr>
+              <a:tblGrid>
+                <a:gridCol w="8128000">
+                  <a:extLst>
+                    <a:ext uri="{9D8B030D-6E8A-4147-A177-3AD203B41FA5}">
+                      <a16:colId xmlns:a16="http://schemas.microsoft.com/office/drawing/2014/main" val="3965995166"/>
+                    </a:ext>
+                  </a:extLst>
+                </a:gridCol>
+                <a:gridCol w="4064000">
+                  <a:extLst>
+                    <a:ext uri="{9D8B030D-6E8A-4147-A177-3AD203B41FA5}">
+                      <a16:colId xmlns:a16="http://schemas.microsoft.com/office/drawing/2014/main" val="1823215698"/>
+                    </a:ext>
+                  </a:extLst>
+                </a:gridCol>
+              </a:tblGrid>
+              <a:tr h="432707">
+                <a:tc>
+                  <a:txBody>
+                    <a:bodyPr/>
+                    <a:lstStyle/>
+                    <a:p>
+                      <a:pPr algn="ctr"/>
+                      <a:r>
+                        <a:rPr lang="es-ES" sz="1800" b="1" dirty="0">
+                          <a:solidFill>
+                            <a:schemeClr val="bg1"/>
+                          </a:solidFill>
+                        </a:rPr>
+                        <a:t>Sistema de Segmentación y Reconocimiento de Caracteres de Placas de Matrículas</a:t>
+                      </a:r>
+                    </a:p>
+                  </a:txBody>
+                  <a:tcPr>
+                    <a:lnL w="12700" cmpd="sng">
+                      <a:noFill/>
+                    </a:lnL>
+                    <a:lnR w="12700" cmpd="sng">
+                      <a:noFill/>
+                    </a:lnR>
+                    <a:lnT w="12700" cmpd="sng">
+                      <a:noFill/>
+                    </a:lnT>
+                    <a:lnB w="12700" cmpd="sng">
+                      <a:noFill/>
+                    </a:lnB>
+                    <a:lnTlToBr w="12700" cmpd="sng">
+                      <a:noFill/>
+                      <a:prstDash val="solid"/>
+                    </a:lnTlToBr>
+                    <a:lnBlToTr w="12700" cmpd="sng">
+                      <a:noFill/>
+                      <a:prstDash val="solid"/>
+                    </a:lnBlToTr>
+                    <a:solidFill>
+                      <a:srgbClr val="911131"/>
+                    </a:solidFill>
+                  </a:tcPr>
+                </a:tc>
+                <a:tc>
+                  <a:txBody>
+                    <a:bodyPr/>
+                    <a:lstStyle/>
+                    <a:p>
+                      <a:endParaRPr lang="es-ES" b="1" dirty="0">
+                        <a:solidFill>
+                          <a:schemeClr val="bg1"/>
+                        </a:solidFill>
+                      </a:endParaRPr>
+                    </a:p>
+                  </a:txBody>
+                  <a:tcPr>
+                    <a:lnL w="12700" cmpd="sng">
+                      <a:noFill/>
+                    </a:lnL>
+                    <a:lnR w="12700" cmpd="sng">
+                      <a:noFill/>
+                    </a:lnR>
+                    <a:lnT w="12700" cmpd="sng">
+                      <a:noFill/>
+                    </a:lnT>
+                    <a:lnB w="12700" cmpd="sng">
+                      <a:noFill/>
+                    </a:lnB>
+                    <a:lnTlToBr w="12700" cmpd="sng">
+                      <a:noFill/>
+                      <a:prstDash val="solid"/>
+                    </a:lnTlToBr>
+                    <a:lnBlToTr w="12700" cmpd="sng">
+                      <a:noFill/>
+                      <a:prstDash val="solid"/>
+                    </a:lnBlToTr>
+                    <a:solidFill>
+                      <a:srgbClr val="911131"/>
+                    </a:solidFill>
+                  </a:tcPr>
+                </a:tc>
+                <a:extLst>
+                  <a:ext uri="{0D108BD9-81ED-4DB2-BD59-A6C34878D82A}">
+                    <a16:rowId xmlns:a16="http://schemas.microsoft.com/office/drawing/2014/main" val="4033175773"/>
+                  </a:ext>
+                </a:extLst>
+              </a:tr>
+            </a:tbl>
+          </a:graphicData>
+        </a:graphic>
+      </p:graphicFrame>
+      <p:sp>
+        <p:nvSpPr>
+          <p:cNvPr id="17" name="Título 16">
+            <a:extLst>
+              <a:ext uri="{FF2B5EF4-FFF2-40B4-BE49-F238E27FC236}">
+                <a16:creationId xmlns:a16="http://schemas.microsoft.com/office/drawing/2014/main" id="{DFBBD3F2-11D9-F91E-E22B-3F7A212F65B4}"/>
+              </a:ext>
+            </a:extLst>
+          </p:cNvPr>
+          <p:cNvSpPr>
+            <a:spLocks noGrp="1"/>
+          </p:cNvSpPr>
+          <p:nvPr>
+            <p:ph type="title"/>
+          </p:nvPr>
+        </p:nvSpPr>
+        <p:spPr>
+          <a:xfrm>
+            <a:off x="166255" y="756186"/>
+            <a:ext cx="11859490" cy="583087"/>
+          </a:xfrm>
+        </p:spPr>
+        <p:txBody>
+          <a:bodyPr>
+            <a:normAutofit fontScale="90000"/>
+          </a:bodyPr>
+          <a:lstStyle/>
+          <a:p>
+            <a:r>
+              <a:rPr lang="es-ES" dirty="0"/>
+              <a:t>Partes que componen el trabajo:</a:t>
+            </a:r>
+          </a:p>
+        </p:txBody>
+      </p:sp>
+      <p:sp>
+        <p:nvSpPr>
+          <p:cNvPr id="5" name="Marcador de número de diapositiva 4">
+            <a:extLst>
+              <a:ext uri="{FF2B5EF4-FFF2-40B4-BE49-F238E27FC236}">
+                <a16:creationId xmlns:a16="http://schemas.microsoft.com/office/drawing/2014/main" id="{FD9258AB-EA15-4C72-1240-5896F9C78D30}"/>
+              </a:ext>
+            </a:extLst>
+          </p:cNvPr>
+          <p:cNvSpPr>
+            <a:spLocks noGrp="1"/>
+          </p:cNvSpPr>
+          <p:nvPr>
+            <p:ph type="sldNum" sz="quarter" idx="12"/>
+          </p:nvPr>
+        </p:nvSpPr>
+        <p:spPr/>
+        <p:txBody>
+          <a:bodyPr/>
+          <a:lstStyle/>
+          <a:p>
+            <a:fld id="{9D2534AA-3AC9-4CE3-8288-EDBF65FBAAA1}" type="slidenum">
+              <a:rPr lang="es-ES" b="1" smtClean="0">
+                <a:solidFill>
+                  <a:schemeClr val="bg1"/>
+                </a:solidFill>
+              </a:rPr>
+              <a:t>5</a:t>
+            </a:fld>
+            <a:endParaRPr lang="es-ES" b="1" dirty="0">
+              <a:solidFill>
+                <a:schemeClr val="bg1"/>
+              </a:solidFill>
+            </a:endParaRPr>
+          </a:p>
+        </p:txBody>
+      </p:sp>
+      <p:grpSp>
+        <p:nvGrpSpPr>
+          <p:cNvPr id="9" name="Grupo 8">
+            <a:extLst>
+              <a:ext uri="{FF2B5EF4-FFF2-40B4-BE49-F238E27FC236}">
+                <a16:creationId xmlns:a16="http://schemas.microsoft.com/office/drawing/2014/main" id="{FEBFD953-88E7-887A-D04C-A685C6D91952}"/>
+              </a:ext>
+            </a:extLst>
+          </p:cNvPr>
+          <p:cNvGrpSpPr>
+            <a:grpSpLocks noGrp="1" noUngrp="1" noRot="1" noMove="1" noResize="1"/>
+          </p:cNvGrpSpPr>
+          <p:nvPr/>
+        </p:nvGrpSpPr>
+        <p:grpSpPr>
+          <a:xfrm>
+            <a:off x="0" y="0"/>
+            <a:ext cx="12192000" cy="432707"/>
+            <a:chOff x="0" y="0"/>
+            <a:chExt cx="12192000" cy="432707"/>
+          </a:xfrm>
+        </p:grpSpPr>
+        <p:graphicFrame>
+          <p:nvGraphicFramePr>
+            <p:cNvPr id="6" name="Tabla 6">
+              <a:extLst>
+                <a:ext uri="{FF2B5EF4-FFF2-40B4-BE49-F238E27FC236}">
+                  <a16:creationId xmlns:a16="http://schemas.microsoft.com/office/drawing/2014/main" id="{D90CAAAD-8F6B-6375-3669-83327AE6A30B}"/>
+                </a:ext>
+              </a:extLst>
+            </p:cNvPr>
+            <p:cNvGraphicFramePr>
+              <a:graphicFrameLocks noGrp="1" noDrilldown="1" noMove="1" noResize="1"/>
+            </p:cNvGraphicFramePr>
+            <p:nvPr>
+              <p:extLst>
+                <p:ext uri="{D42A27DB-BD31-4B8C-83A1-F6EECF244321}">
+                  <p14:modId xmlns:p14="http://schemas.microsoft.com/office/powerpoint/2010/main" val="4195564680"/>
+                </p:ext>
+              </p:extLst>
+            </p:nvPr>
+          </p:nvGraphicFramePr>
+          <p:xfrm>
+            <a:off x="0" y="0"/>
+            <a:ext cx="12192000" cy="432707"/>
+          </p:xfrm>
+          <a:graphic>
+            <a:graphicData uri="http://schemas.openxmlformats.org/drawingml/2006/table">
+              <a:tbl>
+                <a:tblPr>
+                  <a:tableStyleId>{5C22544A-7EE6-4342-B048-85BDC9FD1C3A}</a:tableStyleId>
+                </a:tblPr>
+                <a:tblGrid>
+                  <a:gridCol w="4064000">
+                    <a:extLst>
+                      <a:ext uri="{9D8B030D-6E8A-4147-A177-3AD203B41FA5}">
+                        <a16:colId xmlns:a16="http://schemas.microsoft.com/office/drawing/2014/main" val="3965995166"/>
+                      </a:ext>
+                    </a:extLst>
+                  </a:gridCol>
+                  <a:gridCol w="4064000">
+                    <a:extLst>
+                      <a:ext uri="{9D8B030D-6E8A-4147-A177-3AD203B41FA5}">
+                        <a16:colId xmlns:a16="http://schemas.microsoft.com/office/drawing/2014/main" val="2688743598"/>
+                      </a:ext>
+                    </a:extLst>
+                  </a:gridCol>
+                  <a:gridCol w="4064000">
+                    <a:extLst>
+                      <a:ext uri="{9D8B030D-6E8A-4147-A177-3AD203B41FA5}">
+                        <a16:colId xmlns:a16="http://schemas.microsoft.com/office/drawing/2014/main" val="1823215698"/>
+                      </a:ext>
+                    </a:extLst>
+                  </a:gridCol>
+                </a:tblGrid>
+                <a:tr h="432707">
+                  <a:tc>
+                    <a:txBody>
+                      <a:bodyPr/>
+                      <a:lstStyle/>
+                      <a:p>
+                        <a:pPr algn="ctr"/>
+                        <a:r>
+                          <a:rPr lang="es-ES" b="1" dirty="0">
+                            <a:solidFill>
+                              <a:schemeClr val="bg1"/>
+                            </a:solidFill>
+                          </a:rPr>
+                          <a:t>Alberto F. Merchán</a:t>
+                        </a:r>
+                      </a:p>
+                    </a:txBody>
+                    <a:tcPr>
+                      <a:lnL w="12700" cmpd="sng">
+                        <a:noFill/>
+                      </a:lnL>
+                      <a:lnR w="12700" cmpd="sng">
+                        <a:noFill/>
+                      </a:lnR>
+                      <a:lnT w="12700" cmpd="sng">
+                        <a:noFill/>
+                      </a:lnT>
+                      <a:lnB w="12700" cmpd="sng">
+                        <a:noFill/>
+                      </a:lnB>
+                      <a:lnTlToBr w="12700" cmpd="sng">
+                        <a:noFill/>
+                        <a:prstDash val="solid"/>
+                      </a:lnTlToBr>
+                      <a:lnBlToTr w="12700" cmpd="sng">
+                        <a:noFill/>
+                        <a:prstDash val="solid"/>
+                      </a:lnBlToTr>
+                      <a:solidFill>
+                        <a:srgbClr val="911131"/>
+                      </a:solidFill>
+                    </a:tcPr>
+                  </a:tc>
+                  <a:tc>
+                    <a:txBody>
+                      <a:bodyPr/>
+                      <a:lstStyle/>
+                      <a:p>
+                        <a:pPr algn="ctr"/>
+                        <a:r>
+                          <a:rPr lang="es-ES" b="1" dirty="0">
+                            <a:solidFill>
+                              <a:schemeClr val="bg1"/>
+                            </a:solidFill>
+                          </a:rPr>
+                          <a:t>Visión por Computador</a:t>
+                        </a:r>
+                      </a:p>
+                    </a:txBody>
+                    <a:tcPr>
+                      <a:lnL w="12700" cmpd="sng">
+                        <a:noFill/>
+                      </a:lnL>
+                      <a:lnR w="12700" cmpd="sng">
+                        <a:noFill/>
+                      </a:lnR>
+                      <a:lnT w="12700" cmpd="sng">
+                        <a:noFill/>
+                      </a:lnT>
+                      <a:lnB w="12700" cmpd="sng">
+                        <a:noFill/>
+                      </a:lnB>
+                      <a:lnTlToBr w="12700" cmpd="sng">
+                        <a:noFill/>
+                        <a:prstDash val="solid"/>
+                      </a:lnTlToBr>
+                      <a:lnBlToTr w="12700" cmpd="sng">
+                        <a:noFill/>
+                        <a:prstDash val="solid"/>
+                      </a:lnBlToTr>
+                      <a:solidFill>
+                        <a:srgbClr val="911131"/>
+                      </a:solidFill>
+                    </a:tcPr>
+                  </a:tc>
+                  <a:tc>
+                    <a:txBody>
+                      <a:bodyPr/>
+                      <a:lstStyle/>
+                      <a:p>
+                        <a:r>
+                          <a:rPr lang="es-ES" b="1" dirty="0">
+                            <a:solidFill>
+                              <a:schemeClr val="bg1"/>
+                            </a:solidFill>
+                          </a:rPr>
+                          <a:t>Universidad de Huelva (UHU)</a:t>
+                        </a:r>
+                      </a:p>
+                    </a:txBody>
+                    <a:tcPr>
+                      <a:lnL w="12700" cmpd="sng">
+                        <a:noFill/>
+                      </a:lnL>
+                      <a:lnR w="12700" cmpd="sng">
+                        <a:noFill/>
+                      </a:lnR>
+                      <a:lnT w="12700" cmpd="sng">
+                        <a:noFill/>
+                      </a:lnT>
+                      <a:lnB w="12700" cmpd="sng">
+                        <a:noFill/>
+                      </a:lnB>
+                      <a:lnTlToBr w="12700" cmpd="sng">
+                        <a:noFill/>
+                        <a:prstDash val="solid"/>
+                      </a:lnTlToBr>
+                      <a:lnBlToTr w="12700" cmpd="sng">
+                        <a:noFill/>
+                        <a:prstDash val="solid"/>
+                      </a:lnBlToTr>
+                      <a:solidFill>
+                        <a:srgbClr val="911131"/>
+                      </a:solidFill>
+                    </a:tcPr>
+                  </a:tc>
+                  <a:extLst>
+                    <a:ext uri="{0D108BD9-81ED-4DB2-BD59-A6C34878D82A}">
+                      <a16:rowId xmlns:a16="http://schemas.microsoft.com/office/drawing/2014/main" val="4033175773"/>
+                    </a:ext>
+                  </a:extLst>
+                </a:tr>
+              </a:tbl>
+            </a:graphicData>
+          </a:graphic>
+        </p:graphicFrame>
+        <p:pic>
+          <p:nvPicPr>
+            <p:cNvPr id="4" name="Imagen 3" descr="Imagen que contiene Logotipo&#10;&#10;Descripción generada automáticamente">
+              <a:extLst>
+                <a:ext uri="{FF2B5EF4-FFF2-40B4-BE49-F238E27FC236}">
+                  <a16:creationId xmlns:a16="http://schemas.microsoft.com/office/drawing/2014/main" id="{A2A3CA50-6BEE-4CF8-0EC6-56076CF5A0A6}"/>
+                </a:ext>
+              </a:extLst>
+            </p:cNvPr>
+            <p:cNvPicPr>
+              <a:picLocks noGrp="1" noRot="1" noChangeAspect="1" noMove="1" noResize="1" noEditPoints="1" noAdjustHandles="1" noChangeArrowheads="1" noChangeShapeType="1" noCrop="1"/>
+            </p:cNvPicPr>
+            <p:nvPr/>
+          </p:nvPicPr>
+          <p:blipFill>
+            <a:blip r:embed="rId3">
+              <a:biLevel thresh="25000"/>
+              <a:extLst>
+                <a:ext uri="{BEBA8EAE-BF5A-486C-A8C5-ECC9F3942E4B}">
+                  <a14:imgProps xmlns:a14="http://schemas.microsoft.com/office/drawing/2010/main">
+                    <a14:imgLayer r:embed="rId4">
+                      <a14:imgEffect>
+                        <a14:saturation sat="0"/>
+                      </a14:imgEffect>
+                    </a14:imgLayer>
+                  </a14:imgProps>
+                </a:ext>
+                <a:ext uri="{28A0092B-C50C-407E-A947-70E740481C1C}">
+                  <a14:useLocalDpi xmlns:a14="http://schemas.microsoft.com/office/drawing/2010/main" val="0"/>
+                </a:ext>
+              </a:extLst>
+            </a:blip>
+            <a:stretch>
+              <a:fillRect/>
+            </a:stretch>
+          </p:blipFill>
+          <p:spPr>
+            <a:xfrm>
+              <a:off x="11353800" y="32657"/>
+              <a:ext cx="367392" cy="367392"/>
+            </a:xfrm>
+            <a:prstGeom prst="rect">
+              <a:avLst/>
+            </a:prstGeom>
+          </p:spPr>
+        </p:pic>
+      </p:grpSp>
+      <p:sp>
+        <p:nvSpPr>
+          <p:cNvPr id="18" name="Rectángulo: esquinas redondeadas 17">
+            <a:extLst>
+              <a:ext uri="{FF2B5EF4-FFF2-40B4-BE49-F238E27FC236}">
+                <a16:creationId xmlns:a16="http://schemas.microsoft.com/office/drawing/2014/main" id="{DF20AD43-6E70-CF7A-FBC1-AA938D391F31}"/>
+              </a:ext>
+            </a:extLst>
+          </p:cNvPr>
+          <p:cNvSpPr/>
+          <p:nvPr/>
+        </p:nvSpPr>
+        <p:spPr>
+          <a:xfrm>
+            <a:off x="397164" y="1736436"/>
+            <a:ext cx="3121891" cy="4365378"/>
+          </a:xfrm>
+          <a:prstGeom prst="roundRect">
+            <a:avLst/>
+          </a:prstGeom>
+          <a:solidFill>
+            <a:schemeClr val="bg2">
+              <a:lumMod val="75000"/>
+              <a:alpha val="40000"/>
+            </a:schemeClr>
+          </a:solidFill>
+          <a:ln>
+            <a:solidFill>
+              <a:schemeClr val="tx1"/>
+            </a:solidFill>
+          </a:ln>
+        </p:spPr>
+        <p:style>
+          <a:lnRef idx="2">
+            <a:schemeClr val="accent1">
+              <a:shade val="50000"/>
+            </a:schemeClr>
+          </a:lnRef>
+          <a:fillRef idx="1">
+            <a:schemeClr val="accent1"/>
+          </a:fillRef>
+          <a:effectRef idx="0">
+            <a:schemeClr val="accent1"/>
+          </a:effectRef>
+          <a:fontRef idx="minor">
+            <a:schemeClr val="lt1"/>
+          </a:fontRef>
+        </p:style>
+        <p:txBody>
+          <a:bodyPr rtlCol="0" anchor="ctr"/>
+          <a:lstStyle/>
+          <a:p>
+            <a:pPr algn="ctr"/>
+            <a:r>
+              <a:rPr lang="es-ES" sz="2800" b="1" dirty="0">
+                <a:solidFill>
+                  <a:schemeClr val="tx1"/>
+                </a:solidFill>
+              </a:rPr>
+              <a:t>Segmentación de Caracteres:</a:t>
+            </a:r>
+          </a:p>
+          <a:p>
+            <a:pPr algn="ctr"/>
+            <a:endParaRPr lang="es-ES" sz="2800" b="1" dirty="0">
+              <a:solidFill>
+                <a:schemeClr val="tx1"/>
+              </a:solidFill>
+            </a:endParaRPr>
+          </a:p>
+          <a:p>
+            <a:pPr marL="742950" indent="-742950">
+              <a:buFont typeface="+mj-lt"/>
+              <a:buAutoNum type="arabicPeriod"/>
+            </a:pPr>
+            <a:r>
+              <a:rPr lang="es-ES" sz="1600" dirty="0">
+                <a:solidFill>
+                  <a:schemeClr val="tx1">
+                    <a:lumMod val="85000"/>
+                    <a:lumOff val="15000"/>
+                  </a:schemeClr>
+                </a:solidFill>
+              </a:rPr>
+              <a:t>Suavizado</a:t>
+            </a:r>
+          </a:p>
+          <a:p>
+            <a:pPr marL="742950" indent="-742950">
+              <a:buFont typeface="+mj-lt"/>
+              <a:buAutoNum type="arabicPeriod"/>
+            </a:pPr>
+            <a:r>
+              <a:rPr lang="es-ES" sz="1600" dirty="0">
+                <a:solidFill>
+                  <a:schemeClr val="tx1">
+                    <a:lumMod val="85000"/>
+                    <a:lumOff val="15000"/>
+                  </a:schemeClr>
+                </a:solidFill>
+              </a:rPr>
+              <a:t>Eliminación del fondo</a:t>
+            </a:r>
+          </a:p>
+          <a:p>
+            <a:pPr marL="742950" indent="-742950">
+              <a:buFont typeface="+mj-lt"/>
+              <a:buAutoNum type="arabicPeriod"/>
+            </a:pPr>
+            <a:r>
+              <a:rPr lang="es-ES" sz="1600" dirty="0">
+                <a:solidFill>
+                  <a:schemeClr val="tx1">
+                    <a:lumMod val="85000"/>
+                    <a:lumOff val="15000"/>
+                  </a:schemeClr>
+                </a:solidFill>
+              </a:rPr>
+              <a:t>Cierre Morfológico</a:t>
+            </a:r>
+          </a:p>
+          <a:p>
+            <a:pPr marL="742950" indent="-742950">
+              <a:buFont typeface="+mj-lt"/>
+              <a:buAutoNum type="arabicPeriod"/>
+            </a:pPr>
+            <a:r>
+              <a:rPr lang="es-ES" sz="1600" dirty="0">
+                <a:solidFill>
+                  <a:schemeClr val="tx1">
+                    <a:lumMod val="85000"/>
+                    <a:lumOff val="15000"/>
+                  </a:schemeClr>
+                </a:solidFill>
+              </a:rPr>
+              <a:t>Apertura Morfológica</a:t>
+            </a:r>
+          </a:p>
+          <a:p>
+            <a:pPr marL="742950" indent="-742950">
+              <a:buFont typeface="+mj-lt"/>
+              <a:buAutoNum type="arabicPeriod"/>
+            </a:pPr>
+            <a:r>
+              <a:rPr lang="es-ES" sz="1600" dirty="0">
+                <a:solidFill>
+                  <a:schemeClr val="tx1">
+                    <a:lumMod val="85000"/>
+                    <a:lumOff val="15000"/>
+                  </a:schemeClr>
+                </a:solidFill>
+              </a:rPr>
+              <a:t>Zona de Interés</a:t>
+            </a:r>
+          </a:p>
+          <a:p>
+            <a:pPr marL="742950" indent="-742950">
+              <a:buFont typeface="+mj-lt"/>
+              <a:buAutoNum type="arabicPeriod"/>
+            </a:pPr>
+            <a:r>
+              <a:rPr lang="es-ES" sz="1600" dirty="0">
+                <a:solidFill>
+                  <a:schemeClr val="tx1">
+                    <a:lumMod val="85000"/>
+                    <a:lumOff val="15000"/>
+                  </a:schemeClr>
+                </a:solidFill>
+              </a:rPr>
+              <a:t>Etiquetado</a:t>
+            </a:r>
+          </a:p>
+          <a:p>
+            <a:pPr marL="742950" indent="-742950">
+              <a:buFont typeface="+mj-lt"/>
+              <a:buAutoNum type="arabicPeriod"/>
+            </a:pPr>
+            <a:r>
+              <a:rPr lang="es-ES" sz="1600" dirty="0">
+                <a:solidFill>
+                  <a:schemeClr val="tx1">
+                    <a:lumMod val="85000"/>
+                    <a:lumOff val="15000"/>
+                  </a:schemeClr>
+                </a:solidFill>
+              </a:rPr>
+              <a:t>Filtro de ruido</a:t>
+            </a:r>
+          </a:p>
+          <a:p>
+            <a:pPr marL="742950" indent="-742950">
+              <a:buFont typeface="+mj-lt"/>
+              <a:buAutoNum type="arabicPeriod"/>
+            </a:pPr>
+            <a:r>
+              <a:rPr lang="es-ES" sz="1600" i="1" dirty="0" err="1">
+                <a:solidFill>
+                  <a:schemeClr val="tx1">
+                    <a:lumMod val="85000"/>
+                    <a:lumOff val="15000"/>
+                  </a:schemeClr>
+                </a:solidFill>
+              </a:rPr>
+              <a:t>Bounding</a:t>
+            </a:r>
+            <a:r>
+              <a:rPr lang="es-ES" sz="1600" i="1" dirty="0">
+                <a:solidFill>
+                  <a:schemeClr val="tx1">
+                    <a:lumMod val="85000"/>
+                    <a:lumOff val="15000"/>
+                  </a:schemeClr>
+                </a:solidFill>
+              </a:rPr>
+              <a:t> Boxes </a:t>
+            </a:r>
+            <a:r>
+              <a:rPr lang="es-ES" sz="1600" dirty="0">
+                <a:solidFill>
+                  <a:schemeClr val="tx1">
+                    <a:lumMod val="85000"/>
+                    <a:lumOff val="15000"/>
+                  </a:schemeClr>
+                </a:solidFill>
+              </a:rPr>
+              <a:t>y Centroides</a:t>
+            </a:r>
+            <a:endParaRPr lang="es-ES" sz="3600" dirty="0"/>
+          </a:p>
+        </p:txBody>
+      </p:sp>
+      <p:sp>
+        <p:nvSpPr>
+          <p:cNvPr id="19" name="Rectángulo: esquinas redondeadas 18">
+            <a:extLst>
+              <a:ext uri="{FF2B5EF4-FFF2-40B4-BE49-F238E27FC236}">
+                <a16:creationId xmlns:a16="http://schemas.microsoft.com/office/drawing/2014/main" id="{FC81607B-AFE6-BA24-0032-F42C0C26CFB9}"/>
+              </a:ext>
+            </a:extLst>
+          </p:cNvPr>
+          <p:cNvSpPr/>
+          <p:nvPr/>
+        </p:nvSpPr>
+        <p:spPr>
+          <a:xfrm>
+            <a:off x="4650509" y="1736436"/>
+            <a:ext cx="3121891" cy="4365378"/>
+          </a:xfrm>
+          <a:prstGeom prst="roundRect">
+            <a:avLst/>
+          </a:prstGeom>
+          <a:solidFill>
+            <a:schemeClr val="bg2">
+              <a:lumMod val="75000"/>
+              <a:alpha val="40000"/>
+            </a:schemeClr>
+          </a:solidFill>
+          <a:ln>
+            <a:solidFill>
+              <a:schemeClr val="tx1"/>
+            </a:solidFill>
+          </a:ln>
+        </p:spPr>
+        <p:style>
+          <a:lnRef idx="2">
+            <a:schemeClr val="accent1">
+              <a:shade val="50000"/>
+            </a:schemeClr>
+          </a:lnRef>
+          <a:fillRef idx="1">
+            <a:schemeClr val="accent1"/>
+          </a:fillRef>
+          <a:effectRef idx="0">
+            <a:schemeClr val="accent1"/>
+          </a:effectRef>
+          <a:fontRef idx="minor">
+            <a:schemeClr val="lt1"/>
+          </a:fontRef>
+        </p:style>
+        <p:txBody>
+          <a:bodyPr rtlCol="0" anchor="ctr"/>
+          <a:lstStyle/>
+          <a:p>
+            <a:pPr algn="ctr"/>
+            <a:r>
+              <a:rPr lang="es-ES" sz="2800" b="1" dirty="0">
+                <a:solidFill>
+                  <a:schemeClr val="tx1"/>
+                </a:solidFill>
+              </a:rPr>
+              <a:t>Reconocimiento de Caracteres:</a:t>
+            </a:r>
+          </a:p>
+          <a:p>
+            <a:pPr algn="ctr"/>
+            <a:endParaRPr lang="es-ES" sz="2800" b="1" dirty="0">
+              <a:solidFill>
+                <a:schemeClr val="tx1"/>
+              </a:solidFill>
+            </a:endParaRPr>
+          </a:p>
+          <a:p>
+            <a:pPr marL="514350" indent="-514350">
+              <a:buFont typeface="+mj-lt"/>
+              <a:buAutoNum type="arabicPeriod"/>
+            </a:pPr>
+            <a:r>
+              <a:rPr lang="es-ES" sz="1600" dirty="0">
+                <a:solidFill>
+                  <a:schemeClr val="tx1"/>
+                </a:solidFill>
+              </a:rPr>
+              <a:t>Matriz de correlación</a:t>
+            </a:r>
+          </a:p>
+          <a:p>
+            <a:pPr marL="514350" indent="-514350" algn="ctr">
+              <a:buFont typeface="+mj-lt"/>
+              <a:buAutoNum type="arabicPeriod"/>
+            </a:pPr>
+            <a:endParaRPr lang="es-ES" sz="1600" dirty="0">
+              <a:solidFill>
+                <a:schemeClr val="tx1"/>
+              </a:solidFill>
+            </a:endParaRPr>
+          </a:p>
+          <a:p>
+            <a:pPr algn="ctr"/>
+            <a:endParaRPr lang="es-ES" sz="1600" dirty="0">
+              <a:solidFill>
+                <a:schemeClr val="tx1"/>
+              </a:solidFill>
+            </a:endParaRPr>
+          </a:p>
+          <a:p>
+            <a:pPr marL="514350" indent="-514350" algn="ctr">
+              <a:buFont typeface="+mj-lt"/>
+              <a:buAutoNum type="arabicPeriod"/>
+            </a:pPr>
+            <a:endParaRPr lang="es-ES" sz="1600" dirty="0">
+              <a:solidFill>
+                <a:schemeClr val="tx1"/>
+              </a:solidFill>
+            </a:endParaRPr>
+          </a:p>
+          <a:p>
+            <a:pPr marL="514350" indent="-514350" algn="ctr">
+              <a:buFont typeface="+mj-lt"/>
+              <a:buAutoNum type="arabicPeriod"/>
+            </a:pPr>
+            <a:endParaRPr lang="es-ES" sz="1600" dirty="0">
+              <a:solidFill>
+                <a:schemeClr val="tx1"/>
+              </a:solidFill>
+            </a:endParaRPr>
+          </a:p>
+          <a:p>
+            <a:pPr marL="514350" indent="-514350" algn="ctr">
+              <a:buFont typeface="+mj-lt"/>
+              <a:buAutoNum type="arabicPeriod"/>
+            </a:pPr>
+            <a:endParaRPr lang="es-ES" sz="1600" dirty="0">
+              <a:solidFill>
+                <a:schemeClr val="tx1"/>
+              </a:solidFill>
+            </a:endParaRPr>
+          </a:p>
+          <a:p>
+            <a:pPr marL="514350" indent="-514350" algn="ctr">
+              <a:buFont typeface="+mj-lt"/>
+              <a:buAutoNum type="arabicPeriod"/>
+            </a:pPr>
+            <a:endParaRPr lang="es-ES" sz="1600" dirty="0">
+              <a:solidFill>
+                <a:schemeClr val="tx1"/>
+              </a:solidFill>
+            </a:endParaRPr>
+          </a:p>
+          <a:p>
+            <a:pPr marL="514350" indent="-514350" algn="ctr">
+              <a:buFont typeface="+mj-lt"/>
+              <a:buAutoNum type="arabicPeriod"/>
+            </a:pPr>
+            <a:endParaRPr lang="es-ES" sz="1600" dirty="0">
+              <a:solidFill>
+                <a:schemeClr val="tx1"/>
+              </a:solidFill>
+            </a:endParaRPr>
+          </a:p>
+          <a:p>
+            <a:pPr marL="514350" indent="-514350" algn="ctr">
+              <a:buFont typeface="+mj-lt"/>
+              <a:buAutoNum type="arabicPeriod"/>
+            </a:pPr>
+            <a:endParaRPr lang="es-ES" sz="1600" dirty="0">
+              <a:solidFill>
+                <a:schemeClr val="tx1"/>
+              </a:solidFill>
+            </a:endParaRPr>
+          </a:p>
+        </p:txBody>
+      </p:sp>
+      <p:sp>
+        <p:nvSpPr>
+          <p:cNvPr id="20" name="Flecha: a la derecha 19">
+            <a:extLst>
+              <a:ext uri="{FF2B5EF4-FFF2-40B4-BE49-F238E27FC236}">
+                <a16:creationId xmlns:a16="http://schemas.microsoft.com/office/drawing/2014/main" id="{CDA9C575-C229-8139-8E0D-47E43017921B}"/>
+              </a:ext>
+            </a:extLst>
+          </p:cNvPr>
+          <p:cNvSpPr/>
+          <p:nvPr/>
+        </p:nvSpPr>
+        <p:spPr>
+          <a:xfrm>
+            <a:off x="3692237" y="3429000"/>
+            <a:ext cx="785090" cy="583087"/>
+          </a:xfrm>
+          <a:prstGeom prst="rightArrow">
+            <a:avLst/>
+          </a:prstGeom>
+          <a:solidFill>
+            <a:schemeClr val="bg2">
+              <a:lumMod val="50000"/>
+              <a:alpha val="80000"/>
+            </a:schemeClr>
+          </a:solidFill>
+          <a:ln>
+            <a:solidFill>
+              <a:schemeClr val="tx1"/>
+            </a:solidFill>
+          </a:ln>
+        </p:spPr>
+        <p:style>
+          <a:lnRef idx="2">
+            <a:schemeClr val="accent1">
+              <a:shade val="50000"/>
+            </a:schemeClr>
+          </a:lnRef>
+          <a:fillRef idx="1">
+            <a:schemeClr val="accent1"/>
+          </a:fillRef>
+          <a:effectRef idx="0">
+            <a:schemeClr val="accent1"/>
+          </a:effectRef>
+          <a:fontRef idx="minor">
+            <a:schemeClr val="lt1"/>
+          </a:fontRef>
+        </p:style>
+        <p:txBody>
+          <a:bodyPr rtlCol="0" anchor="ctr"/>
+          <a:lstStyle/>
+          <a:p>
+            <a:pPr algn="ctr"/>
+            <a:endParaRPr lang="es-ES" sz="2800" b="1">
+              <a:solidFill>
+                <a:schemeClr val="tx1"/>
+              </a:solidFill>
+            </a:endParaRPr>
+          </a:p>
+        </p:txBody>
+      </p:sp>
+      <p:sp>
+        <p:nvSpPr>
+          <p:cNvPr id="21" name="Rectángulo: esquinas redondeadas 20">
+            <a:extLst>
+              <a:ext uri="{FF2B5EF4-FFF2-40B4-BE49-F238E27FC236}">
+                <a16:creationId xmlns:a16="http://schemas.microsoft.com/office/drawing/2014/main" id="{8F3E08D7-7590-025B-CF18-DDE8FFEC824C}"/>
+              </a:ext>
+            </a:extLst>
+          </p:cNvPr>
+          <p:cNvSpPr/>
+          <p:nvPr/>
+        </p:nvSpPr>
+        <p:spPr>
+          <a:xfrm>
+            <a:off x="8903854" y="1700728"/>
+            <a:ext cx="3121891" cy="4365378"/>
+          </a:xfrm>
+          <a:prstGeom prst="roundRect">
+            <a:avLst/>
+          </a:prstGeom>
+          <a:solidFill>
+            <a:schemeClr val="bg2">
+              <a:lumMod val="75000"/>
+              <a:alpha val="40000"/>
+            </a:schemeClr>
+          </a:solidFill>
+          <a:ln>
+            <a:solidFill>
+              <a:schemeClr val="tx1"/>
+            </a:solidFill>
+          </a:ln>
+        </p:spPr>
+        <p:style>
+          <a:lnRef idx="2">
+            <a:schemeClr val="accent1">
+              <a:shade val="50000"/>
+            </a:schemeClr>
+          </a:lnRef>
+          <a:fillRef idx="1">
+            <a:schemeClr val="accent1"/>
+          </a:fillRef>
+          <a:effectRef idx="0">
+            <a:schemeClr val="accent1"/>
+          </a:effectRef>
+          <a:fontRef idx="minor">
+            <a:schemeClr val="lt1"/>
+          </a:fontRef>
+        </p:style>
+        <p:txBody>
+          <a:bodyPr rtlCol="0" anchor="ctr"/>
+          <a:lstStyle/>
+          <a:p>
+            <a:pPr algn="ctr"/>
+            <a:endParaRPr lang="es-ES" sz="2800" b="1" dirty="0">
+              <a:solidFill>
+                <a:schemeClr val="tx1"/>
+              </a:solidFill>
+            </a:endParaRPr>
+          </a:p>
+          <a:p>
+            <a:pPr algn="ctr"/>
+            <a:endParaRPr lang="es-ES" sz="2800" b="1" dirty="0">
+              <a:solidFill>
+                <a:schemeClr val="tx1"/>
+              </a:solidFill>
+            </a:endParaRPr>
+          </a:p>
+          <a:p>
+            <a:pPr algn="ctr"/>
+            <a:endParaRPr lang="es-ES" sz="2800" b="1" dirty="0">
+              <a:solidFill>
+                <a:schemeClr val="tx1"/>
+              </a:solidFill>
+            </a:endParaRPr>
+          </a:p>
+          <a:p>
+            <a:pPr algn="ctr"/>
+            <a:endParaRPr lang="es-ES" sz="2800" b="1" dirty="0">
+              <a:solidFill>
+                <a:schemeClr val="tx1"/>
+              </a:solidFill>
+            </a:endParaRPr>
+          </a:p>
+          <a:p>
+            <a:pPr algn="ctr"/>
+            <a:endParaRPr lang="es-ES" sz="2800" b="1" dirty="0">
+              <a:solidFill>
+                <a:schemeClr val="tx1"/>
+              </a:solidFill>
+            </a:endParaRPr>
+          </a:p>
+          <a:p>
+            <a:pPr algn="ctr"/>
+            <a:r>
+              <a:rPr lang="es-ES" sz="2800" b="1" dirty="0">
+                <a:solidFill>
+                  <a:schemeClr val="tx1"/>
+                </a:solidFill>
+              </a:rPr>
+              <a:t>Análisis de Resultados:</a:t>
+            </a:r>
+          </a:p>
+          <a:p>
+            <a:endParaRPr lang="es-ES" sz="2800" b="1" dirty="0">
+              <a:solidFill>
+                <a:schemeClr val="tx1"/>
+              </a:solidFill>
+            </a:endParaRPr>
+          </a:p>
+          <a:p>
+            <a:pPr marL="342900" indent="-342900">
+              <a:buAutoNum type="arabicPeriod"/>
+            </a:pPr>
+            <a:r>
+              <a:rPr lang="es-ES" sz="1600" dirty="0">
+                <a:solidFill>
+                  <a:schemeClr val="tx1"/>
+                </a:solidFill>
+              </a:rPr>
+              <a:t>Tasa de Acierto</a:t>
+            </a:r>
+          </a:p>
+          <a:p>
+            <a:pPr marL="342900" indent="-342900">
+              <a:buAutoNum type="arabicPeriod"/>
+            </a:pPr>
+            <a:r>
+              <a:rPr lang="es-ES" sz="1600" dirty="0">
+                <a:solidFill>
+                  <a:schemeClr val="tx1"/>
+                </a:solidFill>
+              </a:rPr>
+              <a:t>Plantillas con diferentes orientaciones</a:t>
+            </a:r>
+          </a:p>
+          <a:p>
+            <a:pPr marL="342900" indent="-342900">
+              <a:buAutoNum type="arabicPeriod"/>
+            </a:pPr>
+            <a:r>
+              <a:rPr lang="es-ES" sz="1600" dirty="0">
+                <a:solidFill>
+                  <a:schemeClr val="tx1"/>
+                </a:solidFill>
+              </a:rPr>
+              <a:t>Identificación de caracteres problemáticos</a:t>
+            </a:r>
+          </a:p>
+          <a:p>
+            <a:pPr algn="ctr"/>
+            <a:endParaRPr lang="es-ES" sz="2800" dirty="0"/>
+          </a:p>
+          <a:p>
+            <a:pPr algn="ctr"/>
+            <a:endParaRPr lang="es-ES" sz="3600" dirty="0"/>
+          </a:p>
+          <a:p>
+            <a:pPr algn="ctr"/>
+            <a:endParaRPr lang="es-ES" sz="3600" dirty="0"/>
+          </a:p>
+          <a:p>
+            <a:pPr algn="ctr"/>
+            <a:endParaRPr lang="es-ES" sz="3600" dirty="0"/>
+          </a:p>
+          <a:p>
+            <a:pPr algn="ctr"/>
+            <a:endParaRPr lang="es-ES" sz="3600" dirty="0"/>
+          </a:p>
+          <a:p>
+            <a:pPr algn="ctr"/>
+            <a:endParaRPr lang="es-ES" sz="3600" dirty="0"/>
+          </a:p>
+        </p:txBody>
+      </p:sp>
+      <p:sp>
+        <p:nvSpPr>
+          <p:cNvPr id="22" name="Flecha: a la derecha 21">
+            <a:extLst>
+              <a:ext uri="{FF2B5EF4-FFF2-40B4-BE49-F238E27FC236}">
+                <a16:creationId xmlns:a16="http://schemas.microsoft.com/office/drawing/2014/main" id="{284130EC-54C4-7900-6713-89D766F24601}"/>
+              </a:ext>
+            </a:extLst>
+          </p:cNvPr>
+          <p:cNvSpPr/>
+          <p:nvPr/>
+        </p:nvSpPr>
+        <p:spPr>
+          <a:xfrm>
+            <a:off x="7947890" y="3520663"/>
+            <a:ext cx="780473" cy="583087"/>
+          </a:xfrm>
+          <a:prstGeom prst="rightArrow">
+            <a:avLst/>
+          </a:prstGeom>
+          <a:solidFill>
+            <a:schemeClr val="bg2">
+              <a:lumMod val="50000"/>
+              <a:alpha val="80000"/>
+            </a:schemeClr>
+          </a:solidFill>
+          <a:ln>
+            <a:solidFill>
+              <a:schemeClr val="tx1"/>
+            </a:solidFill>
+          </a:ln>
+        </p:spPr>
+        <p:style>
+          <a:lnRef idx="2">
+            <a:schemeClr val="accent1">
+              <a:shade val="50000"/>
+            </a:schemeClr>
+          </a:lnRef>
+          <a:fillRef idx="1">
+            <a:schemeClr val="accent1"/>
+          </a:fillRef>
+          <a:effectRef idx="0">
+            <a:schemeClr val="accent1"/>
+          </a:effectRef>
+          <a:fontRef idx="minor">
+            <a:schemeClr val="lt1"/>
+          </a:fontRef>
+        </p:style>
+        <p:txBody>
+          <a:bodyPr rtlCol="0" anchor="ctr"/>
+          <a:lstStyle/>
+          <a:p>
+            <a:pPr algn="ctr"/>
+            <a:endParaRPr lang="es-ES" sz="2800" b="1">
+              <a:solidFill>
+                <a:schemeClr val="tx1"/>
+              </a:solidFill>
+            </a:endParaRPr>
           </a:p>
         </p:txBody>
       </p:sp>
@@ -3755,7 +8118,992 @@
     </p:extLst>
   </p:cSld>
   <p:clrMapOvr>
+    <a:overrideClrMapping bg1="lt1" tx1="dk1" bg2="lt2" tx2="dk2" accent1="accent1" accent2="accent2" accent3="accent3" accent4="accent4" accent5="accent5" accent6="accent6" hlink="hlink" folHlink="folHlink"/>
+  </p:clrMapOvr>
+</p:sld>
+</file>
+
+<file path=ppt/slides/slide6.xml><?xml version="1.0" encoding="utf-8"?>
+<p:sld xmlns:a="http://schemas.openxmlformats.org/drawingml/2006/main" xmlns:r="http://schemas.openxmlformats.org/officeDocument/2006/relationships" xmlns:p="http://schemas.openxmlformats.org/presentationml/2006/main">
+  <p:cSld>
+    <p:bg>
+      <p:bgPr>
+        <a:solidFill>
+          <a:schemeClr val="bg2"/>
+        </a:solidFill>
+        <a:effectLst/>
+      </p:bgPr>
+    </p:bg>
+    <p:spTree>
+      <p:nvGrpSpPr>
+        <p:cNvPr id="1" name=""/>
+        <p:cNvGrpSpPr/>
+        <p:nvPr/>
+      </p:nvGrpSpPr>
+      <p:grpSpPr>
+        <a:xfrm>
+          <a:off x="0" y="0"/>
+          <a:ext cx="0" cy="0"/>
+          <a:chOff x="0" y="0"/>
+          <a:chExt cx="0" cy="0"/>
+        </a:xfrm>
+      </p:grpSpPr>
+      <p:graphicFrame>
+        <p:nvGraphicFramePr>
+          <p:cNvPr id="15" name="Tabla 6">
+            <a:extLst>
+              <a:ext uri="{FF2B5EF4-FFF2-40B4-BE49-F238E27FC236}">
+                <a16:creationId xmlns:a16="http://schemas.microsoft.com/office/drawing/2014/main" id="{D3B1A763-5893-E62D-3434-AECDFC46D757}"/>
+              </a:ext>
+            </a:extLst>
+          </p:cNvPr>
+          <p:cNvGraphicFramePr>
+            <a:graphicFrameLocks noGrp="1" noDrilldown="1" noMove="1" noResize="1"/>
+          </p:cNvGraphicFramePr>
+          <p:nvPr>
+            <p:extLst>
+              <p:ext uri="{D42A27DB-BD31-4B8C-83A1-F6EECF244321}">
+                <p14:modId xmlns:p14="http://schemas.microsoft.com/office/powerpoint/2010/main" val="2580769092"/>
+              </p:ext>
+            </p:extLst>
+          </p:nvPr>
+        </p:nvGraphicFramePr>
+        <p:xfrm>
+          <a:off x="0" y="6427561"/>
+          <a:ext cx="12192000" cy="432707"/>
+        </p:xfrm>
+        <a:graphic>
+          <a:graphicData uri="http://schemas.openxmlformats.org/drawingml/2006/table">
+            <a:tbl>
+              <a:tblPr>
+                <a:tableStyleId>{5C22544A-7EE6-4342-B048-85BDC9FD1C3A}</a:tableStyleId>
+              </a:tblPr>
+              <a:tblGrid>
+                <a:gridCol w="8128000">
+                  <a:extLst>
+                    <a:ext uri="{9D8B030D-6E8A-4147-A177-3AD203B41FA5}">
+                      <a16:colId xmlns:a16="http://schemas.microsoft.com/office/drawing/2014/main" val="3965995166"/>
+                    </a:ext>
+                  </a:extLst>
+                </a:gridCol>
+                <a:gridCol w="4064000">
+                  <a:extLst>
+                    <a:ext uri="{9D8B030D-6E8A-4147-A177-3AD203B41FA5}">
+                      <a16:colId xmlns:a16="http://schemas.microsoft.com/office/drawing/2014/main" val="1823215698"/>
+                    </a:ext>
+                  </a:extLst>
+                </a:gridCol>
+              </a:tblGrid>
+              <a:tr h="432707">
+                <a:tc>
+                  <a:txBody>
+                    <a:bodyPr/>
+                    <a:lstStyle/>
+                    <a:p>
+                      <a:pPr algn="ctr"/>
+                      <a:r>
+                        <a:rPr lang="es-ES" sz="1800" b="1" dirty="0">
+                          <a:solidFill>
+                            <a:schemeClr val="bg1"/>
+                          </a:solidFill>
+                        </a:rPr>
+                        <a:t>Sistema de Segmentación y Reconocimiento de Caracteres de Placas de Matrículas</a:t>
+                      </a:r>
+                    </a:p>
+                  </a:txBody>
+                  <a:tcPr>
+                    <a:lnL w="12700" cmpd="sng">
+                      <a:noFill/>
+                    </a:lnL>
+                    <a:lnR w="12700" cmpd="sng">
+                      <a:noFill/>
+                    </a:lnR>
+                    <a:lnT w="12700" cmpd="sng">
+                      <a:noFill/>
+                    </a:lnT>
+                    <a:lnB w="12700" cmpd="sng">
+                      <a:noFill/>
+                    </a:lnB>
+                    <a:lnTlToBr w="12700" cmpd="sng">
+                      <a:noFill/>
+                      <a:prstDash val="solid"/>
+                    </a:lnTlToBr>
+                    <a:lnBlToTr w="12700" cmpd="sng">
+                      <a:noFill/>
+                      <a:prstDash val="solid"/>
+                    </a:lnBlToTr>
+                    <a:solidFill>
+                      <a:srgbClr val="911131"/>
+                    </a:solidFill>
+                  </a:tcPr>
+                </a:tc>
+                <a:tc>
+                  <a:txBody>
+                    <a:bodyPr/>
+                    <a:lstStyle/>
+                    <a:p>
+                      <a:endParaRPr lang="es-ES" b="1" dirty="0">
+                        <a:solidFill>
+                          <a:schemeClr val="bg1"/>
+                        </a:solidFill>
+                      </a:endParaRPr>
+                    </a:p>
+                  </a:txBody>
+                  <a:tcPr>
+                    <a:lnL w="12700" cmpd="sng">
+                      <a:noFill/>
+                    </a:lnL>
+                    <a:lnR w="12700" cmpd="sng">
+                      <a:noFill/>
+                    </a:lnR>
+                    <a:lnT w="12700" cmpd="sng">
+                      <a:noFill/>
+                    </a:lnT>
+                    <a:lnB w="12700" cmpd="sng">
+                      <a:noFill/>
+                    </a:lnB>
+                    <a:lnTlToBr w="12700" cmpd="sng">
+                      <a:noFill/>
+                      <a:prstDash val="solid"/>
+                    </a:lnTlToBr>
+                    <a:lnBlToTr w="12700" cmpd="sng">
+                      <a:noFill/>
+                      <a:prstDash val="solid"/>
+                    </a:lnBlToTr>
+                    <a:solidFill>
+                      <a:srgbClr val="911131"/>
+                    </a:solidFill>
+                  </a:tcPr>
+                </a:tc>
+                <a:extLst>
+                  <a:ext uri="{0D108BD9-81ED-4DB2-BD59-A6C34878D82A}">
+                    <a16:rowId xmlns:a16="http://schemas.microsoft.com/office/drawing/2014/main" val="4033175773"/>
+                  </a:ext>
+                </a:extLst>
+              </a:tr>
+            </a:tbl>
+          </a:graphicData>
+        </a:graphic>
+      </p:graphicFrame>
+      <p:sp>
+        <p:nvSpPr>
+          <p:cNvPr id="5" name="Marcador de número de diapositiva 4">
+            <a:extLst>
+              <a:ext uri="{FF2B5EF4-FFF2-40B4-BE49-F238E27FC236}">
+                <a16:creationId xmlns:a16="http://schemas.microsoft.com/office/drawing/2014/main" id="{FD9258AB-EA15-4C72-1240-5896F9C78D30}"/>
+              </a:ext>
+            </a:extLst>
+          </p:cNvPr>
+          <p:cNvSpPr>
+            <a:spLocks noGrp="1"/>
+          </p:cNvSpPr>
+          <p:nvPr>
+            <p:ph type="sldNum" sz="quarter" idx="12"/>
+          </p:nvPr>
+        </p:nvSpPr>
+        <p:spPr>
+          <a:xfrm>
+            <a:off x="9182100" y="6461351"/>
+            <a:ext cx="2743200" cy="365125"/>
+          </a:xfrm>
+        </p:spPr>
+        <p:txBody>
+          <a:bodyPr/>
+          <a:lstStyle/>
+          <a:p>
+            <a:fld id="{9D2534AA-3AC9-4CE3-8288-EDBF65FBAAA1}" type="slidenum">
+              <a:rPr lang="es-ES" b="1" smtClean="0">
+                <a:solidFill>
+                  <a:schemeClr val="bg1"/>
+                </a:solidFill>
+              </a:rPr>
+              <a:t>6</a:t>
+            </a:fld>
+            <a:endParaRPr lang="es-ES" b="1" dirty="0">
+              <a:solidFill>
+                <a:schemeClr val="bg1"/>
+              </a:solidFill>
+            </a:endParaRPr>
+          </a:p>
+        </p:txBody>
+      </p:sp>
+      <p:grpSp>
+        <p:nvGrpSpPr>
+          <p:cNvPr id="9" name="Grupo 8">
+            <a:extLst>
+              <a:ext uri="{FF2B5EF4-FFF2-40B4-BE49-F238E27FC236}">
+                <a16:creationId xmlns:a16="http://schemas.microsoft.com/office/drawing/2014/main" id="{FEBFD953-88E7-887A-D04C-A685C6D91952}"/>
+              </a:ext>
+            </a:extLst>
+          </p:cNvPr>
+          <p:cNvGrpSpPr>
+            <a:grpSpLocks noGrp="1" noUngrp="1" noRot="1" noMove="1" noResize="1"/>
+          </p:cNvGrpSpPr>
+          <p:nvPr/>
+        </p:nvGrpSpPr>
+        <p:grpSpPr>
+          <a:xfrm>
+            <a:off x="0" y="0"/>
+            <a:ext cx="12192000" cy="432707"/>
+            <a:chOff x="0" y="0"/>
+            <a:chExt cx="12192000" cy="432707"/>
+          </a:xfrm>
+        </p:grpSpPr>
+        <p:graphicFrame>
+          <p:nvGraphicFramePr>
+            <p:cNvPr id="6" name="Tabla 6">
+              <a:extLst>
+                <a:ext uri="{FF2B5EF4-FFF2-40B4-BE49-F238E27FC236}">
+                  <a16:creationId xmlns:a16="http://schemas.microsoft.com/office/drawing/2014/main" id="{D90CAAAD-8F6B-6375-3669-83327AE6A30B}"/>
+                </a:ext>
+              </a:extLst>
+            </p:cNvPr>
+            <p:cNvGraphicFramePr>
+              <a:graphicFrameLocks noGrp="1" noDrilldown="1" noMove="1" noResize="1"/>
+            </p:cNvGraphicFramePr>
+            <p:nvPr>
+              <p:extLst>
+                <p:ext uri="{D42A27DB-BD31-4B8C-83A1-F6EECF244321}">
+                  <p14:modId xmlns:p14="http://schemas.microsoft.com/office/powerpoint/2010/main" val="2573419351"/>
+                </p:ext>
+              </p:extLst>
+            </p:nvPr>
+          </p:nvGraphicFramePr>
+          <p:xfrm>
+            <a:off x="0" y="0"/>
+            <a:ext cx="12192000" cy="432707"/>
+          </p:xfrm>
+          <a:graphic>
+            <a:graphicData uri="http://schemas.openxmlformats.org/drawingml/2006/table">
+              <a:tbl>
+                <a:tblPr>
+                  <a:tableStyleId>{5C22544A-7EE6-4342-B048-85BDC9FD1C3A}</a:tableStyleId>
+                </a:tblPr>
+                <a:tblGrid>
+                  <a:gridCol w="4064000">
+                    <a:extLst>
+                      <a:ext uri="{9D8B030D-6E8A-4147-A177-3AD203B41FA5}">
+                        <a16:colId xmlns:a16="http://schemas.microsoft.com/office/drawing/2014/main" val="3965995166"/>
+                      </a:ext>
+                    </a:extLst>
+                  </a:gridCol>
+                  <a:gridCol w="4064000">
+                    <a:extLst>
+                      <a:ext uri="{9D8B030D-6E8A-4147-A177-3AD203B41FA5}">
+                        <a16:colId xmlns:a16="http://schemas.microsoft.com/office/drawing/2014/main" val="2688743598"/>
+                      </a:ext>
+                    </a:extLst>
+                  </a:gridCol>
+                  <a:gridCol w="4064000">
+                    <a:extLst>
+                      <a:ext uri="{9D8B030D-6E8A-4147-A177-3AD203B41FA5}">
+                        <a16:colId xmlns:a16="http://schemas.microsoft.com/office/drawing/2014/main" val="1823215698"/>
+                      </a:ext>
+                    </a:extLst>
+                  </a:gridCol>
+                </a:tblGrid>
+                <a:tr h="432707">
+                  <a:tc>
+                    <a:txBody>
+                      <a:bodyPr/>
+                      <a:lstStyle/>
+                      <a:p>
+                        <a:pPr algn="ctr"/>
+                        <a:r>
+                          <a:rPr lang="es-ES" b="1" dirty="0">
+                            <a:solidFill>
+                              <a:schemeClr val="bg1"/>
+                            </a:solidFill>
+                          </a:rPr>
+                          <a:t>Alberto F. Merchán</a:t>
+                        </a:r>
+                      </a:p>
+                    </a:txBody>
+                    <a:tcPr>
+                      <a:lnL w="12700" cmpd="sng">
+                        <a:noFill/>
+                      </a:lnL>
+                      <a:lnR w="12700" cmpd="sng">
+                        <a:noFill/>
+                      </a:lnR>
+                      <a:lnT w="12700" cmpd="sng">
+                        <a:noFill/>
+                      </a:lnT>
+                      <a:lnB w="12700" cmpd="sng">
+                        <a:noFill/>
+                      </a:lnB>
+                      <a:lnTlToBr w="12700" cmpd="sng">
+                        <a:noFill/>
+                        <a:prstDash val="solid"/>
+                      </a:lnTlToBr>
+                      <a:lnBlToTr w="12700" cmpd="sng">
+                        <a:noFill/>
+                        <a:prstDash val="solid"/>
+                      </a:lnBlToTr>
+                      <a:solidFill>
+                        <a:srgbClr val="911131"/>
+                      </a:solidFill>
+                    </a:tcPr>
+                  </a:tc>
+                  <a:tc>
+                    <a:txBody>
+                      <a:bodyPr/>
+                      <a:lstStyle/>
+                      <a:p>
+                        <a:pPr algn="ctr"/>
+                        <a:r>
+                          <a:rPr lang="es-ES" b="1" dirty="0">
+                            <a:solidFill>
+                              <a:schemeClr val="bg1"/>
+                            </a:solidFill>
+                          </a:rPr>
+                          <a:t>Visión por Computador</a:t>
+                        </a:r>
+                      </a:p>
+                    </a:txBody>
+                    <a:tcPr>
+                      <a:lnL w="12700" cmpd="sng">
+                        <a:noFill/>
+                      </a:lnL>
+                      <a:lnR w="12700" cmpd="sng">
+                        <a:noFill/>
+                      </a:lnR>
+                      <a:lnT w="12700" cmpd="sng">
+                        <a:noFill/>
+                      </a:lnT>
+                      <a:lnB w="12700" cmpd="sng">
+                        <a:noFill/>
+                      </a:lnB>
+                      <a:lnTlToBr w="12700" cmpd="sng">
+                        <a:noFill/>
+                        <a:prstDash val="solid"/>
+                      </a:lnTlToBr>
+                      <a:lnBlToTr w="12700" cmpd="sng">
+                        <a:noFill/>
+                        <a:prstDash val="solid"/>
+                      </a:lnBlToTr>
+                      <a:solidFill>
+                        <a:srgbClr val="911131"/>
+                      </a:solidFill>
+                    </a:tcPr>
+                  </a:tc>
+                  <a:tc>
+                    <a:txBody>
+                      <a:bodyPr/>
+                      <a:lstStyle/>
+                      <a:p>
+                        <a:r>
+                          <a:rPr lang="es-ES" b="1" dirty="0">
+                            <a:solidFill>
+                              <a:schemeClr val="bg1"/>
+                            </a:solidFill>
+                          </a:rPr>
+                          <a:t>Universidad de Huelva (UHU)</a:t>
+                        </a:r>
+                      </a:p>
+                    </a:txBody>
+                    <a:tcPr>
+                      <a:lnL w="12700" cmpd="sng">
+                        <a:noFill/>
+                      </a:lnL>
+                      <a:lnR w="12700" cmpd="sng">
+                        <a:noFill/>
+                      </a:lnR>
+                      <a:lnT w="12700" cmpd="sng">
+                        <a:noFill/>
+                      </a:lnT>
+                      <a:lnB w="12700" cmpd="sng">
+                        <a:noFill/>
+                      </a:lnB>
+                      <a:lnTlToBr w="12700" cmpd="sng">
+                        <a:noFill/>
+                        <a:prstDash val="solid"/>
+                      </a:lnTlToBr>
+                      <a:lnBlToTr w="12700" cmpd="sng">
+                        <a:noFill/>
+                        <a:prstDash val="solid"/>
+                      </a:lnBlToTr>
+                      <a:solidFill>
+                        <a:srgbClr val="911131"/>
+                      </a:solidFill>
+                    </a:tcPr>
+                  </a:tc>
+                  <a:extLst>
+                    <a:ext uri="{0D108BD9-81ED-4DB2-BD59-A6C34878D82A}">
+                      <a16:rowId xmlns:a16="http://schemas.microsoft.com/office/drawing/2014/main" val="4033175773"/>
+                    </a:ext>
+                  </a:extLst>
+                </a:tr>
+              </a:tbl>
+            </a:graphicData>
+          </a:graphic>
+        </p:graphicFrame>
+        <p:pic>
+          <p:nvPicPr>
+            <p:cNvPr id="4" name="Imagen 3" descr="Imagen que contiene Logotipo&#10;&#10;Descripción generada automáticamente">
+              <a:extLst>
+                <a:ext uri="{FF2B5EF4-FFF2-40B4-BE49-F238E27FC236}">
+                  <a16:creationId xmlns:a16="http://schemas.microsoft.com/office/drawing/2014/main" id="{A2A3CA50-6BEE-4CF8-0EC6-56076CF5A0A6}"/>
+                </a:ext>
+              </a:extLst>
+            </p:cNvPr>
+            <p:cNvPicPr>
+              <a:picLocks noGrp="1" noRot="1" noChangeAspect="1" noMove="1" noResize="1" noEditPoints="1" noAdjustHandles="1" noChangeArrowheads="1" noChangeShapeType="1" noCrop="1"/>
+            </p:cNvPicPr>
+            <p:nvPr/>
+          </p:nvPicPr>
+          <p:blipFill>
+            <a:blip r:embed="rId2">
+              <a:biLevel thresh="25000"/>
+              <a:extLst>
+                <a:ext uri="{BEBA8EAE-BF5A-486C-A8C5-ECC9F3942E4B}">
+                  <a14:imgProps xmlns:a14="http://schemas.microsoft.com/office/drawing/2010/main">
+                    <a14:imgLayer r:embed="rId3">
+                      <a14:imgEffect>
+                        <a14:saturation sat="0"/>
+                      </a14:imgEffect>
+                    </a14:imgLayer>
+                  </a14:imgProps>
+                </a:ext>
+                <a:ext uri="{28A0092B-C50C-407E-A947-70E740481C1C}">
+                  <a14:useLocalDpi xmlns:a14="http://schemas.microsoft.com/office/drawing/2010/main" val="0"/>
+                </a:ext>
+              </a:extLst>
+            </a:blip>
+            <a:stretch>
+              <a:fillRect/>
+            </a:stretch>
+          </p:blipFill>
+          <p:spPr>
+            <a:xfrm>
+              <a:off x="11353800" y="32657"/>
+              <a:ext cx="367392" cy="367392"/>
+            </a:xfrm>
+            <a:prstGeom prst="rect">
+              <a:avLst/>
+            </a:prstGeom>
+          </p:spPr>
+        </p:pic>
+      </p:grpSp>
+      <p:sp>
+        <p:nvSpPr>
+          <p:cNvPr id="2" name="Título 16">
+            <a:extLst>
+              <a:ext uri="{FF2B5EF4-FFF2-40B4-BE49-F238E27FC236}">
+                <a16:creationId xmlns:a16="http://schemas.microsoft.com/office/drawing/2014/main" id="{F81116D6-7910-B8C8-C14D-2EE42A199F3D}"/>
+              </a:ext>
+            </a:extLst>
+          </p:cNvPr>
+          <p:cNvSpPr>
+            <a:spLocks noGrp="1"/>
+          </p:cNvSpPr>
+          <p:nvPr>
+            <p:ph type="title"/>
+          </p:nvPr>
+        </p:nvSpPr>
+        <p:spPr>
+          <a:xfrm>
+            <a:off x="166255" y="756186"/>
+            <a:ext cx="11859490" cy="583087"/>
+          </a:xfrm>
+        </p:spPr>
+        <p:txBody>
+          <a:bodyPr>
+            <a:normAutofit fontScale="90000"/>
+          </a:bodyPr>
+          <a:lstStyle/>
+          <a:p>
+            <a:r>
+              <a:rPr lang="es-ES" b="1" dirty="0"/>
+              <a:t>Segmentación de Caracteres</a:t>
+            </a:r>
+          </a:p>
+        </p:txBody>
+      </p:sp>
+    </p:spTree>
+    <p:extLst>
+      <p:ext uri="{BB962C8B-B14F-4D97-AF65-F5344CB8AC3E}">
+        <p14:creationId xmlns:p14="http://schemas.microsoft.com/office/powerpoint/2010/main" val="1541438609"/>
+      </p:ext>
+    </p:extLst>
+  </p:cSld>
+  <p:clrMapOvr>
     <a:masterClrMapping/>
+  </p:clrMapOvr>
+</p:sld>
+</file>
+
+<file path=ppt/slides/slide7.xml><?xml version="1.0" encoding="utf-8"?>
+<p:sld xmlns:a="http://schemas.openxmlformats.org/drawingml/2006/main" xmlns:r="http://schemas.openxmlformats.org/officeDocument/2006/relationships" xmlns:p="http://schemas.openxmlformats.org/presentationml/2006/main">
+  <p:cSld>
+    <p:bg>
+      <p:bgPr>
+        <a:solidFill>
+          <a:schemeClr val="bg2"/>
+        </a:solidFill>
+        <a:effectLst/>
+      </p:bgPr>
+    </p:bg>
+    <p:spTree>
+      <p:nvGrpSpPr>
+        <p:cNvPr id="1" name=""/>
+        <p:cNvGrpSpPr/>
+        <p:nvPr/>
+      </p:nvGrpSpPr>
+      <p:grpSpPr>
+        <a:xfrm>
+          <a:off x="0" y="0"/>
+          <a:ext cx="0" cy="0"/>
+          <a:chOff x="0" y="0"/>
+          <a:chExt cx="0" cy="0"/>
+        </a:xfrm>
+      </p:grpSpPr>
+      <p:graphicFrame>
+        <p:nvGraphicFramePr>
+          <p:cNvPr id="15" name="Tabla 6">
+            <a:extLst>
+              <a:ext uri="{FF2B5EF4-FFF2-40B4-BE49-F238E27FC236}">
+                <a16:creationId xmlns:a16="http://schemas.microsoft.com/office/drawing/2014/main" id="{D3B1A763-5893-E62D-3434-AECDFC46D757}"/>
+              </a:ext>
+            </a:extLst>
+          </p:cNvPr>
+          <p:cNvGraphicFramePr>
+            <a:graphicFrameLocks noGrp="1" noDrilldown="1" noMove="1" noResize="1"/>
+          </p:cNvGraphicFramePr>
+          <p:nvPr>
+            <p:extLst>
+              <p:ext uri="{D42A27DB-BD31-4B8C-83A1-F6EECF244321}">
+                <p14:modId xmlns:p14="http://schemas.microsoft.com/office/powerpoint/2010/main" val="942259207"/>
+              </p:ext>
+            </p:extLst>
+          </p:nvPr>
+        </p:nvGraphicFramePr>
+        <p:xfrm>
+          <a:off x="0" y="6427561"/>
+          <a:ext cx="12192000" cy="432707"/>
+        </p:xfrm>
+        <a:graphic>
+          <a:graphicData uri="http://schemas.openxmlformats.org/drawingml/2006/table">
+            <a:tbl>
+              <a:tblPr>
+                <a:tableStyleId>{5C22544A-7EE6-4342-B048-85BDC9FD1C3A}</a:tableStyleId>
+              </a:tblPr>
+              <a:tblGrid>
+                <a:gridCol w="8128000">
+                  <a:extLst>
+                    <a:ext uri="{9D8B030D-6E8A-4147-A177-3AD203B41FA5}">
+                      <a16:colId xmlns:a16="http://schemas.microsoft.com/office/drawing/2014/main" val="3965995166"/>
+                    </a:ext>
+                  </a:extLst>
+                </a:gridCol>
+                <a:gridCol w="4064000">
+                  <a:extLst>
+                    <a:ext uri="{9D8B030D-6E8A-4147-A177-3AD203B41FA5}">
+                      <a16:colId xmlns:a16="http://schemas.microsoft.com/office/drawing/2014/main" val="1823215698"/>
+                    </a:ext>
+                  </a:extLst>
+                </a:gridCol>
+              </a:tblGrid>
+              <a:tr h="432707">
+                <a:tc>
+                  <a:txBody>
+                    <a:bodyPr/>
+                    <a:lstStyle/>
+                    <a:p>
+                      <a:pPr algn="ctr"/>
+                      <a:r>
+                        <a:rPr lang="es-ES" sz="1800" b="1" dirty="0">
+                          <a:solidFill>
+                            <a:schemeClr val="bg1"/>
+                          </a:solidFill>
+                        </a:rPr>
+                        <a:t>Sistema de Segmentación y Reconocimiento de Caracteres de Placas de Matrículas</a:t>
+                      </a:r>
+                    </a:p>
+                  </a:txBody>
+                  <a:tcPr>
+                    <a:lnL w="12700" cmpd="sng">
+                      <a:noFill/>
+                    </a:lnL>
+                    <a:lnR w="12700" cmpd="sng">
+                      <a:noFill/>
+                    </a:lnR>
+                    <a:lnT w="12700" cmpd="sng">
+                      <a:noFill/>
+                    </a:lnT>
+                    <a:lnB w="12700" cmpd="sng">
+                      <a:noFill/>
+                    </a:lnB>
+                    <a:lnTlToBr w="12700" cmpd="sng">
+                      <a:noFill/>
+                      <a:prstDash val="solid"/>
+                    </a:lnTlToBr>
+                    <a:lnBlToTr w="12700" cmpd="sng">
+                      <a:noFill/>
+                      <a:prstDash val="solid"/>
+                    </a:lnBlToTr>
+                    <a:solidFill>
+                      <a:srgbClr val="911131"/>
+                    </a:solidFill>
+                  </a:tcPr>
+                </a:tc>
+                <a:tc>
+                  <a:txBody>
+                    <a:bodyPr/>
+                    <a:lstStyle/>
+                    <a:p>
+                      <a:endParaRPr lang="es-ES" b="1" dirty="0">
+                        <a:solidFill>
+                          <a:schemeClr val="bg1"/>
+                        </a:solidFill>
+                      </a:endParaRPr>
+                    </a:p>
+                  </a:txBody>
+                  <a:tcPr>
+                    <a:lnL w="12700" cmpd="sng">
+                      <a:noFill/>
+                    </a:lnL>
+                    <a:lnR w="12700" cmpd="sng">
+                      <a:noFill/>
+                    </a:lnR>
+                    <a:lnT w="12700" cmpd="sng">
+                      <a:noFill/>
+                    </a:lnT>
+                    <a:lnB w="12700" cmpd="sng">
+                      <a:noFill/>
+                    </a:lnB>
+                    <a:lnTlToBr w="12700" cmpd="sng">
+                      <a:noFill/>
+                      <a:prstDash val="solid"/>
+                    </a:lnTlToBr>
+                    <a:lnBlToTr w="12700" cmpd="sng">
+                      <a:noFill/>
+                      <a:prstDash val="solid"/>
+                    </a:lnBlToTr>
+                    <a:solidFill>
+                      <a:srgbClr val="911131"/>
+                    </a:solidFill>
+                  </a:tcPr>
+                </a:tc>
+                <a:extLst>
+                  <a:ext uri="{0D108BD9-81ED-4DB2-BD59-A6C34878D82A}">
+                    <a16:rowId xmlns:a16="http://schemas.microsoft.com/office/drawing/2014/main" val="4033175773"/>
+                  </a:ext>
+                </a:extLst>
+              </a:tr>
+            </a:tbl>
+          </a:graphicData>
+        </a:graphic>
+      </p:graphicFrame>
+      <p:sp>
+        <p:nvSpPr>
+          <p:cNvPr id="5" name="Marcador de número de diapositiva 4">
+            <a:extLst>
+              <a:ext uri="{FF2B5EF4-FFF2-40B4-BE49-F238E27FC236}">
+                <a16:creationId xmlns:a16="http://schemas.microsoft.com/office/drawing/2014/main" id="{FD9258AB-EA15-4C72-1240-5896F9C78D30}"/>
+              </a:ext>
+            </a:extLst>
+          </p:cNvPr>
+          <p:cNvSpPr>
+            <a:spLocks noGrp="1"/>
+          </p:cNvSpPr>
+          <p:nvPr>
+            <p:ph type="sldNum" sz="quarter" idx="12"/>
+          </p:nvPr>
+        </p:nvSpPr>
+        <p:spPr>
+          <a:xfrm>
+            <a:off x="9182100" y="6461351"/>
+            <a:ext cx="2743200" cy="365125"/>
+          </a:xfrm>
+        </p:spPr>
+        <p:txBody>
+          <a:bodyPr/>
+          <a:lstStyle/>
+          <a:p>
+            <a:fld id="{9D2534AA-3AC9-4CE3-8288-EDBF65FBAAA1}" type="slidenum">
+              <a:rPr lang="es-ES" b="1" smtClean="0">
+                <a:solidFill>
+                  <a:schemeClr val="bg1"/>
+                </a:solidFill>
+              </a:rPr>
+              <a:t>7</a:t>
+            </a:fld>
+            <a:endParaRPr lang="es-ES" b="1" dirty="0">
+              <a:solidFill>
+                <a:schemeClr val="bg1"/>
+              </a:solidFill>
+            </a:endParaRPr>
+          </a:p>
+        </p:txBody>
+      </p:sp>
+      <p:grpSp>
+        <p:nvGrpSpPr>
+          <p:cNvPr id="9" name="Grupo 8">
+            <a:extLst>
+              <a:ext uri="{FF2B5EF4-FFF2-40B4-BE49-F238E27FC236}">
+                <a16:creationId xmlns:a16="http://schemas.microsoft.com/office/drawing/2014/main" id="{FEBFD953-88E7-887A-D04C-A685C6D91952}"/>
+              </a:ext>
+            </a:extLst>
+          </p:cNvPr>
+          <p:cNvGrpSpPr>
+            <a:grpSpLocks noGrp="1" noUngrp="1" noRot="1" noMove="1" noResize="1"/>
+          </p:cNvGrpSpPr>
+          <p:nvPr/>
+        </p:nvGrpSpPr>
+        <p:grpSpPr>
+          <a:xfrm>
+            <a:off x="0" y="0"/>
+            <a:ext cx="12192000" cy="432707"/>
+            <a:chOff x="0" y="0"/>
+            <a:chExt cx="12192000" cy="432707"/>
+          </a:xfrm>
+        </p:grpSpPr>
+        <p:graphicFrame>
+          <p:nvGraphicFramePr>
+            <p:cNvPr id="6" name="Tabla 6">
+              <a:extLst>
+                <a:ext uri="{FF2B5EF4-FFF2-40B4-BE49-F238E27FC236}">
+                  <a16:creationId xmlns:a16="http://schemas.microsoft.com/office/drawing/2014/main" id="{D90CAAAD-8F6B-6375-3669-83327AE6A30B}"/>
+                </a:ext>
+              </a:extLst>
+            </p:cNvPr>
+            <p:cNvGraphicFramePr>
+              <a:graphicFrameLocks noGrp="1" noDrilldown="1" noMove="1" noResize="1"/>
+            </p:cNvGraphicFramePr>
+            <p:nvPr>
+              <p:extLst>
+                <p:ext uri="{D42A27DB-BD31-4B8C-83A1-F6EECF244321}">
+                  <p14:modId xmlns:p14="http://schemas.microsoft.com/office/powerpoint/2010/main" val="2125000108"/>
+                </p:ext>
+              </p:extLst>
+            </p:nvPr>
+          </p:nvGraphicFramePr>
+          <p:xfrm>
+            <a:off x="0" y="0"/>
+            <a:ext cx="12192000" cy="432707"/>
+          </p:xfrm>
+          <a:graphic>
+            <a:graphicData uri="http://schemas.openxmlformats.org/drawingml/2006/table">
+              <a:tbl>
+                <a:tblPr>
+                  <a:tableStyleId>{5C22544A-7EE6-4342-B048-85BDC9FD1C3A}</a:tableStyleId>
+                </a:tblPr>
+                <a:tblGrid>
+                  <a:gridCol w="4064000">
+                    <a:extLst>
+                      <a:ext uri="{9D8B030D-6E8A-4147-A177-3AD203B41FA5}">
+                        <a16:colId xmlns:a16="http://schemas.microsoft.com/office/drawing/2014/main" val="3965995166"/>
+                      </a:ext>
+                    </a:extLst>
+                  </a:gridCol>
+                  <a:gridCol w="4064000">
+                    <a:extLst>
+                      <a:ext uri="{9D8B030D-6E8A-4147-A177-3AD203B41FA5}">
+                        <a16:colId xmlns:a16="http://schemas.microsoft.com/office/drawing/2014/main" val="2688743598"/>
+                      </a:ext>
+                    </a:extLst>
+                  </a:gridCol>
+                  <a:gridCol w="4064000">
+                    <a:extLst>
+                      <a:ext uri="{9D8B030D-6E8A-4147-A177-3AD203B41FA5}">
+                        <a16:colId xmlns:a16="http://schemas.microsoft.com/office/drawing/2014/main" val="1823215698"/>
+                      </a:ext>
+                    </a:extLst>
+                  </a:gridCol>
+                </a:tblGrid>
+                <a:tr h="432707">
+                  <a:tc>
+                    <a:txBody>
+                      <a:bodyPr/>
+                      <a:lstStyle/>
+                      <a:p>
+                        <a:pPr algn="ctr"/>
+                        <a:r>
+                          <a:rPr lang="es-ES" b="1" dirty="0">
+                            <a:solidFill>
+                              <a:schemeClr val="bg1"/>
+                            </a:solidFill>
+                          </a:rPr>
+                          <a:t>Alberto F. Merchán</a:t>
+                        </a:r>
+                      </a:p>
+                    </a:txBody>
+                    <a:tcPr>
+                      <a:lnL w="12700" cmpd="sng">
+                        <a:noFill/>
+                      </a:lnL>
+                      <a:lnR w="12700" cmpd="sng">
+                        <a:noFill/>
+                      </a:lnR>
+                      <a:lnT w="12700" cmpd="sng">
+                        <a:noFill/>
+                      </a:lnT>
+                      <a:lnB w="12700" cmpd="sng">
+                        <a:noFill/>
+                      </a:lnB>
+                      <a:lnTlToBr w="12700" cmpd="sng">
+                        <a:noFill/>
+                        <a:prstDash val="solid"/>
+                      </a:lnTlToBr>
+                      <a:lnBlToTr w="12700" cmpd="sng">
+                        <a:noFill/>
+                        <a:prstDash val="solid"/>
+                      </a:lnBlToTr>
+                      <a:solidFill>
+                        <a:srgbClr val="911131"/>
+                      </a:solidFill>
+                    </a:tcPr>
+                  </a:tc>
+                  <a:tc>
+                    <a:txBody>
+                      <a:bodyPr/>
+                      <a:lstStyle/>
+                      <a:p>
+                        <a:pPr algn="ctr"/>
+                        <a:r>
+                          <a:rPr lang="es-ES" b="1" dirty="0">
+                            <a:solidFill>
+                              <a:schemeClr val="bg1"/>
+                            </a:solidFill>
+                          </a:rPr>
+                          <a:t>Visión por Computador</a:t>
+                        </a:r>
+                      </a:p>
+                    </a:txBody>
+                    <a:tcPr>
+                      <a:lnL w="12700" cmpd="sng">
+                        <a:noFill/>
+                      </a:lnL>
+                      <a:lnR w="12700" cmpd="sng">
+                        <a:noFill/>
+                      </a:lnR>
+                      <a:lnT w="12700" cmpd="sng">
+                        <a:noFill/>
+                      </a:lnT>
+                      <a:lnB w="12700" cmpd="sng">
+                        <a:noFill/>
+                      </a:lnB>
+                      <a:lnTlToBr w="12700" cmpd="sng">
+                        <a:noFill/>
+                        <a:prstDash val="solid"/>
+                      </a:lnTlToBr>
+                      <a:lnBlToTr w="12700" cmpd="sng">
+                        <a:noFill/>
+                        <a:prstDash val="solid"/>
+                      </a:lnBlToTr>
+                      <a:solidFill>
+                        <a:srgbClr val="911131"/>
+                      </a:solidFill>
+                    </a:tcPr>
+                  </a:tc>
+                  <a:tc>
+                    <a:txBody>
+                      <a:bodyPr/>
+                      <a:lstStyle/>
+                      <a:p>
+                        <a:r>
+                          <a:rPr lang="es-ES" b="1" dirty="0">
+                            <a:solidFill>
+                              <a:schemeClr val="bg1"/>
+                            </a:solidFill>
+                          </a:rPr>
+                          <a:t>Universidad de Huelva (UHU)</a:t>
+                        </a:r>
+                      </a:p>
+                    </a:txBody>
+                    <a:tcPr>
+                      <a:lnL w="12700" cmpd="sng">
+                        <a:noFill/>
+                      </a:lnL>
+                      <a:lnR w="12700" cmpd="sng">
+                        <a:noFill/>
+                      </a:lnR>
+                      <a:lnT w="12700" cmpd="sng">
+                        <a:noFill/>
+                      </a:lnT>
+                      <a:lnB w="12700" cmpd="sng">
+                        <a:noFill/>
+                      </a:lnB>
+                      <a:lnTlToBr w="12700" cmpd="sng">
+                        <a:noFill/>
+                        <a:prstDash val="solid"/>
+                      </a:lnTlToBr>
+                      <a:lnBlToTr w="12700" cmpd="sng">
+                        <a:noFill/>
+                        <a:prstDash val="solid"/>
+                      </a:lnBlToTr>
+                      <a:solidFill>
+                        <a:srgbClr val="911131"/>
+                      </a:solidFill>
+                    </a:tcPr>
+                  </a:tc>
+                  <a:extLst>
+                    <a:ext uri="{0D108BD9-81ED-4DB2-BD59-A6C34878D82A}">
+                      <a16:rowId xmlns:a16="http://schemas.microsoft.com/office/drawing/2014/main" val="4033175773"/>
+                    </a:ext>
+                  </a:extLst>
+                </a:tr>
+              </a:tbl>
+            </a:graphicData>
+          </a:graphic>
+        </p:graphicFrame>
+        <p:pic>
+          <p:nvPicPr>
+            <p:cNvPr id="4" name="Imagen 3" descr="Imagen que contiene Logotipo&#10;&#10;Descripción generada automáticamente">
+              <a:extLst>
+                <a:ext uri="{FF2B5EF4-FFF2-40B4-BE49-F238E27FC236}">
+                  <a16:creationId xmlns:a16="http://schemas.microsoft.com/office/drawing/2014/main" id="{A2A3CA50-6BEE-4CF8-0EC6-56076CF5A0A6}"/>
+                </a:ext>
+              </a:extLst>
+            </p:cNvPr>
+            <p:cNvPicPr>
+              <a:picLocks noGrp="1" noRot="1" noChangeAspect="1" noMove="1" noResize="1" noEditPoints="1" noAdjustHandles="1" noChangeArrowheads="1" noChangeShapeType="1" noCrop="1"/>
+            </p:cNvPicPr>
+            <p:nvPr/>
+          </p:nvPicPr>
+          <p:blipFill>
+            <a:blip r:embed="rId3">
+              <a:biLevel thresh="25000"/>
+              <a:extLst>
+                <a:ext uri="{BEBA8EAE-BF5A-486C-A8C5-ECC9F3942E4B}">
+                  <a14:imgProps xmlns:a14="http://schemas.microsoft.com/office/drawing/2010/main">
+                    <a14:imgLayer r:embed="rId4">
+                      <a14:imgEffect>
+                        <a14:saturation sat="0"/>
+                      </a14:imgEffect>
+                    </a14:imgLayer>
+                  </a14:imgProps>
+                </a:ext>
+                <a:ext uri="{28A0092B-C50C-407E-A947-70E740481C1C}">
+                  <a14:useLocalDpi xmlns:a14="http://schemas.microsoft.com/office/drawing/2010/main" val="0"/>
+                </a:ext>
+              </a:extLst>
+            </a:blip>
+            <a:stretch>
+              <a:fillRect/>
+            </a:stretch>
+          </p:blipFill>
+          <p:spPr>
+            <a:xfrm>
+              <a:off x="11353800" y="32657"/>
+              <a:ext cx="367392" cy="367392"/>
+            </a:xfrm>
+            <a:prstGeom prst="rect">
+              <a:avLst/>
+            </a:prstGeom>
+          </p:spPr>
+        </p:pic>
+      </p:grpSp>
+    </p:spTree>
+    <p:extLst>
+      <p:ext uri="{BB962C8B-B14F-4D97-AF65-F5344CB8AC3E}">
+        <p14:creationId xmlns:p14="http://schemas.microsoft.com/office/powerpoint/2010/main" val="1556570376"/>
+      </p:ext>
+    </p:extLst>
+  </p:cSld>
+  <p:clrMapOvr>
+    <a:overrideClrMapping bg1="lt1" tx1="dk1" bg2="lt2" tx2="dk2" accent1="accent1" accent2="accent2" accent3="accent3" accent4="accent4" accent5="accent5" accent6="accent6" hlink="hlink" folHlink="folHlink"/>
   </p:clrMapOvr>
 </p:sld>
 </file>
@@ -4053,4 +9401,809 @@
     </a:ext>
   </a:extLst>
 </a:theme>
+</file>
+
+<file path=ppt/theme/theme2.xml><?xml version="1.0" encoding="utf-8"?>
+<a:theme xmlns:a="http://schemas.openxmlformats.org/drawingml/2006/main" name="Tema de Office">
+  <a:themeElements>
+    <a:clrScheme name="Office">
+      <a:dk1>
+        <a:sysClr val="windowText" lastClr="000000"/>
+      </a:dk1>
+      <a:lt1>
+        <a:sysClr val="window" lastClr="FFFFFF"/>
+      </a:lt1>
+      <a:dk2>
+        <a:srgbClr val="44546A"/>
+      </a:dk2>
+      <a:lt2>
+        <a:srgbClr val="E7E6E6"/>
+      </a:lt2>
+      <a:accent1>
+        <a:srgbClr val="4472C4"/>
+      </a:accent1>
+      <a:accent2>
+        <a:srgbClr val="ED7D31"/>
+      </a:accent2>
+      <a:accent3>
+        <a:srgbClr val="A5A5A5"/>
+      </a:accent3>
+      <a:accent4>
+        <a:srgbClr val="FFC000"/>
+      </a:accent4>
+      <a:accent5>
+        <a:srgbClr val="5B9BD5"/>
+      </a:accent5>
+      <a:accent6>
+        <a:srgbClr val="70AD47"/>
+      </a:accent6>
+      <a:hlink>
+        <a:srgbClr val="0563C1"/>
+      </a:hlink>
+      <a:folHlink>
+        <a:srgbClr val="954F72"/>
+      </a:folHlink>
+    </a:clrScheme>
+    <a:fontScheme name="Office">
+      <a:majorFont>
+        <a:latin typeface="Calibri Light" panose="020F0302020204030204"/>
+        <a:ea typeface=""/>
+        <a:cs typeface=""/>
+        <a:font script="Jpan" typeface="游ゴシック Light"/>
+        <a:font script="Hang" typeface="맑은 고딕"/>
+        <a:font script="Hans" typeface="等线 Light"/>
+        <a:font script="Hant" typeface="新細明體"/>
+        <a:font script="Arab" typeface="Times New Roman"/>
+        <a:font script="Hebr" typeface="Times New Roman"/>
+        <a:font script="Thai" typeface="Angsana New"/>
+        <a:font script="Ethi" typeface="Nyala"/>
+        <a:font script="Beng" typeface="Vrinda"/>
+        <a:font script="Gujr" typeface="Shruti"/>
+        <a:font script="Khmr" typeface="MoolBoran"/>
+        <a:font script="Knda" typeface="Tunga"/>
+        <a:font script="Guru" typeface="Raavi"/>
+        <a:font script="Cans" typeface="Euphemia"/>
+        <a:font script="Cher" typeface="Plantagenet Cherokee"/>
+        <a:font script="Yiii" typeface="Microsoft Yi Baiti"/>
+        <a:font script="Tibt" typeface="Microsoft Himalaya"/>
+        <a:font script="Thaa" typeface="MV Boli"/>
+        <a:font script="Deva" typeface="Mangal"/>
+        <a:font script="Telu" typeface="Gautami"/>
+        <a:font script="Taml" typeface="Latha"/>
+        <a:font script="Syrc" typeface="Estrangelo Edessa"/>
+        <a:font script="Orya" typeface="Kalinga"/>
+        <a:font script="Mlym" typeface="Kartika"/>
+        <a:font script="Laoo" typeface="DokChampa"/>
+        <a:font script="Sinh" typeface="Iskoola Pota"/>
+        <a:font script="Mong" typeface="Mongolian Baiti"/>
+        <a:font script="Viet" typeface="Times New Roman"/>
+        <a:font script="Uigh" typeface="Microsoft Uighur"/>
+        <a:font script="Geor" typeface="Sylfaen"/>
+        <a:font script="Armn" typeface="Arial"/>
+        <a:font script="Bugi" typeface="Leelawadee UI"/>
+        <a:font script="Bopo" typeface="Microsoft JhengHei"/>
+        <a:font script="Java" typeface="Javanese Text"/>
+        <a:font script="Lisu" typeface="Segoe UI"/>
+        <a:font script="Mymr" typeface="Myanmar Text"/>
+        <a:font script="Nkoo" typeface="Ebrima"/>
+        <a:font script="Olck" typeface="Nirmala UI"/>
+        <a:font script="Osma" typeface="Ebrima"/>
+        <a:font script="Phag" typeface="Phagspa"/>
+        <a:font script="Syrn" typeface="Estrangelo Edessa"/>
+        <a:font script="Syrj" typeface="Estrangelo Edessa"/>
+        <a:font script="Syre" typeface="Estrangelo Edessa"/>
+        <a:font script="Sora" typeface="Nirmala UI"/>
+        <a:font script="Tale" typeface="Microsoft Tai Le"/>
+        <a:font script="Talu" typeface="Microsoft New Tai Lue"/>
+        <a:font script="Tfng" typeface="Ebrima"/>
+      </a:majorFont>
+      <a:minorFont>
+        <a:latin typeface="Calibri" panose="020F0502020204030204"/>
+        <a:ea typeface=""/>
+        <a:cs typeface=""/>
+        <a:font script="Jpan" typeface="游ゴシック"/>
+        <a:font script="Hang" typeface="맑은 고딕"/>
+        <a:font script="Hans" typeface="等线"/>
+        <a:font script="Hant" typeface="新細明體"/>
+        <a:font script="Arab" typeface="Arial"/>
+        <a:font script="Hebr" typeface="Arial"/>
+        <a:font script="Thai" typeface="Cordia New"/>
+        <a:font script="Ethi" typeface="Nyala"/>
+        <a:font script="Beng" typeface="Vrinda"/>
+        <a:font script="Gujr" typeface="Shruti"/>
+        <a:font script="Khmr" typeface="DaunPenh"/>
+        <a:font script="Knda" typeface="Tunga"/>
+        <a:font script="Guru" typeface="Raavi"/>
+        <a:font script="Cans" typeface="Euphemia"/>
+        <a:font script="Cher" typeface="Plantagenet Cherokee"/>
+        <a:font script="Yiii" typeface="Microsoft Yi Baiti"/>
+        <a:font script="Tibt" typeface="Microsoft Himalaya"/>
+        <a:font script="Thaa" typeface="MV Boli"/>
+        <a:font script="Deva" typeface="Mangal"/>
+        <a:font script="Telu" typeface="Gautami"/>
+        <a:font script="Taml" typeface="Latha"/>
+        <a:font script="Syrc" typeface="Estrangelo Edessa"/>
+        <a:font script="Orya" typeface="Kalinga"/>
+        <a:font script="Mlym" typeface="Kartika"/>
+        <a:font script="Laoo" typeface="DokChampa"/>
+        <a:font script="Sinh" typeface="Iskoola Pota"/>
+        <a:font script="Mong" typeface="Mongolian Baiti"/>
+        <a:font script="Viet" typeface="Arial"/>
+        <a:font script="Uigh" typeface="Microsoft Uighur"/>
+        <a:font script="Geor" typeface="Sylfaen"/>
+        <a:font script="Armn" typeface="Arial"/>
+        <a:font script="Bugi" typeface="Leelawadee UI"/>
+        <a:font script="Bopo" typeface="Microsoft JhengHei"/>
+        <a:font script="Java" typeface="Javanese Text"/>
+        <a:font script="Lisu" typeface="Segoe UI"/>
+        <a:font script="Mymr" typeface="Myanmar Text"/>
+        <a:font script="Nkoo" typeface="Ebrima"/>
+        <a:font script="Olck" typeface="Nirmala UI"/>
+        <a:font script="Osma" typeface="Ebrima"/>
+        <a:font script="Phag" typeface="Phagspa"/>
+        <a:font script="Syrn" typeface="Estrangelo Edessa"/>
+        <a:font script="Syrj" typeface="Estrangelo Edessa"/>
+        <a:font script="Syre" typeface="Estrangelo Edessa"/>
+        <a:font script="Sora" typeface="Nirmala UI"/>
+        <a:font script="Tale" typeface="Microsoft Tai Le"/>
+        <a:font script="Talu" typeface="Microsoft New Tai Lue"/>
+        <a:font script="Tfng" typeface="Ebrima"/>
+      </a:minorFont>
+    </a:fontScheme>
+    <a:fmtScheme name="Office">
+      <a:fillStyleLst>
+        <a:solidFill>
+          <a:schemeClr val="phClr"/>
+        </a:solidFill>
+        <a:gradFill rotWithShape="1">
+          <a:gsLst>
+            <a:gs pos="0">
+              <a:schemeClr val="phClr">
+                <a:lumMod val="110000"/>
+                <a:satMod val="105000"/>
+                <a:tint val="67000"/>
+              </a:schemeClr>
+            </a:gs>
+            <a:gs pos="50000">
+              <a:schemeClr val="phClr">
+                <a:lumMod val="105000"/>
+                <a:satMod val="103000"/>
+                <a:tint val="73000"/>
+              </a:schemeClr>
+            </a:gs>
+            <a:gs pos="100000">
+              <a:schemeClr val="phClr">
+                <a:lumMod val="105000"/>
+                <a:satMod val="109000"/>
+                <a:tint val="81000"/>
+              </a:schemeClr>
+            </a:gs>
+          </a:gsLst>
+          <a:lin ang="5400000" scaled="0"/>
+        </a:gradFill>
+        <a:gradFill rotWithShape="1">
+          <a:gsLst>
+            <a:gs pos="0">
+              <a:schemeClr val="phClr">
+                <a:satMod val="103000"/>
+                <a:lumMod val="102000"/>
+                <a:tint val="94000"/>
+              </a:schemeClr>
+            </a:gs>
+            <a:gs pos="50000">
+              <a:schemeClr val="phClr">
+                <a:satMod val="110000"/>
+                <a:lumMod val="100000"/>
+                <a:shade val="100000"/>
+              </a:schemeClr>
+            </a:gs>
+            <a:gs pos="100000">
+              <a:schemeClr val="phClr">
+                <a:lumMod val="99000"/>
+                <a:satMod val="120000"/>
+                <a:shade val="78000"/>
+              </a:schemeClr>
+            </a:gs>
+          </a:gsLst>
+          <a:lin ang="5400000" scaled="0"/>
+        </a:gradFill>
+      </a:fillStyleLst>
+      <a:lnStyleLst>
+        <a:ln w="6350" cap="flat" cmpd="sng" algn="ctr">
+          <a:solidFill>
+            <a:schemeClr val="phClr"/>
+          </a:solidFill>
+          <a:prstDash val="solid"/>
+          <a:miter lim="800000"/>
+        </a:ln>
+        <a:ln w="12700" cap="flat" cmpd="sng" algn="ctr">
+          <a:solidFill>
+            <a:schemeClr val="phClr"/>
+          </a:solidFill>
+          <a:prstDash val="solid"/>
+          <a:miter lim="800000"/>
+        </a:ln>
+        <a:ln w="19050" cap="flat" cmpd="sng" algn="ctr">
+          <a:solidFill>
+            <a:schemeClr val="phClr"/>
+          </a:solidFill>
+          <a:prstDash val="solid"/>
+          <a:miter lim="800000"/>
+        </a:ln>
+      </a:lnStyleLst>
+      <a:effectStyleLst>
+        <a:effectStyle>
+          <a:effectLst/>
+        </a:effectStyle>
+        <a:effectStyle>
+          <a:effectLst/>
+        </a:effectStyle>
+        <a:effectStyle>
+          <a:effectLst>
+            <a:outerShdw blurRad="57150" dist="19050" dir="5400000" algn="ctr" rotWithShape="0">
+              <a:srgbClr val="000000">
+                <a:alpha val="63000"/>
+              </a:srgbClr>
+            </a:outerShdw>
+          </a:effectLst>
+        </a:effectStyle>
+      </a:effectStyleLst>
+      <a:bgFillStyleLst>
+        <a:solidFill>
+          <a:schemeClr val="phClr"/>
+        </a:solidFill>
+        <a:solidFill>
+          <a:schemeClr val="phClr">
+            <a:tint val="95000"/>
+            <a:satMod val="170000"/>
+          </a:schemeClr>
+        </a:solidFill>
+        <a:gradFill rotWithShape="1">
+          <a:gsLst>
+            <a:gs pos="0">
+              <a:schemeClr val="phClr">
+                <a:tint val="93000"/>
+                <a:satMod val="150000"/>
+                <a:shade val="98000"/>
+                <a:lumMod val="102000"/>
+              </a:schemeClr>
+            </a:gs>
+            <a:gs pos="50000">
+              <a:schemeClr val="phClr">
+                <a:tint val="98000"/>
+                <a:satMod val="130000"/>
+                <a:shade val="90000"/>
+                <a:lumMod val="103000"/>
+              </a:schemeClr>
+            </a:gs>
+            <a:gs pos="100000">
+              <a:schemeClr val="phClr">
+                <a:shade val="63000"/>
+                <a:satMod val="120000"/>
+              </a:schemeClr>
+            </a:gs>
+          </a:gsLst>
+          <a:lin ang="5400000" scaled="0"/>
+        </a:gradFill>
+      </a:bgFillStyleLst>
+    </a:fmtScheme>
+  </a:themeElements>
+  <a:objectDefaults/>
+  <a:extraClrSchemeLst/>
+  <a:extLst>
+    <a:ext uri="{05A4C25C-085E-4340-85A3-A5531E510DB2}">
+      <thm15:themeFamily xmlns:thm15="http://schemas.microsoft.com/office/thememl/2012/main" name="Office Theme" id="{62F939B6-93AF-4DB8-9C6B-D6C7DFDC589F}" vid="{4A3C46E8-61CC-4603-A589-7422A47A8E4A}"/>
+    </a:ext>
+  </a:extLst>
+</a:theme>
+</file>
+
+<file path=ppt/theme/theme3.xml><?xml version="1.0" encoding="utf-8"?>
+<a:theme xmlns:a="http://schemas.openxmlformats.org/drawingml/2006/main" name="Tema de Office">
+  <a:themeElements>
+    <a:clrScheme name="Office">
+      <a:dk1>
+        <a:sysClr val="windowText" lastClr="000000"/>
+      </a:dk1>
+      <a:lt1>
+        <a:sysClr val="window" lastClr="FFFFFF"/>
+      </a:lt1>
+      <a:dk2>
+        <a:srgbClr val="44546A"/>
+      </a:dk2>
+      <a:lt2>
+        <a:srgbClr val="E7E6E6"/>
+      </a:lt2>
+      <a:accent1>
+        <a:srgbClr val="4472C4"/>
+      </a:accent1>
+      <a:accent2>
+        <a:srgbClr val="ED7D31"/>
+      </a:accent2>
+      <a:accent3>
+        <a:srgbClr val="A5A5A5"/>
+      </a:accent3>
+      <a:accent4>
+        <a:srgbClr val="FFC000"/>
+      </a:accent4>
+      <a:accent5>
+        <a:srgbClr val="5B9BD5"/>
+      </a:accent5>
+      <a:accent6>
+        <a:srgbClr val="70AD47"/>
+      </a:accent6>
+      <a:hlink>
+        <a:srgbClr val="0563C1"/>
+      </a:hlink>
+      <a:folHlink>
+        <a:srgbClr val="954F72"/>
+      </a:folHlink>
+    </a:clrScheme>
+    <a:fontScheme name="Office">
+      <a:majorFont>
+        <a:latin typeface="Calibri Light" panose="020F0302020204030204"/>
+        <a:ea typeface=""/>
+        <a:cs typeface=""/>
+        <a:font script="Jpan" typeface="游ゴシック Light"/>
+        <a:font script="Hang" typeface="맑은 고딕"/>
+        <a:font script="Hans" typeface="等线 Light"/>
+        <a:font script="Hant" typeface="新細明體"/>
+        <a:font script="Arab" typeface="Times New Roman"/>
+        <a:font script="Hebr" typeface="Times New Roman"/>
+        <a:font script="Thai" typeface="Angsana New"/>
+        <a:font script="Ethi" typeface="Nyala"/>
+        <a:font script="Beng" typeface="Vrinda"/>
+        <a:font script="Gujr" typeface="Shruti"/>
+        <a:font script="Khmr" typeface="MoolBoran"/>
+        <a:font script="Knda" typeface="Tunga"/>
+        <a:font script="Guru" typeface="Raavi"/>
+        <a:font script="Cans" typeface="Euphemia"/>
+        <a:font script="Cher" typeface="Plantagenet Cherokee"/>
+        <a:font script="Yiii" typeface="Microsoft Yi Baiti"/>
+        <a:font script="Tibt" typeface="Microsoft Himalaya"/>
+        <a:font script="Thaa" typeface="MV Boli"/>
+        <a:font script="Deva" typeface="Mangal"/>
+        <a:font script="Telu" typeface="Gautami"/>
+        <a:font script="Taml" typeface="Latha"/>
+        <a:font script="Syrc" typeface="Estrangelo Edessa"/>
+        <a:font script="Orya" typeface="Kalinga"/>
+        <a:font script="Mlym" typeface="Kartika"/>
+        <a:font script="Laoo" typeface="DokChampa"/>
+        <a:font script="Sinh" typeface="Iskoola Pota"/>
+        <a:font script="Mong" typeface="Mongolian Baiti"/>
+        <a:font script="Viet" typeface="Times New Roman"/>
+        <a:font script="Uigh" typeface="Microsoft Uighur"/>
+        <a:font script="Geor" typeface="Sylfaen"/>
+        <a:font script="Armn" typeface="Arial"/>
+        <a:font script="Bugi" typeface="Leelawadee UI"/>
+        <a:font script="Bopo" typeface="Microsoft JhengHei"/>
+        <a:font script="Java" typeface="Javanese Text"/>
+        <a:font script="Lisu" typeface="Segoe UI"/>
+        <a:font script="Mymr" typeface="Myanmar Text"/>
+        <a:font script="Nkoo" typeface="Ebrima"/>
+        <a:font script="Olck" typeface="Nirmala UI"/>
+        <a:font script="Osma" typeface="Ebrima"/>
+        <a:font script="Phag" typeface="Phagspa"/>
+        <a:font script="Syrn" typeface="Estrangelo Edessa"/>
+        <a:font script="Syrj" typeface="Estrangelo Edessa"/>
+        <a:font script="Syre" typeface="Estrangelo Edessa"/>
+        <a:font script="Sora" typeface="Nirmala UI"/>
+        <a:font script="Tale" typeface="Microsoft Tai Le"/>
+        <a:font script="Talu" typeface="Microsoft New Tai Lue"/>
+        <a:font script="Tfng" typeface="Ebrima"/>
+      </a:majorFont>
+      <a:minorFont>
+        <a:latin typeface="Calibri" panose="020F0502020204030204"/>
+        <a:ea typeface=""/>
+        <a:cs typeface=""/>
+        <a:font script="Jpan" typeface="游ゴシック"/>
+        <a:font script="Hang" typeface="맑은 고딕"/>
+        <a:font script="Hans" typeface="等线"/>
+        <a:font script="Hant" typeface="新細明體"/>
+        <a:font script="Arab" typeface="Arial"/>
+        <a:font script="Hebr" typeface="Arial"/>
+        <a:font script="Thai" typeface="Cordia New"/>
+        <a:font script="Ethi" typeface="Nyala"/>
+        <a:font script="Beng" typeface="Vrinda"/>
+        <a:font script="Gujr" typeface="Shruti"/>
+        <a:font script="Khmr" typeface="DaunPenh"/>
+        <a:font script="Knda" typeface="Tunga"/>
+        <a:font script="Guru" typeface="Raavi"/>
+        <a:font script="Cans" typeface="Euphemia"/>
+        <a:font script="Cher" typeface="Plantagenet Cherokee"/>
+        <a:font script="Yiii" typeface="Microsoft Yi Baiti"/>
+        <a:font script="Tibt" typeface="Microsoft Himalaya"/>
+        <a:font script="Thaa" typeface="MV Boli"/>
+        <a:font script="Deva" typeface="Mangal"/>
+        <a:font script="Telu" typeface="Gautami"/>
+        <a:font script="Taml" typeface="Latha"/>
+        <a:font script="Syrc" typeface="Estrangelo Edessa"/>
+        <a:font script="Orya" typeface="Kalinga"/>
+        <a:font script="Mlym" typeface="Kartika"/>
+        <a:font script="Laoo" typeface="DokChampa"/>
+        <a:font script="Sinh" typeface="Iskoola Pota"/>
+        <a:font script="Mong" typeface="Mongolian Baiti"/>
+        <a:font script="Viet" typeface="Arial"/>
+        <a:font script="Uigh" typeface="Microsoft Uighur"/>
+        <a:font script="Geor" typeface="Sylfaen"/>
+        <a:font script="Armn" typeface="Arial"/>
+        <a:font script="Bugi" typeface="Leelawadee UI"/>
+        <a:font script="Bopo" typeface="Microsoft JhengHei"/>
+        <a:font script="Java" typeface="Javanese Text"/>
+        <a:font script="Lisu" typeface="Segoe UI"/>
+        <a:font script="Mymr" typeface="Myanmar Text"/>
+        <a:font script="Nkoo" typeface="Ebrima"/>
+        <a:font script="Olck" typeface="Nirmala UI"/>
+        <a:font script="Osma" typeface="Ebrima"/>
+        <a:font script="Phag" typeface="Phagspa"/>
+        <a:font script="Syrn" typeface="Estrangelo Edessa"/>
+        <a:font script="Syrj" typeface="Estrangelo Edessa"/>
+        <a:font script="Syre" typeface="Estrangelo Edessa"/>
+        <a:font script="Sora" typeface="Nirmala UI"/>
+        <a:font script="Tale" typeface="Microsoft Tai Le"/>
+        <a:font script="Talu" typeface="Microsoft New Tai Lue"/>
+        <a:font script="Tfng" typeface="Ebrima"/>
+      </a:minorFont>
+    </a:fontScheme>
+    <a:fmtScheme name="Office">
+      <a:fillStyleLst>
+        <a:solidFill>
+          <a:schemeClr val="phClr"/>
+        </a:solidFill>
+        <a:gradFill rotWithShape="1">
+          <a:gsLst>
+            <a:gs pos="0">
+              <a:schemeClr val="phClr">
+                <a:lumMod val="110000"/>
+                <a:satMod val="105000"/>
+                <a:tint val="67000"/>
+              </a:schemeClr>
+            </a:gs>
+            <a:gs pos="50000">
+              <a:schemeClr val="phClr">
+                <a:lumMod val="105000"/>
+                <a:satMod val="103000"/>
+                <a:tint val="73000"/>
+              </a:schemeClr>
+            </a:gs>
+            <a:gs pos="100000">
+              <a:schemeClr val="phClr">
+                <a:lumMod val="105000"/>
+                <a:satMod val="109000"/>
+                <a:tint val="81000"/>
+              </a:schemeClr>
+            </a:gs>
+          </a:gsLst>
+          <a:lin ang="5400000" scaled="0"/>
+        </a:gradFill>
+        <a:gradFill rotWithShape="1">
+          <a:gsLst>
+            <a:gs pos="0">
+              <a:schemeClr val="phClr">
+                <a:satMod val="103000"/>
+                <a:lumMod val="102000"/>
+                <a:tint val="94000"/>
+              </a:schemeClr>
+            </a:gs>
+            <a:gs pos="50000">
+              <a:schemeClr val="phClr">
+                <a:satMod val="110000"/>
+                <a:lumMod val="100000"/>
+                <a:shade val="100000"/>
+              </a:schemeClr>
+            </a:gs>
+            <a:gs pos="100000">
+              <a:schemeClr val="phClr">
+                <a:lumMod val="99000"/>
+                <a:satMod val="120000"/>
+                <a:shade val="78000"/>
+              </a:schemeClr>
+            </a:gs>
+          </a:gsLst>
+          <a:lin ang="5400000" scaled="0"/>
+        </a:gradFill>
+      </a:fillStyleLst>
+      <a:lnStyleLst>
+        <a:ln w="6350" cap="flat" cmpd="sng" algn="ctr">
+          <a:solidFill>
+            <a:schemeClr val="phClr"/>
+          </a:solidFill>
+          <a:prstDash val="solid"/>
+          <a:miter lim="800000"/>
+        </a:ln>
+        <a:ln w="12700" cap="flat" cmpd="sng" algn="ctr">
+          <a:solidFill>
+            <a:schemeClr val="phClr"/>
+          </a:solidFill>
+          <a:prstDash val="solid"/>
+          <a:miter lim="800000"/>
+        </a:ln>
+        <a:ln w="19050" cap="flat" cmpd="sng" algn="ctr">
+          <a:solidFill>
+            <a:schemeClr val="phClr"/>
+          </a:solidFill>
+          <a:prstDash val="solid"/>
+          <a:miter lim="800000"/>
+        </a:ln>
+      </a:lnStyleLst>
+      <a:effectStyleLst>
+        <a:effectStyle>
+          <a:effectLst/>
+        </a:effectStyle>
+        <a:effectStyle>
+          <a:effectLst/>
+        </a:effectStyle>
+        <a:effectStyle>
+          <a:effectLst>
+            <a:outerShdw blurRad="57150" dist="19050" dir="5400000" algn="ctr" rotWithShape="0">
+              <a:srgbClr val="000000">
+                <a:alpha val="63000"/>
+              </a:srgbClr>
+            </a:outerShdw>
+          </a:effectLst>
+        </a:effectStyle>
+      </a:effectStyleLst>
+      <a:bgFillStyleLst>
+        <a:solidFill>
+          <a:schemeClr val="phClr"/>
+        </a:solidFill>
+        <a:solidFill>
+          <a:schemeClr val="phClr">
+            <a:tint val="95000"/>
+            <a:satMod val="170000"/>
+          </a:schemeClr>
+        </a:solidFill>
+        <a:gradFill rotWithShape="1">
+          <a:gsLst>
+            <a:gs pos="0">
+              <a:schemeClr val="phClr">
+                <a:tint val="93000"/>
+                <a:satMod val="150000"/>
+                <a:shade val="98000"/>
+                <a:lumMod val="102000"/>
+              </a:schemeClr>
+            </a:gs>
+            <a:gs pos="50000">
+              <a:schemeClr val="phClr">
+                <a:tint val="98000"/>
+                <a:satMod val="130000"/>
+                <a:shade val="90000"/>
+                <a:lumMod val="103000"/>
+              </a:schemeClr>
+            </a:gs>
+            <a:gs pos="100000">
+              <a:schemeClr val="phClr">
+                <a:shade val="63000"/>
+                <a:satMod val="120000"/>
+              </a:schemeClr>
+            </a:gs>
+          </a:gsLst>
+          <a:lin ang="5400000" scaled="0"/>
+        </a:gradFill>
+      </a:bgFillStyleLst>
+    </a:fmtScheme>
+  </a:themeElements>
+  <a:objectDefaults/>
+  <a:extraClrSchemeLst/>
+  <a:extLst>
+    <a:ext uri="{05A4C25C-085E-4340-85A3-A5531E510DB2}">
+      <thm15:themeFamily xmlns:thm15="http://schemas.microsoft.com/office/thememl/2012/main" name="Office Theme" id="{62F939B6-93AF-4DB8-9C6B-D6C7DFDC589F}" vid="{4A3C46E8-61CC-4603-A589-7422A47A8E4A}"/>
+    </a:ext>
+  </a:extLst>
+</a:theme>
+</file>
+
+<file path=ppt/theme/themeOverride1.xml><?xml version="1.0" encoding="utf-8"?>
+<a:themeOverride xmlns:a="http://schemas.openxmlformats.org/drawingml/2006/main">
+  <a:clrScheme name="Office">
+    <a:dk1>
+      <a:sysClr val="windowText" lastClr="000000"/>
+    </a:dk1>
+    <a:lt1>
+      <a:sysClr val="window" lastClr="FFFFFF"/>
+    </a:lt1>
+    <a:dk2>
+      <a:srgbClr val="44546A"/>
+    </a:dk2>
+    <a:lt2>
+      <a:srgbClr val="E7E6E6"/>
+    </a:lt2>
+    <a:accent1>
+      <a:srgbClr val="4472C4"/>
+    </a:accent1>
+    <a:accent2>
+      <a:srgbClr val="ED7D31"/>
+    </a:accent2>
+    <a:accent3>
+      <a:srgbClr val="A5A5A5"/>
+    </a:accent3>
+    <a:accent4>
+      <a:srgbClr val="FFC000"/>
+    </a:accent4>
+    <a:accent5>
+      <a:srgbClr val="5B9BD5"/>
+    </a:accent5>
+    <a:accent6>
+      <a:srgbClr val="70AD47"/>
+    </a:accent6>
+    <a:hlink>
+      <a:srgbClr val="0563C1"/>
+    </a:hlink>
+    <a:folHlink>
+      <a:srgbClr val="954F72"/>
+    </a:folHlink>
+  </a:clrScheme>
+</a:themeOverride>
+</file>
+
+<file path=ppt/theme/themeOverride2.xml><?xml version="1.0" encoding="utf-8"?>
+<a:themeOverride xmlns:a="http://schemas.openxmlformats.org/drawingml/2006/main">
+  <a:clrScheme name="Office">
+    <a:dk1>
+      <a:sysClr val="windowText" lastClr="000000"/>
+    </a:dk1>
+    <a:lt1>
+      <a:sysClr val="window" lastClr="FFFFFF"/>
+    </a:lt1>
+    <a:dk2>
+      <a:srgbClr val="44546A"/>
+    </a:dk2>
+    <a:lt2>
+      <a:srgbClr val="E7E6E6"/>
+    </a:lt2>
+    <a:accent1>
+      <a:srgbClr val="4472C4"/>
+    </a:accent1>
+    <a:accent2>
+      <a:srgbClr val="ED7D31"/>
+    </a:accent2>
+    <a:accent3>
+      <a:srgbClr val="A5A5A5"/>
+    </a:accent3>
+    <a:accent4>
+      <a:srgbClr val="FFC000"/>
+    </a:accent4>
+    <a:accent5>
+      <a:srgbClr val="5B9BD5"/>
+    </a:accent5>
+    <a:accent6>
+      <a:srgbClr val="70AD47"/>
+    </a:accent6>
+    <a:hlink>
+      <a:srgbClr val="0563C1"/>
+    </a:hlink>
+    <a:folHlink>
+      <a:srgbClr val="954F72"/>
+    </a:folHlink>
+  </a:clrScheme>
+</a:themeOverride>
+</file>
+
+<file path=ppt/theme/themeOverride3.xml><?xml version="1.0" encoding="utf-8"?>
+<a:themeOverride xmlns:a="http://schemas.openxmlformats.org/drawingml/2006/main">
+  <a:clrScheme name="Office">
+    <a:dk1>
+      <a:sysClr val="windowText" lastClr="000000"/>
+    </a:dk1>
+    <a:lt1>
+      <a:sysClr val="window" lastClr="FFFFFF"/>
+    </a:lt1>
+    <a:dk2>
+      <a:srgbClr val="44546A"/>
+    </a:dk2>
+    <a:lt2>
+      <a:srgbClr val="E7E6E6"/>
+    </a:lt2>
+    <a:accent1>
+      <a:srgbClr val="4472C4"/>
+    </a:accent1>
+    <a:accent2>
+      <a:srgbClr val="ED7D31"/>
+    </a:accent2>
+    <a:accent3>
+      <a:srgbClr val="A5A5A5"/>
+    </a:accent3>
+    <a:accent4>
+      <a:srgbClr val="FFC000"/>
+    </a:accent4>
+    <a:accent5>
+      <a:srgbClr val="5B9BD5"/>
+    </a:accent5>
+    <a:accent6>
+      <a:srgbClr val="70AD47"/>
+    </a:accent6>
+    <a:hlink>
+      <a:srgbClr val="0563C1"/>
+    </a:hlink>
+    <a:folHlink>
+      <a:srgbClr val="954F72"/>
+    </a:folHlink>
+  </a:clrScheme>
+</a:themeOverride>
+</file>
+
+<file path=ppt/theme/themeOverride4.xml><?xml version="1.0" encoding="utf-8"?>
+<a:themeOverride xmlns:a="http://schemas.openxmlformats.org/drawingml/2006/main">
+  <a:clrScheme name="Office">
+    <a:dk1>
+      <a:sysClr val="windowText" lastClr="000000"/>
+    </a:dk1>
+    <a:lt1>
+      <a:sysClr val="window" lastClr="FFFFFF"/>
+    </a:lt1>
+    <a:dk2>
+      <a:srgbClr val="44546A"/>
+    </a:dk2>
+    <a:lt2>
+      <a:srgbClr val="E7E6E6"/>
+    </a:lt2>
+    <a:accent1>
+      <a:srgbClr val="4472C4"/>
+    </a:accent1>
+    <a:accent2>
+      <a:srgbClr val="ED7D31"/>
+    </a:accent2>
+    <a:accent3>
+      <a:srgbClr val="A5A5A5"/>
+    </a:accent3>
+    <a:accent4>
+      <a:srgbClr val="FFC000"/>
+    </a:accent4>
+    <a:accent5>
+      <a:srgbClr val="5B9BD5"/>
+    </a:accent5>
+    <a:accent6>
+      <a:srgbClr val="70AD47"/>
+    </a:accent6>
+    <a:hlink>
+      <a:srgbClr val="0563C1"/>
+    </a:hlink>
+    <a:folHlink>
+      <a:srgbClr val="954F72"/>
+    </a:folHlink>
+  </a:clrScheme>
+</a:themeOverride>
+</file>
+
+<file path=ppt/theme/themeOverride5.xml><?xml version="1.0" encoding="utf-8"?>
+<a:themeOverride xmlns:a="http://schemas.openxmlformats.org/drawingml/2006/main">
+  <a:clrScheme name="Office">
+    <a:dk1>
+      <a:sysClr val="windowText" lastClr="000000"/>
+    </a:dk1>
+    <a:lt1>
+      <a:sysClr val="window" lastClr="FFFFFF"/>
+    </a:lt1>
+    <a:dk2>
+      <a:srgbClr val="44546A"/>
+    </a:dk2>
+    <a:lt2>
+      <a:srgbClr val="E7E6E6"/>
+    </a:lt2>
+    <a:accent1>
+      <a:srgbClr val="4472C4"/>
+    </a:accent1>
+    <a:accent2>
+      <a:srgbClr val="ED7D31"/>
+    </a:accent2>
+    <a:accent3>
+      <a:srgbClr val="A5A5A5"/>
+    </a:accent3>
+    <a:accent4>
+      <a:srgbClr val="FFC000"/>
+    </a:accent4>
+    <a:accent5>
+      <a:srgbClr val="5B9BD5"/>
+    </a:accent5>
+    <a:accent6>
+      <a:srgbClr val="70AD47"/>
+    </a:accent6>
+    <a:hlink>
+      <a:srgbClr val="0563C1"/>
+    </a:hlink>
+    <a:folHlink>
+      <a:srgbClr val="954F72"/>
+    </a:folHlink>
+  </a:clrScheme>
+</a:themeOverride>
 </file>